--- a/help/data-sheets/assets/DMeEliteSupportDatasheet_2022.pptx
+++ b/help/data-sheets/assets/DMeEliteSupportDatasheet_2022.pptx
@@ -156,6 +156,45 @@
 
 <file path=ppt/changesInfos/changesInfo1.xml><?xml version="1.0" encoding="utf-8"?>
 <pc:chgInfo xmlns:a="http://schemas.openxmlformats.org/drawingml/2006/main" xmlns:r="http://schemas.openxmlformats.org/officeDocument/2006/relationships" xmlns:ac="http://schemas.microsoft.com/office/drawing/2013/main/command" xmlns:pc="http://schemas.microsoft.com/office/powerpoint/2013/main/command">
+  <pc:docChgLst>
+    <pc:chgData name="David Baker" userId="da2b0875-9916-4d44-89d9-e651631ef4de" providerId="ADAL" clId="{15FC2388-40E0-524B-A732-5DC6014C06C9}"/>
+    <pc:docChg chg="modSld">
+      <pc:chgData name="David Baker" userId="da2b0875-9916-4d44-89d9-e651631ef4de" providerId="ADAL" clId="{15FC2388-40E0-524B-A732-5DC6014C06C9}" dt="2022-03-03T22:33:24.090" v="55" actId="20577"/>
+      <pc:docMkLst>
+        <pc:docMk/>
+      </pc:docMkLst>
+      <pc:sldChg chg="modSp mod">
+        <pc:chgData name="David Baker" userId="da2b0875-9916-4d44-89d9-e651631ef4de" providerId="ADAL" clId="{15FC2388-40E0-524B-A732-5DC6014C06C9}" dt="2022-03-03T22:33:16.092" v="49" actId="20577"/>
+        <pc:sldMkLst>
+          <pc:docMk/>
+          <pc:sldMk cId="0" sldId="256"/>
+        </pc:sldMkLst>
+        <pc:graphicFrameChg chg="modGraphic">
+          <ac:chgData name="David Baker" userId="da2b0875-9916-4d44-89d9-e651631ef4de" providerId="ADAL" clId="{15FC2388-40E0-524B-A732-5DC6014C06C9}" dt="2022-03-03T22:33:16.092" v="49" actId="20577"/>
+          <ac:graphicFrameMkLst>
+            <pc:docMk/>
+            <pc:sldMk cId="0" sldId="256"/>
+            <ac:graphicFrameMk id="13" creationId="{8FC06D05-42C7-D14C-86E4-0F01711669B9}"/>
+          </ac:graphicFrameMkLst>
+        </pc:graphicFrameChg>
+      </pc:sldChg>
+      <pc:sldChg chg="modSp mod">
+        <pc:chgData name="David Baker" userId="da2b0875-9916-4d44-89d9-e651631ef4de" providerId="ADAL" clId="{15FC2388-40E0-524B-A732-5DC6014C06C9}" dt="2022-03-03T22:33:24.090" v="55" actId="20577"/>
+        <pc:sldMkLst>
+          <pc:docMk/>
+          <pc:sldMk cId="3982262141" sldId="262"/>
+        </pc:sldMkLst>
+        <pc:spChg chg="mod">
+          <ac:chgData name="David Baker" userId="da2b0875-9916-4d44-89d9-e651631ef4de" providerId="ADAL" clId="{15FC2388-40E0-524B-A732-5DC6014C06C9}" dt="2022-03-03T22:33:24.090" v="55" actId="20577"/>
+          <ac:spMkLst>
+            <pc:docMk/>
+            <pc:sldMk cId="3982262141" sldId="262"/>
+            <ac:spMk id="63" creationId="{D526F789-D18E-C84B-9754-133D64A670FD}"/>
+          </ac:spMkLst>
+        </pc:spChg>
+      </pc:sldChg>
+    </pc:docChg>
+  </pc:docChgLst>
   <pc:docChgLst>
     <pc:chgData name="Jaclyn Zalesky" userId="9c0b24b4-6ad7-45a7-a9a0-5ba404afed22" providerId="ADAL" clId="{D5ADAA79-0557-4642-B5FA-AC79C44AE176}"/>
     <pc:docChg chg="undo custSel modSld">
@@ -427,14 +466,14 @@
     </pc:docChg>
   </pc:docChgLst>
   <pc:docChgLst>
-    <pc:chgData name="David Baker" userId="S::davbaker@adobe.com::da2b0875-9916-4d44-89d9-e651631ef4de" providerId="AD" clId="Web-{F5354F4D-DB15-A8BC-D7BD-1244B840E560}"/>
-    <pc:docChg chg="mod">
-      <pc:chgData name="David Baker" userId="S::davbaker@adobe.com::da2b0875-9916-4d44-89d9-e651631ef4de" providerId="AD" clId="Web-{F5354F4D-DB15-A8BC-D7BD-1244B840E560}" dt="2022-02-09T19:20:34.744" v="1"/>
+    <pc:chgData name="Jaclyn Zalesky" userId="S::zalesky@adobe.com::9c0b24b4-6ad7-45a7-a9a0-5ba404afed22" providerId="AD" clId="Web-{C425CE26-59BB-E42C-68AA-84C16DB67B9F}"/>
+    <pc:docChg chg="">
+      <pc:chgData name="Jaclyn Zalesky" userId="S::zalesky@adobe.com::9c0b24b4-6ad7-45a7-a9a0-5ba404afed22" providerId="AD" clId="Web-{C425CE26-59BB-E42C-68AA-84C16DB67B9F}" dt="2022-03-01T18:32:49.142" v="0"/>
       <pc:docMkLst>
         <pc:docMk/>
       </pc:docMkLst>
-      <pc:sldChg chg="addCm">
-        <pc:chgData name="David Baker" userId="S::davbaker@adobe.com::da2b0875-9916-4d44-89d9-e651631ef4de" providerId="AD" clId="Web-{F5354F4D-DB15-A8BC-D7BD-1244B840E560}" dt="2022-02-09T19:20:34.744" v="1"/>
+      <pc:sldChg chg="delCm">
+        <pc:chgData name="Jaclyn Zalesky" userId="S::zalesky@adobe.com::9c0b24b4-6ad7-45a7-a9a0-5ba404afed22" providerId="AD" clId="Web-{C425CE26-59BB-E42C-68AA-84C16DB67B9F}" dt="2022-03-01T18:32:49.142" v="0"/>
         <pc:sldMkLst>
           <pc:docMk/>
           <pc:sldMk cId="1050037809" sldId="261"/>
@@ -467,53 +506,14 @@
     </pc:docChg>
   </pc:docChgLst>
   <pc:docChgLst>
-    <pc:chgData name="David Baker" userId="da2b0875-9916-4d44-89d9-e651631ef4de" providerId="ADAL" clId="{15FC2388-40E0-524B-A732-5DC6014C06C9}"/>
-    <pc:docChg chg="modSld">
-      <pc:chgData name="David Baker" userId="da2b0875-9916-4d44-89d9-e651631ef4de" providerId="ADAL" clId="{15FC2388-40E0-524B-A732-5DC6014C06C9}" dt="2022-03-03T22:33:24.090" v="55" actId="20577"/>
+    <pc:chgData name="David Baker" userId="S::davbaker@adobe.com::da2b0875-9916-4d44-89d9-e651631ef4de" providerId="AD" clId="Web-{F5354F4D-DB15-A8BC-D7BD-1244B840E560}"/>
+    <pc:docChg chg="mod">
+      <pc:chgData name="David Baker" userId="S::davbaker@adobe.com::da2b0875-9916-4d44-89d9-e651631ef4de" providerId="AD" clId="Web-{F5354F4D-DB15-A8BC-D7BD-1244B840E560}" dt="2022-02-09T19:20:34.744" v="1"/>
       <pc:docMkLst>
         <pc:docMk/>
       </pc:docMkLst>
-      <pc:sldChg chg="modSp mod">
-        <pc:chgData name="David Baker" userId="da2b0875-9916-4d44-89d9-e651631ef4de" providerId="ADAL" clId="{15FC2388-40E0-524B-A732-5DC6014C06C9}" dt="2022-03-03T22:33:16.092" v="49" actId="20577"/>
-        <pc:sldMkLst>
-          <pc:docMk/>
-          <pc:sldMk cId="0" sldId="256"/>
-        </pc:sldMkLst>
-        <pc:graphicFrameChg chg="modGraphic">
-          <ac:chgData name="David Baker" userId="da2b0875-9916-4d44-89d9-e651631ef4de" providerId="ADAL" clId="{15FC2388-40E0-524B-A732-5DC6014C06C9}" dt="2022-03-03T22:33:16.092" v="49" actId="20577"/>
-          <ac:graphicFrameMkLst>
-            <pc:docMk/>
-            <pc:sldMk cId="0" sldId="256"/>
-            <ac:graphicFrameMk id="13" creationId="{8FC06D05-42C7-D14C-86E4-0F01711669B9}"/>
-          </ac:graphicFrameMkLst>
-        </pc:graphicFrameChg>
-      </pc:sldChg>
-      <pc:sldChg chg="modSp mod">
-        <pc:chgData name="David Baker" userId="da2b0875-9916-4d44-89d9-e651631ef4de" providerId="ADAL" clId="{15FC2388-40E0-524B-A732-5DC6014C06C9}" dt="2022-03-03T22:33:24.090" v="55" actId="20577"/>
-        <pc:sldMkLst>
-          <pc:docMk/>
-          <pc:sldMk cId="3982262141" sldId="262"/>
-        </pc:sldMkLst>
-        <pc:spChg chg="mod">
-          <ac:chgData name="David Baker" userId="da2b0875-9916-4d44-89d9-e651631ef4de" providerId="ADAL" clId="{15FC2388-40E0-524B-A732-5DC6014C06C9}" dt="2022-03-03T22:33:24.090" v="55" actId="20577"/>
-          <ac:spMkLst>
-            <pc:docMk/>
-            <pc:sldMk cId="3982262141" sldId="262"/>
-            <ac:spMk id="63" creationId="{D526F789-D18E-C84B-9754-133D64A670FD}"/>
-          </ac:spMkLst>
-        </pc:spChg>
-      </pc:sldChg>
-    </pc:docChg>
-  </pc:docChgLst>
-  <pc:docChgLst>
-    <pc:chgData name="Jaclyn Zalesky" userId="S::zalesky@adobe.com::9c0b24b4-6ad7-45a7-a9a0-5ba404afed22" providerId="AD" clId="Web-{C425CE26-59BB-E42C-68AA-84C16DB67B9F}"/>
-    <pc:docChg chg="">
-      <pc:chgData name="Jaclyn Zalesky" userId="S::zalesky@adobe.com::9c0b24b4-6ad7-45a7-a9a0-5ba404afed22" providerId="AD" clId="Web-{C425CE26-59BB-E42C-68AA-84C16DB67B9F}" dt="2022-03-01T18:32:49.142" v="0"/>
-      <pc:docMkLst>
-        <pc:docMk/>
-      </pc:docMkLst>
-      <pc:sldChg chg="delCm">
-        <pc:chgData name="Jaclyn Zalesky" userId="S::zalesky@adobe.com::9c0b24b4-6ad7-45a7-a9a0-5ba404afed22" providerId="AD" clId="Web-{C425CE26-59BB-E42C-68AA-84C16DB67B9F}" dt="2022-03-01T18:32:49.142" v="0"/>
+      <pc:sldChg chg="addCm">
+        <pc:chgData name="David Baker" userId="S::davbaker@adobe.com::da2b0875-9916-4d44-89d9-e651631ef4de" providerId="AD" clId="Web-{F5354F4D-DB15-A8BC-D7BD-1244B840E560}" dt="2022-02-09T19:20:34.744" v="1"/>
         <pc:sldMkLst>
           <pc:docMk/>
           <pc:sldMk cId="1050037809" sldId="261"/>
@@ -606,7 +606,7 @@
           <a:p>
             <a:fld id="{C12E57D6-2086-AA47-A7A4-C0CDE7C14E44}" type="datetimeFigureOut">
               <a:rPr lang="en-US" smtClean="0"/>
-              <a:t>3/3/22</a:t>
+              <a:t>3/25/2022</a:t>
             </a:fld>
             <a:endParaRPr lang="en-US"/>
           </a:p>
@@ -917,7 +917,7 @@
           <a:bodyPr/>
           <a:lstStyle/>
           <a:p>
-            <a:endParaRPr lang="en-US"/>
+            <a:endParaRPr lang="en-US" dirty="0"/>
           </a:p>
         </p:txBody>
       </p:sp>
@@ -1264,7 +1264,7 @@
           <a:p>
             <a:fld id="{1D8BD707-D9CF-40AE-B4C6-C98DA3205C09}" type="datetimeFigureOut">
               <a:rPr lang="en-US"/>
-              <a:t>3/3/22</a:t>
+              <a:t>3/25/2022</a:t>
             </a:fld>
             <a:endParaRPr lang="en-US"/>
           </a:p>
@@ -1509,7 +1509,7 @@
           <a:p>
             <a:fld id="{1D8BD707-D9CF-40AE-B4C6-C98DA3205C09}" type="datetimeFigureOut">
               <a:rPr lang="en-US"/>
-              <a:t>3/3/22</a:t>
+              <a:t>3/25/2022</a:t>
             </a:fld>
             <a:endParaRPr lang="en-US"/>
           </a:p>
@@ -1767,7 +1767,7 @@
           <a:p>
             <a:fld id="{1D8BD707-D9CF-40AE-B4C6-C98DA3205C09}" type="datetimeFigureOut">
               <a:rPr lang="en-US"/>
-              <a:t>3/3/22</a:t>
+              <a:t>3/25/2022</a:t>
             </a:fld>
             <a:endParaRPr lang="en-US"/>
           </a:p>
@@ -1959,7 +1959,7 @@
           <a:p>
             <a:fld id="{1D8BD707-D9CF-40AE-B4C6-C98DA3205C09}" type="datetimeFigureOut">
               <a:rPr lang="en-US"/>
-              <a:t>3/3/22</a:t>
+              <a:t>3/25/2022</a:t>
             </a:fld>
             <a:endParaRPr lang="en-US"/>
           </a:p>
@@ -2122,7 +2122,7 @@
           <a:p>
             <a:fld id="{1D8BD707-D9CF-40AE-B4C6-C98DA3205C09}" type="datetimeFigureOut">
               <a:rPr lang="en-US"/>
-              <a:t>3/3/22</a:t>
+              <a:t>3/25/2022</a:t>
             </a:fld>
             <a:endParaRPr lang="en-US"/>
           </a:p>
@@ -2385,7 +2385,7 @@
           <a:p>
             <a:fld id="{1D8BD707-D9CF-40AE-B4C6-C98DA3205C09}" type="datetimeFigureOut">
               <a:rPr lang="en-US"/>
-              <a:t>3/3/22</a:t>
+              <a:t>3/25/2022</a:t>
             </a:fld>
             <a:endParaRPr lang="en-US"/>
           </a:p>
@@ -2682,20 +2682,11 @@
               </a:spcBef>
             </a:pPr>
             <a:r>
-              <a:rPr sz="2300" dirty="0">
+              <a:rPr lang="it-IT" sz="2300">
                 <a:latin typeface="Adobe Clean" panose="020B0503020404020204" pitchFamily="34" charset="0"/>
               </a:rPr>
-              <a:t>ADOBE SUPPORT</a:t>
+              <a:t>PIANI DI SUPPORTO ADOBE</a:t>
             </a:r>
-            <a:r>
-              <a:rPr lang="en-US" sz="2300" dirty="0">
-                <a:latin typeface="Adobe Clean" panose="020B0503020404020204" pitchFamily="34" charset="0"/>
-              </a:rPr>
-              <a:t> PLANS</a:t>
-            </a:r>
-            <a:endParaRPr sz="2300" dirty="0">
-              <a:latin typeface="Adobe Clean" panose="020B0503020404020204" pitchFamily="34" charset="0"/>
-            </a:endParaRPr>
           </a:p>
         </p:txBody>
       </p:sp>
@@ -2708,7 +2699,7 @@
         <p:spPr>
           <a:xfrm>
             <a:off x="159523" y="560755"/>
-            <a:ext cx="6889348" cy="1327928"/>
+            <a:ext cx="6743553" cy="1327928"/>
           </a:xfrm>
           <a:prstGeom prst="rect">
             <a:avLst/>
@@ -2729,107 +2720,17 @@
               </a:spcBef>
             </a:pPr>
             <a:r>
-              <a:rPr lang="en-US" sz="1100" spc="-5" dirty="0">
+              <a:rPr lang="it-IT" sz="1100" dirty="0">
                 <a:solidFill>
                   <a:srgbClr val="FFFFFF"/>
                 </a:solidFill>
                 <a:latin typeface="AdobeClean-Light"/>
                 <a:cs typeface="AdobeClean-Light"/>
               </a:rPr>
-              <a:t>Standard</a:t>
+              <a:t>Standard | Business | Enterprise | </a:t>
             </a:r>
             <a:r>
-              <a:rPr sz="1100" dirty="0">
-                <a:solidFill>
-                  <a:srgbClr val="FFFFFF"/>
-                </a:solidFill>
-                <a:latin typeface="AdobeClean-Light"/>
-                <a:cs typeface="AdobeClean-Light"/>
-              </a:rPr>
-              <a:t> |</a:t>
-            </a:r>
-            <a:r>
-              <a:rPr sz="1100" spc="5" dirty="0">
-                <a:solidFill>
-                  <a:srgbClr val="FFFFFF"/>
-                </a:solidFill>
-                <a:latin typeface="AdobeClean-Light"/>
-                <a:cs typeface="AdobeClean-Light"/>
-              </a:rPr>
-              <a:t> </a:t>
-            </a:r>
-            <a:r>
-              <a:rPr sz="1100" spc="-5" dirty="0">
-                <a:solidFill>
-                  <a:srgbClr val="FFFFFF"/>
-                </a:solidFill>
-                <a:latin typeface="AdobeClean-Light"/>
-                <a:cs typeface="AdobeClean-Light"/>
-              </a:rPr>
-              <a:t>Business</a:t>
-            </a:r>
-            <a:r>
-              <a:rPr sz="1100" dirty="0">
-                <a:solidFill>
-                  <a:srgbClr val="FFFFFF"/>
-                </a:solidFill>
-                <a:latin typeface="AdobeClean-Light"/>
-                <a:cs typeface="AdobeClean-Light"/>
-              </a:rPr>
-              <a:t> |</a:t>
-            </a:r>
-            <a:r>
-              <a:rPr sz="1100" spc="10" dirty="0">
-                <a:solidFill>
-                  <a:srgbClr val="FFFFFF"/>
-                </a:solidFill>
-                <a:latin typeface="AdobeClean-Light"/>
-                <a:cs typeface="AdobeClean-Light"/>
-              </a:rPr>
-              <a:t> </a:t>
-            </a:r>
-            <a:r>
-              <a:rPr sz="1100" spc="-5" dirty="0">
-                <a:solidFill>
-                  <a:srgbClr val="FFFFFF"/>
-                </a:solidFill>
-                <a:latin typeface="AdobeClean-Light"/>
-                <a:cs typeface="AdobeClean-Light"/>
-              </a:rPr>
-              <a:t>Enterprise</a:t>
-            </a:r>
-            <a:r>
-              <a:rPr sz="1100" spc="10" dirty="0">
-                <a:solidFill>
-                  <a:srgbClr val="FFFFFF"/>
-                </a:solidFill>
-                <a:latin typeface="AdobeClean-Light"/>
-                <a:cs typeface="AdobeClean-Light"/>
-              </a:rPr>
-              <a:t> </a:t>
-            </a:r>
-            <a:r>
-              <a:rPr sz="1100" dirty="0">
-                <a:solidFill>
-                  <a:srgbClr val="FFFFFF"/>
-                </a:solidFill>
-                <a:latin typeface="AdobeClean-Light"/>
-                <a:cs typeface="AdobeClean-Light"/>
-              </a:rPr>
-              <a:t>|</a:t>
-            </a:r>
-            <a:r>
-              <a:rPr sz="1100" spc="5" dirty="0">
-                <a:solidFill>
-                  <a:srgbClr val="FFFFFF"/>
-                </a:solidFill>
-                <a:latin typeface="AdobeClean-Light"/>
-                <a:cs typeface="AdobeClean-Light"/>
-              </a:rPr>
-              <a:t> </a:t>
-            </a:r>
-            <a:r>
-              <a:rPr sz="1100" b="1" spc="-65" dirty="0">
+              <a:rPr lang="it-IT" sz="1100" b="1" dirty="0">
                 <a:solidFill>
                   <a:srgbClr val="FFFFFF"/>
                 </a:solidFill>
@@ -2838,10 +2739,6 @@
               </a:rPr>
               <a:t>Elite</a:t>
             </a:r>
-            <a:endParaRPr sz="1100" dirty="0">
-              <a:latin typeface="Arial"/>
-              <a:cs typeface="Arial"/>
-            </a:endParaRPr>
           </a:p>
           <a:p>
             <a:pPr marL="12700" marR="1076325">
@@ -2850,39 +2747,32 @@
               </a:spcBef>
             </a:pPr>
             <a:r>
-              <a:rPr lang="en-US" sz="900" dirty="0">
+              <a:rPr lang="it-IT" sz="900" dirty="0">
                 <a:solidFill>
                   <a:schemeClr val="bg1"/>
                 </a:solidFill>
                 <a:latin typeface="Adobe Clean SemiLight" panose="020B0403020404020204" pitchFamily="34" charset="0"/>
               </a:rPr>
-              <a:t>Adobe provides a comprehensive range of technical resources to help support your business included as part of your Adobe enterprise </a:t>
+              <a:t>Adobe offre una gamma completa di risorse tecniche per assistere la tua azienda, incluse </a:t>
             </a:r>
             <a:r>
-              <a:rPr lang="en-US" sz="900" dirty="0">
+              <a:rPr lang="it-IT" sz="900" dirty="0">
                 <a:solidFill>
                   <a:schemeClr val="bg1"/>
                 </a:solidFill>
                 <a:latin typeface="Adobe Clean SemiLight"/>
               </a:rPr>
-              <a:t>subscription. This is enhanced with the ELITE Support Plan</a:t>
+              <a:t>nell’abbonamento Adobe Enterprise. Questa offerta è rafforzata con il piano di supporto ELITE</a:t>
             </a:r>
             <a:r>
-              <a:rPr lang="en-US" sz="900" dirty="0">
+              <a:rPr lang="it-IT" sz="900" dirty="0">
                 <a:solidFill>
                   <a:schemeClr val="bg1"/>
                 </a:solidFill>
                 <a:latin typeface="Adobe Clean SemiLight" panose="020B0403020404020204" pitchFamily="34" charset="0"/>
               </a:rPr>
-              <a:t>. ELITE customers have access to a Named Support Engineer as well as a Technical Account Manager who work in partnership with you to provide best in class proactive and reactive support while acting as your designated technical contacts within the Adobe Support Team. With deep experience in your applicable Creative Cloud and Document Cloud solutions, your Support Team works to ensure that no matter how complex your support needs are, the Adobe Support Team will be there side by side with you throughout, to ensure you maximize your investment in applicable Adobe solutions and to help you avoid problems before they happen. You can also take advantage of our detailed and in-depth technical product documentation and current release notes. </a:t>
+              <a:t>. Ai clienti ELITE vengono assegnati un Named Support Engineer e un Technical Account Manager che saranno i tuoi contatti di riferimento all’interno del team Adobe Support. Inoltre, insieme e in partnership con la tua azienda, ti offrono un servizio di supporto d’eccellenza, proattivo e reattivo. Conoscendo a fondo le tue soluzioni Creative Cloud e Document Clouds applicabili, il team del supporto sarà sempre al tuo fianco per ogni esigenza di supporto, per aiutarti a trarre il massimo dalle soluzioni Adobe applicabili in cui hai investito e prevenire eventuali problemi. Puoi inoltre usufruire di documentazione tecnica dettagliata e note sulla versione sempre aggiornate. </a:t>
             </a:r>
-            <a:endParaRPr sz="900" dirty="0">
-              <a:solidFill>
-                <a:schemeClr val="bg1"/>
-              </a:solidFill>
-              <a:latin typeface="AdobeClean-Light"/>
-              <a:cs typeface="AdobeClean-Light"/>
-            </a:endParaRPr>
           </a:p>
         </p:txBody>
       </p:sp>
@@ -2894,8 +2784,8 @@
         </p:nvSpPr>
         <p:spPr>
           <a:xfrm>
-            <a:off x="209607" y="7078651"/>
-            <a:ext cx="2780665" cy="238760"/>
+            <a:off x="209606" y="7078651"/>
+            <a:ext cx="4023360" cy="238760"/>
           </a:xfrm>
           <a:prstGeom prst="rect">
             <a:avLst/>
@@ -2916,7 +2806,7 @@
               </a:spcBef>
             </a:pPr>
             <a:r>
-              <a:rPr sz="1400" b="1" u="heavy" spc="20">
+              <a:rPr lang="it-IT" sz="1400" b="1" u="heavy" dirty="0">
                 <a:solidFill>
                   <a:srgbClr val="020302"/>
                 </a:solidFill>
@@ -2928,447 +2818,8 @@
                 <a:latin typeface="Adobe Clean"/>
                 <a:cs typeface="Adobe Clean"/>
               </a:rPr>
-              <a:t>S</a:t>
+              <a:t>Obiettivi del livello di servizio: risposta iniziale</a:t>
             </a:r>
-            <a:r>
-              <a:rPr sz="1400" b="1" u="heavy">
-                <a:solidFill>
-                  <a:srgbClr val="020302"/>
-                </a:solidFill>
-                <a:uFill>
-                  <a:solidFill>
-                    <a:srgbClr val="020302"/>
-                  </a:solidFill>
-                </a:uFill>
-                <a:latin typeface="Adobe Clean"/>
-                <a:cs typeface="Adobe Clean"/>
-              </a:rPr>
-              <a:t>er</a:t>
-            </a:r>
-            <a:r>
-              <a:rPr sz="1400" b="1" u="heavy" spc="10">
-                <a:solidFill>
-                  <a:srgbClr val="020302"/>
-                </a:solidFill>
-                <a:uFill>
-                  <a:solidFill>
-                    <a:srgbClr val="020302"/>
-                  </a:solidFill>
-                </a:uFill>
-                <a:latin typeface="Adobe Clean"/>
-                <a:cs typeface="Adobe Clean"/>
-              </a:rPr>
-              <a:t>vi</a:t>
-            </a:r>
-            <a:r>
-              <a:rPr sz="1400" b="1" u="heavy">
-                <a:solidFill>
-                  <a:srgbClr val="020302"/>
-                </a:solidFill>
-                <a:uFill>
-                  <a:solidFill>
-                    <a:srgbClr val="020302"/>
-                  </a:solidFill>
-                </a:uFill>
-                <a:latin typeface="Adobe Clean"/>
-                <a:cs typeface="Adobe Clean"/>
-              </a:rPr>
-              <a:t>ce</a:t>
-            </a:r>
-            <a:r>
-              <a:rPr sz="1400" b="1" u="heavy" spc="20">
-                <a:solidFill>
-                  <a:srgbClr val="020302"/>
-                </a:solidFill>
-                <a:uFill>
-                  <a:solidFill>
-                    <a:srgbClr val="020302"/>
-                  </a:solidFill>
-                </a:uFill>
-                <a:latin typeface="Adobe Clean"/>
-                <a:cs typeface="Adobe Clean"/>
-              </a:rPr>
-              <a:t> </a:t>
-            </a:r>
-            <a:r>
-              <a:rPr sz="1400" b="1" u="heavy" spc="-20">
-                <a:solidFill>
-                  <a:srgbClr val="020302"/>
-                </a:solidFill>
-                <a:uFill>
-                  <a:solidFill>
-                    <a:srgbClr val="020302"/>
-                  </a:solidFill>
-                </a:uFill>
-                <a:latin typeface="Adobe Clean"/>
-                <a:cs typeface="Adobe Clean"/>
-              </a:rPr>
-              <a:t>Le</a:t>
-            </a:r>
-            <a:r>
-              <a:rPr sz="1400" b="1" u="heavy" spc="-10">
-                <a:solidFill>
-                  <a:srgbClr val="020302"/>
-                </a:solidFill>
-                <a:uFill>
-                  <a:solidFill>
-                    <a:srgbClr val="020302"/>
-                  </a:solidFill>
-                </a:uFill>
-                <a:latin typeface="Adobe Clean"/>
-                <a:cs typeface="Adobe Clean"/>
-              </a:rPr>
-              <a:t>v</a:t>
-            </a:r>
-            <a:r>
-              <a:rPr sz="1400" b="1" u="heavy" spc="-20">
-                <a:solidFill>
-                  <a:srgbClr val="020302"/>
-                </a:solidFill>
-                <a:uFill>
-                  <a:solidFill>
-                    <a:srgbClr val="020302"/>
-                  </a:solidFill>
-                </a:uFill>
-                <a:latin typeface="Adobe Clean"/>
-                <a:cs typeface="Adobe Clean"/>
-              </a:rPr>
-              <a:t>e</a:t>
-            </a:r>
-            <a:r>
-              <a:rPr sz="1400" b="1" u="heavy">
-                <a:solidFill>
-                  <a:srgbClr val="020302"/>
-                </a:solidFill>
-                <a:uFill>
-                  <a:solidFill>
-                    <a:srgbClr val="020302"/>
-                  </a:solidFill>
-                </a:uFill>
-                <a:latin typeface="Adobe Clean"/>
-                <a:cs typeface="Adobe Clean"/>
-              </a:rPr>
-              <a:t>l</a:t>
-            </a:r>
-            <a:r>
-              <a:rPr sz="1400" b="1" u="heavy" spc="-10">
-                <a:solidFill>
-                  <a:srgbClr val="020302"/>
-                </a:solidFill>
-                <a:uFill>
-                  <a:solidFill>
-                    <a:srgbClr val="020302"/>
-                  </a:solidFill>
-                </a:uFill>
-                <a:latin typeface="Adobe Clean"/>
-                <a:cs typeface="Adobe Clean"/>
-              </a:rPr>
-              <a:t> </a:t>
-            </a:r>
-            <a:r>
-              <a:rPr sz="1400" b="1" u="heavy" spc="-65">
-                <a:solidFill>
-                  <a:srgbClr val="020302"/>
-                </a:solidFill>
-                <a:uFill>
-                  <a:solidFill>
-                    <a:srgbClr val="020302"/>
-                  </a:solidFill>
-                </a:uFill>
-                <a:latin typeface="Adobe Clean"/>
-                <a:cs typeface="Adobe Clean"/>
-              </a:rPr>
-              <a:t>T</a:t>
-            </a:r>
-            <a:r>
-              <a:rPr sz="1400" b="1" u="heavy" spc="-35">
-                <a:solidFill>
-                  <a:srgbClr val="020302"/>
-                </a:solidFill>
-                <a:uFill>
-                  <a:solidFill>
-                    <a:srgbClr val="020302"/>
-                  </a:solidFill>
-                </a:uFill>
-                <a:latin typeface="Adobe Clean"/>
-                <a:cs typeface="Adobe Clean"/>
-              </a:rPr>
-              <a:t>a</a:t>
-            </a:r>
-            <a:r>
-              <a:rPr sz="1400" b="1" u="heavy" spc="-45">
-                <a:solidFill>
-                  <a:srgbClr val="020302"/>
-                </a:solidFill>
-                <a:uFill>
-                  <a:solidFill>
-                    <a:srgbClr val="020302"/>
-                  </a:solidFill>
-                </a:uFill>
-                <a:latin typeface="Adobe Clean"/>
-                <a:cs typeface="Adobe Clean"/>
-              </a:rPr>
-              <a:t>r</a:t>
-            </a:r>
-            <a:r>
-              <a:rPr sz="1400" b="1" u="heavy" spc="-35">
-                <a:solidFill>
-                  <a:srgbClr val="020302"/>
-                </a:solidFill>
-                <a:uFill>
-                  <a:solidFill>
-                    <a:srgbClr val="020302"/>
-                  </a:solidFill>
-                </a:uFill>
-                <a:latin typeface="Adobe Clean"/>
-                <a:cs typeface="Adobe Clean"/>
-              </a:rPr>
-              <a:t>g</a:t>
-            </a:r>
-            <a:r>
-              <a:rPr sz="1400" b="1" u="heavy" spc="-55">
-                <a:solidFill>
-                  <a:srgbClr val="020302"/>
-                </a:solidFill>
-                <a:uFill>
-                  <a:solidFill>
-                    <a:srgbClr val="020302"/>
-                  </a:solidFill>
-                </a:uFill>
-                <a:latin typeface="Adobe Clean"/>
-                <a:cs typeface="Adobe Clean"/>
-              </a:rPr>
-              <a:t>et</a:t>
-            </a:r>
-            <a:r>
-              <a:rPr sz="1400" b="1" u="heavy" spc="-45">
-                <a:solidFill>
-                  <a:srgbClr val="020302"/>
-                </a:solidFill>
-                <a:uFill>
-                  <a:solidFill>
-                    <a:srgbClr val="020302"/>
-                  </a:solidFill>
-                </a:uFill>
-                <a:latin typeface="Adobe Clean"/>
-                <a:cs typeface="Adobe Clean"/>
-              </a:rPr>
-              <a:t>s</a:t>
-            </a:r>
-            <a:r>
-              <a:rPr sz="1400" b="1" u="heavy">
-                <a:solidFill>
-                  <a:srgbClr val="020302"/>
-                </a:solidFill>
-                <a:uFill>
-                  <a:solidFill>
-                    <a:srgbClr val="020302"/>
-                  </a:solidFill>
-                </a:uFill>
-                <a:latin typeface="Adobe Clean"/>
-                <a:cs typeface="Adobe Clean"/>
-              </a:rPr>
-              <a:t>:</a:t>
-            </a:r>
-            <a:r>
-              <a:rPr sz="1400" b="1" u="heavy" spc="-80">
-                <a:solidFill>
-                  <a:srgbClr val="020302"/>
-                </a:solidFill>
-                <a:uFill>
-                  <a:solidFill>
-                    <a:srgbClr val="020302"/>
-                  </a:solidFill>
-                </a:uFill>
-                <a:latin typeface="Adobe Clean"/>
-                <a:cs typeface="Adobe Clean"/>
-              </a:rPr>
-              <a:t> </a:t>
-            </a:r>
-            <a:r>
-              <a:rPr sz="1400" b="1" u="heavy" spc="-20">
-                <a:solidFill>
-                  <a:srgbClr val="020302"/>
-                </a:solidFill>
-                <a:uFill>
-                  <a:solidFill>
-                    <a:srgbClr val="020302"/>
-                  </a:solidFill>
-                </a:uFill>
-                <a:latin typeface="Adobe Clean"/>
-                <a:cs typeface="Adobe Clean"/>
-              </a:rPr>
-              <a:t>I</a:t>
-            </a:r>
-            <a:r>
-              <a:rPr sz="1400" b="1" u="heavy" spc="-10">
-                <a:solidFill>
-                  <a:srgbClr val="020302"/>
-                </a:solidFill>
-                <a:uFill>
-                  <a:solidFill>
-                    <a:srgbClr val="020302"/>
-                  </a:solidFill>
-                </a:uFill>
-                <a:latin typeface="Adobe Clean"/>
-                <a:cs typeface="Adobe Clean"/>
-              </a:rPr>
-              <a:t>ni</a:t>
-            </a:r>
-            <a:r>
-              <a:rPr sz="1400" b="1" u="heavy" spc="-20">
-                <a:solidFill>
-                  <a:srgbClr val="020302"/>
-                </a:solidFill>
-                <a:uFill>
-                  <a:solidFill>
-                    <a:srgbClr val="020302"/>
-                  </a:solidFill>
-                </a:uFill>
-                <a:latin typeface="Adobe Clean"/>
-                <a:cs typeface="Adobe Clean"/>
-              </a:rPr>
-              <a:t>t</a:t>
-            </a:r>
-            <a:r>
-              <a:rPr sz="1400" b="1" u="heavy" spc="-10">
-                <a:solidFill>
-                  <a:srgbClr val="020302"/>
-                </a:solidFill>
-                <a:uFill>
-                  <a:solidFill>
-                    <a:srgbClr val="020302"/>
-                  </a:solidFill>
-                </a:uFill>
-                <a:latin typeface="Adobe Clean"/>
-                <a:cs typeface="Adobe Clean"/>
-              </a:rPr>
-              <a:t>i</a:t>
-            </a:r>
-            <a:r>
-              <a:rPr sz="1400" b="1" u="heavy">
-                <a:solidFill>
-                  <a:srgbClr val="020302"/>
-                </a:solidFill>
-                <a:uFill>
-                  <a:solidFill>
-                    <a:srgbClr val="020302"/>
-                  </a:solidFill>
-                </a:uFill>
-                <a:latin typeface="Adobe Clean"/>
-                <a:cs typeface="Adobe Clean"/>
-              </a:rPr>
-              <a:t>al</a:t>
-            </a:r>
-            <a:r>
-              <a:rPr sz="1400" b="1" u="heavy" spc="-140">
-                <a:solidFill>
-                  <a:srgbClr val="020302"/>
-                </a:solidFill>
-                <a:uFill>
-                  <a:solidFill>
-                    <a:srgbClr val="020302"/>
-                  </a:solidFill>
-                </a:uFill>
-                <a:latin typeface="Adobe Clean"/>
-                <a:cs typeface="Adobe Clean"/>
-              </a:rPr>
-              <a:t> </a:t>
-            </a:r>
-            <a:r>
-              <a:rPr sz="1400" b="1" u="heavy" spc="-15">
-                <a:solidFill>
-                  <a:srgbClr val="020302"/>
-                </a:solidFill>
-                <a:uFill>
-                  <a:solidFill>
-                    <a:srgbClr val="020302"/>
-                  </a:solidFill>
-                </a:uFill>
-                <a:latin typeface="Adobe Clean"/>
-                <a:cs typeface="Adobe Clean"/>
-              </a:rPr>
-              <a:t>R</a:t>
-            </a:r>
-            <a:r>
-              <a:rPr sz="1400" b="1" u="heavy" spc="-25">
-                <a:solidFill>
-                  <a:srgbClr val="020302"/>
-                </a:solidFill>
-                <a:uFill>
-                  <a:solidFill>
-                    <a:srgbClr val="020302"/>
-                  </a:solidFill>
-                </a:uFill>
-                <a:latin typeface="Adobe Clean"/>
-                <a:cs typeface="Adobe Clean"/>
-              </a:rPr>
-              <a:t>e</a:t>
-            </a:r>
-            <a:r>
-              <a:rPr sz="1400" b="1" u="heavy" spc="-15">
-                <a:solidFill>
-                  <a:srgbClr val="020302"/>
-                </a:solidFill>
-                <a:uFill>
-                  <a:solidFill>
-                    <a:srgbClr val="020302"/>
-                  </a:solidFill>
-                </a:uFill>
-                <a:latin typeface="Adobe Clean"/>
-                <a:cs typeface="Adobe Clean"/>
-              </a:rPr>
-              <a:t>s</a:t>
-            </a:r>
-            <a:r>
-              <a:rPr sz="1400" b="1" u="heavy" spc="-25">
-                <a:solidFill>
-                  <a:srgbClr val="020302"/>
-                </a:solidFill>
-                <a:uFill>
-                  <a:solidFill>
-                    <a:srgbClr val="020302"/>
-                  </a:solidFill>
-                </a:uFill>
-                <a:latin typeface="Adobe Clean"/>
-                <a:cs typeface="Adobe Clean"/>
-              </a:rPr>
-              <a:t>p</a:t>
-            </a:r>
-            <a:r>
-              <a:rPr sz="1400" b="1" u="heavy" spc="-15">
-                <a:solidFill>
-                  <a:srgbClr val="020302"/>
-                </a:solidFill>
-                <a:uFill>
-                  <a:solidFill>
-                    <a:srgbClr val="020302"/>
-                  </a:solidFill>
-                </a:uFill>
-                <a:latin typeface="Adobe Clean"/>
-                <a:cs typeface="Adobe Clean"/>
-              </a:rPr>
-              <a:t>ons</a:t>
-            </a:r>
-            <a:r>
-              <a:rPr sz="1400" b="1" u="heavy">
-                <a:solidFill>
-                  <a:srgbClr val="020302"/>
-                </a:solidFill>
-                <a:uFill>
-                  <a:solidFill>
-                    <a:srgbClr val="020302"/>
-                  </a:solidFill>
-                </a:uFill>
-                <a:latin typeface="Adobe Clean"/>
-                <a:cs typeface="Adobe Clean"/>
-              </a:rPr>
-              <a:t>e</a:t>
-            </a:r>
-            <a:endParaRPr sz="1400">
-              <a:latin typeface="Adobe Clean"/>
-              <a:cs typeface="Adobe Clean"/>
-            </a:endParaRPr>
           </a:p>
         </p:txBody>
       </p:sp>
@@ -3423,13 +2874,13 @@
           <a:lstStyle/>
           <a:p>
             <a:r>
-              <a:rPr lang="en-US" sz="700" i="1" dirty="0">
+              <a:rPr lang="it-IT" sz="700" i="1">
                 <a:solidFill>
                   <a:schemeClr val="bg1"/>
                 </a:solidFill>
                 <a:latin typeface="Adobe Clean" panose="020B0503020404020204" pitchFamily="34" charset="0"/>
               </a:rPr>
-              <a:t>Adobe Creative Cloud / Adobe Document Cloud (including Adobe Sign)</a:t>
+              <a:t>Adobe Creative Cloud/Adobe Document Cloud (incluso Adobe Sign)</a:t>
             </a:r>
           </a:p>
         </p:txBody>
@@ -3449,7 +2900,7 @@
           <p:nvPr>
             <p:extLst>
               <p:ext uri="{D42A27DB-BD31-4B8C-83A1-F6EECF244321}">
-                <p14:modId xmlns:p14="http://schemas.microsoft.com/office/powerpoint/2010/main" val="510994612"/>
+                <p14:modId xmlns:p14="http://schemas.microsoft.com/office/powerpoint/2010/main" val="2156964788"/>
               </p:ext>
             </p:extLst>
           </p:nvPr>
@@ -3472,21 +2923,21 @@
                     </a:ext>
                   </a:extLst>
                 </a:gridCol>
-                <a:gridCol w="2303998">
+                <a:gridCol w="2609242">
                   <a:extLst>
                     <a:ext uri="{9D8B030D-6E8A-4147-A177-3AD203B41FA5}">
                       <a16:colId xmlns:a16="http://schemas.microsoft.com/office/drawing/2014/main" val="20001"/>
                     </a:ext>
                   </a:extLst>
                 </a:gridCol>
-                <a:gridCol w="1754061">
+                <a:gridCol w="1287887">
                   <a:extLst>
                     <a:ext uri="{9D8B030D-6E8A-4147-A177-3AD203B41FA5}">
                       <a16:colId xmlns:a16="http://schemas.microsoft.com/office/drawing/2014/main" val="2563521174"/>
                     </a:ext>
                   </a:extLst>
                 </a:gridCol>
-                <a:gridCol w="1754061">
+                <a:gridCol w="1914991">
                   <a:extLst>
                     <a:ext uri="{9D8B030D-6E8A-4147-A177-3AD203B41FA5}">
                       <a16:colId xmlns:a16="http://schemas.microsoft.com/office/drawing/2014/main" val="20003"/>
@@ -3538,39 +2989,15 @@
                         <a:defRPr/>
                       </a:pPr>
                       <a:r>
-                        <a:rPr lang="en-US" sz="1200" spc="-20" dirty="0">
+                        <a:rPr lang="it-IT" sz="1200">
                           <a:solidFill>
                             <a:srgbClr val="404040"/>
                           </a:solidFill>
                           <a:latin typeface="Adobe Clean"/>
                           <a:cs typeface="Adobe Clean"/>
                         </a:rPr>
-                        <a:t>Standard </a:t>
+                        <a:t>Supporto Standard</a:t>
                       </a:r>
-                      <a:r>
-                        <a:rPr lang="en-US" sz="1200" spc="-135" dirty="0">
-                          <a:solidFill>
-                            <a:srgbClr val="404040"/>
-                          </a:solidFill>
-                          <a:latin typeface="Adobe Clean"/>
-                          <a:cs typeface="Adobe Clean"/>
-                        </a:rPr>
-                        <a:t> </a:t>
-                      </a:r>
-                      <a:r>
-                        <a:rPr lang="en-US" sz="1200" spc="-20" dirty="0">
-                          <a:solidFill>
-                            <a:srgbClr val="404040"/>
-                          </a:solidFill>
-                          <a:latin typeface="Adobe Clean"/>
-                          <a:cs typeface="Adobe Clean"/>
-                        </a:rPr>
-                        <a:t>Support</a:t>
-                      </a:r>
-                      <a:endParaRPr lang="en-US" sz="1200" dirty="0">
-                        <a:latin typeface="Adobe Clean"/>
-                        <a:cs typeface="Adobe Clean"/>
-                      </a:endParaRPr>
                     </a:p>
                   </a:txBody>
                   <a:tcPr marL="0" marR="0" marT="7620" marB="0" anchor="ctr">
@@ -3611,29 +3038,15 @@
                         </a:spcBef>
                       </a:pPr>
                       <a:r>
-                        <a:rPr lang="en-US" sz="1200" spc="-20" dirty="0">
+                        <a:rPr lang="it-IT" sz="1200">
                           <a:solidFill>
                             <a:srgbClr val="FFFFFF"/>
                           </a:solidFill>
                           <a:latin typeface="Adobe Clean"/>
                           <a:cs typeface="Adobe Clean"/>
                         </a:rPr>
-                        <a:t>Elite </a:t>
+                        <a:t>Supporto Elite</a:t>
                       </a:r>
-                      <a:r>
-                        <a:rPr sz="1200" spc="-20" dirty="0">
-                          <a:solidFill>
-                            <a:srgbClr val="FFFFFF"/>
-                          </a:solidFill>
-                          <a:latin typeface="Adobe Clean"/>
-                          <a:cs typeface="Adobe Clean"/>
-                        </a:rPr>
-                        <a:t>Support</a:t>
-                      </a:r>
-                      <a:endParaRPr sz="1200" dirty="0">
-                        <a:latin typeface="Adobe Clean"/>
-                        <a:cs typeface="Adobe Clean"/>
-                      </a:endParaRPr>
                     </a:p>
                   </a:txBody>
                   <a:tcPr marL="0" marR="0" marT="7620" marB="0" anchor="ctr">
@@ -3698,7 +3111,7 @@
                     <a:bodyPr/>
                     <a:lstStyle/>
                     <a:p>
-                      <a:pPr marL="0" marR="0" lvl="0" indent="0" algn="ctr" defTabSz="914400" eaLnBrk="1" fontAlgn="auto" latinLnBrk="0" hangingPunct="1">
+                      <a:pPr marL="0" marR="0" lvl="0" indent="0" algn="l" defTabSz="914400" rtl="0" eaLnBrk="1" fontAlgn="auto" latinLnBrk="0" hangingPunct="1">
                         <a:lnSpc>
                           <a:spcPct val="100000"/>
                         </a:lnSpc>
@@ -3779,13 +3192,13 @@
                         <a:defRPr/>
                       </a:pPr>
                       <a:r>
-                        <a:rPr lang="en-US" sz="1200" b="1" i="1" dirty="0">
+                        <a:rPr lang="it-IT" sz="1200" b="1" i="1" dirty="0">
                           <a:solidFill>
                             <a:schemeClr val="bg1"/>
                           </a:solidFill>
                           <a:latin typeface="Adobe Clean" panose="020B0503020404020204" pitchFamily="34" charset="0"/>
                         </a:rPr>
-                        <a:t>Paid Support ($)</a:t>
+                        <a:t>Supporto a pagamento ($)</a:t>
                       </a:r>
                     </a:p>
                   </a:txBody>
@@ -3849,22 +3262,15 @@
                         </a:spcBef>
                       </a:pPr>
                       <a:r>
-                        <a:rPr lang="en-US" sz="1200" b="1" i="0" spc="0">
+                        <a:rPr lang="it-IT" sz="1200" b="1" i="0">
                           <a:solidFill>
                             <a:schemeClr val="bg1"/>
                           </a:solidFill>
                           <a:latin typeface="Adobe Clean" panose="020B0503020404020204" pitchFamily="34" charset="0"/>
                           <a:cs typeface="AdobeClean-Light"/>
                         </a:rPr>
-                        <a:t>Assigned Experts</a:t>
+                        <a:t>Esperti assegnati</a:t>
                       </a:r>
-                      <a:endParaRPr sz="1200" b="1" i="0" spc="0">
-                        <a:solidFill>
-                          <a:schemeClr val="bg1"/>
-                        </a:solidFill>
-                        <a:latin typeface="Adobe Clean" panose="020B0503020404020204" pitchFamily="34" charset="0"/>
-                        <a:cs typeface="AdobeClean-Light"/>
-                      </a:endParaRPr>
                     </a:p>
                   </a:txBody>
                   <a:tcPr marL="0" marR="0" marT="58419" marB="0" anchor="ctr">
@@ -3914,7 +3320,7 @@
                         </a:spcBef>
                       </a:pPr>
                       <a:r>
-                        <a:rPr sz="1100" b="0" i="0" spc="0" dirty="0">
+                        <a:rPr lang="it-IT" sz="1100" b="0" i="0">
                           <a:solidFill>
                             <a:srgbClr val="020302"/>
                           </a:solidFill>
@@ -3923,10 +3329,6 @@
                         </a:rPr>
                         <a:t>Account Support Lead</a:t>
                       </a:r>
-                      <a:endParaRPr sz="1100" b="0" i="0" spc="0" dirty="0">
-                        <a:latin typeface="Adobe Clean Light" panose="020B0303020404020204" pitchFamily="34" charset="0"/>
-                        <a:cs typeface="AdobeClean-Light"/>
-                      </a:endParaRPr>
                     </a:p>
                   </a:txBody>
                   <a:tcPr marL="0" marR="0" marT="58419" marB="0">
@@ -3961,7 +3363,7 @@
                     <a:bodyPr/>
                     <a:lstStyle/>
                     <a:p>
-                      <a:pPr algn="ctr">
+                      <a:pPr algn="l" rtl="0">
                         <a:lnSpc>
                           <a:spcPct val="100000"/>
                         </a:lnSpc>
@@ -4002,7 +3404,7 @@
                     <a:bodyPr/>
                     <a:lstStyle/>
                     <a:p>
-                      <a:pPr>
+                      <a:pPr algn="l" rtl="0">
                         <a:lnSpc>
                           <a:spcPct val="100000"/>
                         </a:lnSpc>
@@ -4042,7 +3444,7 @@
                     <a:bodyPr/>
                     <a:lstStyle/>
                     <a:p>
-                      <a:pPr marL="50800">
+                      <a:pPr marL="50800" algn="l" rtl="0">
                         <a:lnSpc>
                           <a:spcPct val="100000"/>
                         </a:lnSpc>
@@ -4072,7 +3474,7 @@
                         </a:spcBef>
                       </a:pPr>
                       <a:r>
-                        <a:rPr sz="1100" b="0" i="0" spc="0" dirty="0">
+                        <a:rPr lang="it-IT" sz="1100" b="0" i="0">
                           <a:solidFill>
                             <a:srgbClr val="020302"/>
                           </a:solidFill>
@@ -4081,10 +3483,6 @@
                         </a:rPr>
                         <a:t>Named Support Engineer</a:t>
                       </a:r>
-                      <a:endParaRPr sz="1100" b="0" i="0" spc="0" dirty="0">
-                        <a:latin typeface="Adobe Clean Light" panose="020B0303020404020204" pitchFamily="34" charset="0"/>
-                        <a:cs typeface="AdobeClean-Light"/>
-                      </a:endParaRPr>
                     </a:p>
                   </a:txBody>
                   <a:tcPr marL="0" marR="0" marT="58419" marB="0">
@@ -4113,7 +3511,7 @@
                     <a:bodyPr/>
                     <a:lstStyle/>
                     <a:p>
-                      <a:pPr algn="ctr">
+                      <a:pPr algn="l" rtl="0">
                         <a:lnSpc>
                           <a:spcPct val="100000"/>
                         </a:lnSpc>
@@ -4154,7 +3552,7 @@
                         </a:spcBef>
                       </a:pPr>
                       <a:r>
-                        <a:rPr sz="900" spc="0">
+                        <a:rPr lang="it-IT" sz="900">
                           <a:solidFill>
                             <a:srgbClr val="020302"/>
                           </a:solidFill>
@@ -4163,10 +3561,6 @@
                         </a:rPr>
                         <a:t></a:t>
                       </a:r>
-                      <a:endParaRPr sz="900" spc="0">
-                        <a:latin typeface="Wingdings"/>
-                        <a:cs typeface="Wingdings"/>
-                      </a:endParaRPr>
                     </a:p>
                   </a:txBody>
                   <a:tcPr marL="0" marR="0" marT="59055" marB="0">
@@ -4189,7 +3583,7 @@
                     <a:bodyPr/>
                     <a:lstStyle/>
                     <a:p>
-                      <a:pPr marL="50800">
+                      <a:pPr marL="50800" algn="l" rtl="0">
                         <a:lnSpc>
                           <a:spcPct val="100000"/>
                         </a:lnSpc>
@@ -4219,7 +3613,7 @@
                         </a:spcBef>
                       </a:pPr>
                       <a:r>
-                        <a:rPr sz="1100" b="0" i="0" spc="0" dirty="0">
+                        <a:rPr lang="it-IT" sz="1100" b="0" i="0">
                           <a:solidFill>
                             <a:srgbClr val="020302"/>
                           </a:solidFill>
@@ -4228,10 +3622,6 @@
                         </a:rPr>
                         <a:t>Technical Account Manager</a:t>
                       </a:r>
-                      <a:endParaRPr sz="1100" b="0" i="0" spc="0" dirty="0">
-                        <a:latin typeface="Adobe Clean Light" panose="020B0303020404020204" pitchFamily="34" charset="0"/>
-                        <a:cs typeface="AdobeClean-Light"/>
-                      </a:endParaRPr>
                     </a:p>
                   </a:txBody>
                   <a:tcPr marL="0" marR="0" marT="63500" marB="0">
@@ -4269,7 +3659,7 @@
                     <a:bodyPr/>
                     <a:lstStyle/>
                     <a:p>
-                      <a:pPr algn="ctr">
+                      <a:pPr algn="l" rtl="0">
                         <a:lnSpc>
                           <a:spcPct val="100000"/>
                         </a:lnSpc>
@@ -4319,7 +3709,7 @@
                         </a:spcBef>
                       </a:pPr>
                       <a:r>
-                        <a:rPr sz="900" spc="0">
+                        <a:rPr lang="it-IT" sz="900">
                           <a:solidFill>
                             <a:srgbClr val="020302"/>
                           </a:solidFill>
@@ -4328,10 +3718,6 @@
                         </a:rPr>
                         <a:t></a:t>
                       </a:r>
-                      <a:endParaRPr sz="900" spc="0">
-                        <a:latin typeface="Wingdings"/>
-                        <a:cs typeface="Wingdings"/>
-                      </a:endParaRPr>
                     </a:p>
                   </a:txBody>
                   <a:tcPr marL="0" marR="0" marT="64135" marB="0">
@@ -4372,22 +3758,15 @@
                         </a:spcBef>
                       </a:pPr>
                       <a:r>
-                        <a:rPr lang="en-US" sz="1200" b="1" i="0" spc="0">
+                        <a:rPr lang="it-IT" sz="1200" b="1" i="0">
                           <a:solidFill>
                             <a:schemeClr val="bg1"/>
                           </a:solidFill>
                           <a:latin typeface="Adobe Clean" panose="020B0503020404020204" pitchFamily="34" charset="0"/>
                           <a:cs typeface="AdobeClean-Light"/>
                         </a:rPr>
-                        <a:t>Support Services</a:t>
+                        <a:t>Servizi di assistenza</a:t>
                       </a:r>
-                      <a:endParaRPr sz="1200" b="1" i="0" spc="0">
-                        <a:solidFill>
-                          <a:schemeClr val="bg1"/>
-                        </a:solidFill>
-                        <a:latin typeface="Adobe Clean" panose="020B0503020404020204" pitchFamily="34" charset="0"/>
-                        <a:cs typeface="AdobeClean-Light"/>
-                      </a:endParaRPr>
                     </a:p>
                   </a:txBody>
                   <a:tcPr marL="0" marR="0" marT="57150" marB="0" anchor="ctr">
@@ -4437,19 +3816,15 @@
                         </a:spcBef>
                       </a:pPr>
                       <a:r>
-                        <a:rPr lang="en-US" sz="1100" b="0" i="0" spc="0" dirty="0">
+                        <a:rPr lang="it-IT" sz="1100" b="0" i="0">
                           <a:solidFill>
                             <a:srgbClr val="020302"/>
                           </a:solidFill>
                           <a:latin typeface="Adobe Clean Light" panose="020B0303020404020204" pitchFamily="34" charset="0"/>
                           <a:cs typeface="AdobeClean-Light"/>
                         </a:rPr>
-                        <a:t>24x7 Self-Help Support </a:t>
+                        <a:t>Supporto di assistenza autonoma 24x7 </a:t>
                       </a:r>
-                      <a:endParaRPr lang="en-US" sz="1100" b="0" i="0" spc="0" dirty="0">
-                        <a:latin typeface="Adobe Clean Light" panose="020B0303020404020204" pitchFamily="34" charset="0"/>
-                        <a:cs typeface="AdobeClean-Light"/>
-                      </a:endParaRPr>
                     </a:p>
                   </a:txBody>
                   <a:tcPr marL="0" marR="0" marT="57150" marB="0">
@@ -4493,7 +3868,7 @@
                         </a:spcBef>
                       </a:pPr>
                       <a:r>
-                        <a:rPr lang="en-US" sz="900">
+                        <a:rPr lang="it-IT" sz="900">
                           <a:solidFill>
                             <a:srgbClr val="020302"/>
                           </a:solidFill>
@@ -4502,10 +3877,6 @@
                         </a:rPr>
                         <a:t></a:t>
                       </a:r>
-                      <a:endParaRPr lang="en-US" sz="900">
-                        <a:latin typeface="Wingdings"/>
-                        <a:cs typeface="Wingdings"/>
-                      </a:endParaRPr>
                     </a:p>
                   </a:txBody>
                   <a:tcPr marL="0" marR="0" marT="58419" marB="0">
@@ -4544,7 +3915,7 @@
                         </a:spcBef>
                       </a:pPr>
                       <a:r>
-                        <a:rPr sz="900" spc="0">
+                        <a:rPr lang="it-IT" sz="900">
                           <a:solidFill>
                             <a:srgbClr val="020302"/>
                           </a:solidFill>
@@ -4553,10 +3924,6 @@
                         </a:rPr>
                         <a:t></a:t>
                       </a:r>
-                      <a:endParaRPr sz="900" spc="0">
-                        <a:latin typeface="Wingdings"/>
-                        <a:cs typeface="Wingdings"/>
-                      </a:endParaRPr>
                     </a:p>
                   </a:txBody>
                   <a:tcPr marL="0" marR="0" marT="59055" marB="0">
@@ -4588,7 +3955,7 @@
                     <a:bodyPr/>
                     <a:lstStyle/>
                     <a:p>
-                      <a:pPr marL="50800">
+                      <a:pPr marL="50800" algn="l" rtl="0">
                         <a:lnSpc>
                           <a:spcPct val="100000"/>
                         </a:lnSpc>
@@ -4646,19 +4013,15 @@
                         </a:spcBef>
                       </a:pPr>
                       <a:r>
-                        <a:rPr lang="en-US" sz="1100" b="0" i="0" spc="0" dirty="0">
+                        <a:rPr lang="it-IT" sz="1100" b="0" i="0">
                           <a:solidFill>
                             <a:srgbClr val="020302"/>
                           </a:solidFill>
                           <a:latin typeface="Adobe Clean Light" panose="020B0303020404020204" pitchFamily="34" charset="0"/>
                           <a:cs typeface="AdobeClean-Light"/>
                         </a:rPr>
-                        <a:t>24x7 Support via Chat / Phone</a:t>
+                        <a:t>Supporto 24x7 via chat/telefono</a:t>
                       </a:r>
-                      <a:endParaRPr sz="1100" b="0" i="0" spc="0" dirty="0">
-                        <a:latin typeface="Adobe Clean Light" panose="020B0303020404020204" pitchFamily="34" charset="0"/>
-                        <a:cs typeface="AdobeClean-Light"/>
-                      </a:endParaRPr>
                     </a:p>
                   </a:txBody>
                   <a:tcPr marL="0" marR="0" marT="57785" marB="0">
@@ -4697,7 +4060,7 @@
                         </a:spcBef>
                       </a:pPr>
                       <a:r>
-                        <a:rPr lang="en-US" sz="900">
+                        <a:rPr lang="it-IT" sz="900">
                           <a:solidFill>
                             <a:srgbClr val="020302"/>
                           </a:solidFill>
@@ -4706,10 +4069,6 @@
                         </a:rPr>
                         <a:t></a:t>
                       </a:r>
-                      <a:endParaRPr lang="en-US" sz="900">
-                        <a:latin typeface="Wingdings"/>
-                        <a:cs typeface="Wingdings"/>
-                      </a:endParaRPr>
                     </a:p>
                   </a:txBody>
                   <a:tcPr marL="0" marR="0" marT="58419" marB="0">
@@ -4746,7 +4105,7 @@
                         </a:spcBef>
                       </a:pPr>
                       <a:r>
-                        <a:rPr sz="900" spc="0">
+                        <a:rPr lang="it-IT" sz="900">
                           <a:solidFill>
                             <a:srgbClr val="020302"/>
                           </a:solidFill>
@@ -4755,10 +4114,6 @@
                         </a:rPr>
                         <a:t></a:t>
                       </a:r>
-                      <a:endParaRPr sz="900" spc="0">
-                        <a:latin typeface="Wingdings"/>
-                        <a:cs typeface="Wingdings"/>
-                      </a:endParaRPr>
                     </a:p>
                   </a:txBody>
                   <a:tcPr marL="0" marR="0" marT="64135" marB="0">
@@ -4790,7 +4145,7 @@
                     <a:bodyPr/>
                     <a:lstStyle/>
                     <a:p>
-                      <a:pPr marL="50800">
+                      <a:pPr marL="50800" algn="l" rtl="0">
                         <a:lnSpc>
                           <a:spcPct val="100000"/>
                         </a:lnSpc>
@@ -4857,16 +4212,12 @@
                         </a:spcBef>
                       </a:pPr>
                       <a:r>
-                        <a:rPr lang="en-US" sz="1100" b="0" i="0" spc="0">
+                        <a:rPr lang="it-IT" sz="1100" b="0" i="0">
                           <a:latin typeface="Adobe Clean Light" panose="020B0303020404020204" pitchFamily="34" charset="0"/>
                           <a:cs typeface="AdobeClean-Light"/>
                         </a:rPr>
-                        <a:t>Web Case Submissions </a:t>
+                        <a:t>Presentazioni dei casi sul web </a:t>
                       </a:r>
-                      <a:endParaRPr sz="1100" b="0" i="0" spc="0">
-                        <a:latin typeface="Adobe Clean Light" panose="020B0303020404020204" pitchFamily="34" charset="0"/>
-                        <a:cs typeface="AdobeClean-Light"/>
-                      </a:endParaRPr>
                     </a:p>
                   </a:txBody>
                   <a:tcPr marL="0" marR="0" marT="57785" marB="0">
@@ -4905,7 +4256,7 @@
                         </a:spcBef>
                       </a:pPr>
                       <a:r>
-                        <a:rPr sz="900">
+                        <a:rPr lang="it-IT" sz="900">
                           <a:solidFill>
                             <a:srgbClr val="020302"/>
                           </a:solidFill>
@@ -4914,10 +4265,6 @@
                         </a:rPr>
                         <a:t></a:t>
                       </a:r>
-                      <a:endParaRPr sz="900">
-                        <a:latin typeface="Wingdings"/>
-                        <a:cs typeface="Wingdings"/>
-                      </a:endParaRPr>
                     </a:p>
                   </a:txBody>
                   <a:tcPr marL="0" marR="0" marT="58419" marB="0">
@@ -4954,7 +4301,7 @@
                         </a:spcBef>
                       </a:pPr>
                       <a:r>
-                        <a:rPr sz="900" spc="0">
+                        <a:rPr lang="it-IT" sz="900">
                           <a:solidFill>
                             <a:srgbClr val="020302"/>
                           </a:solidFill>
@@ -4963,10 +4310,6 @@
                         </a:rPr>
                         <a:t></a:t>
                       </a:r>
-                      <a:endParaRPr sz="900" spc="0">
-                        <a:latin typeface="Wingdings"/>
-                        <a:cs typeface="Wingdings"/>
-                      </a:endParaRPr>
                     </a:p>
                   </a:txBody>
                   <a:tcPr marL="0" marR="0" marT="58419" marB="0">
@@ -4998,7 +4341,7 @@
                     <a:bodyPr/>
                     <a:lstStyle/>
                     <a:p>
-                      <a:pPr marL="50800">
+                      <a:pPr marL="50800" algn="l" rtl="0">
                         <a:lnSpc>
                           <a:spcPct val="100000"/>
                         </a:lnSpc>
@@ -5047,19 +4390,15 @@
                         </a:spcBef>
                       </a:pPr>
                       <a:r>
-                        <a:rPr lang="en-US" sz="1100" b="0" i="0" spc="0" dirty="0">
+                        <a:rPr lang="it-IT" sz="1100" b="0" i="0">
                           <a:solidFill>
                             <a:srgbClr val="020302"/>
                           </a:solidFill>
                           <a:latin typeface="Adobe Clean Light" panose="020B0303020404020204" pitchFamily="34" charset="0"/>
                           <a:cs typeface="AdobeClean-Light"/>
                         </a:rPr>
-                        <a:t>Priority Case Routing</a:t>
+                        <a:t>Instradamento dei casi prioritari</a:t>
                       </a:r>
-                      <a:endParaRPr sz="1100" b="0" i="0" spc="0" dirty="0">
-                        <a:latin typeface="Adobe Clean Light" panose="020B0303020404020204" pitchFamily="34" charset="0"/>
-                        <a:cs typeface="AdobeClean-Light"/>
-                      </a:endParaRPr>
                     </a:p>
                   </a:txBody>
                   <a:tcPr marL="0" marR="0" marT="58419" marB="0">
@@ -5082,7 +4421,7 @@
                     <a:bodyPr/>
                     <a:lstStyle/>
                     <a:p>
-                      <a:pPr algn="ctr">
+                      <a:pPr algn="l" rtl="0">
                         <a:lnSpc>
                           <a:spcPct val="100000"/>
                         </a:lnSpc>
@@ -5123,7 +4462,7 @@
                         </a:spcBef>
                       </a:pPr>
                       <a:r>
-                        <a:rPr sz="900" spc="0">
+                        <a:rPr lang="it-IT" sz="900">
                           <a:solidFill>
                             <a:srgbClr val="020302"/>
                           </a:solidFill>
@@ -5132,10 +4471,6 @@
                         </a:rPr>
                         <a:t></a:t>
                       </a:r>
-                      <a:endParaRPr sz="900" spc="0">
-                        <a:latin typeface="Wingdings"/>
-                        <a:cs typeface="Wingdings"/>
-                      </a:endParaRPr>
                     </a:p>
                   </a:txBody>
                   <a:tcPr marL="0" marR="0" marT="58419" marB="0">
@@ -5158,7 +4493,7 @@
                     <a:bodyPr/>
                     <a:lstStyle/>
                     <a:p>
-                      <a:pPr marL="50800">
+                      <a:pPr marL="50800" algn="l" rtl="0">
                         <a:lnSpc>
                           <a:spcPct val="100000"/>
                         </a:lnSpc>
@@ -5225,11 +4560,11 @@
                         <a:defRPr/>
                       </a:pPr>
                       <a:r>
-                        <a:rPr lang="en-US" sz="1100" b="0" i="0" spc="0" dirty="0">
+                        <a:rPr lang="it-IT" sz="1100" b="0" i="0">
                           <a:latin typeface="Adobe Clean Light" panose="020B0303020404020204" pitchFamily="34" charset="0"/>
                           <a:cs typeface="AdobeClean-Light"/>
                         </a:rPr>
-                        <a:t>Accelerated Issue Prioritization</a:t>
+                        <a:t>Prioritizzazione accelerata dei problemi</a:t>
                       </a:r>
                     </a:p>
                   </a:txBody>
@@ -5259,7 +4594,7 @@
                     <a:bodyPr/>
                     <a:lstStyle/>
                     <a:p>
-                      <a:pPr algn="ctr">
+                      <a:pPr algn="l" rtl="0">
                         <a:lnSpc>
                           <a:spcPct val="100000"/>
                         </a:lnSpc>
@@ -5300,7 +4635,7 @@
                         </a:spcBef>
                       </a:pPr>
                       <a:r>
-                        <a:rPr sz="900" spc="0">
+                        <a:rPr lang="it-IT" sz="900">
                           <a:solidFill>
                             <a:srgbClr val="020302"/>
                           </a:solidFill>
@@ -5309,10 +4644,6 @@
                         </a:rPr>
                         <a:t></a:t>
                       </a:r>
-                      <a:endParaRPr sz="900" spc="0">
-                        <a:latin typeface="Wingdings"/>
-                        <a:cs typeface="Wingdings"/>
-                      </a:endParaRPr>
                     </a:p>
                   </a:txBody>
                   <a:tcPr marL="0" marR="0" marT="58419" marB="0">
@@ -5373,16 +4704,12 @@
                         </a:spcBef>
                       </a:pPr>
                       <a:r>
-                        <a:rPr lang="en-US" sz="1100" b="0" i="0" spc="0">
+                        <a:rPr lang="it-IT" sz="1100" b="0" i="0">
                           <a:latin typeface="Adobe Clean Light" panose="020B0303020404020204" pitchFamily="34" charset="0"/>
                           <a:cs typeface="AdobeClean-Light"/>
                         </a:rPr>
-                        <a:t>Escalation Management</a:t>
+                        <a:t>Gestione delle escalation</a:t>
                       </a:r>
-                      <a:endParaRPr sz="1100" b="0" i="0" spc="0">
-                        <a:latin typeface="Adobe Clean Light" panose="020B0303020404020204" pitchFamily="34" charset="0"/>
-                        <a:cs typeface="AdobeClean-Light"/>
-                      </a:endParaRPr>
                     </a:p>
                   </a:txBody>
                   <a:tcPr marL="0" marR="0" marT="57150" marB="0">
@@ -5405,7 +4732,7 @@
                     <a:bodyPr/>
                     <a:lstStyle/>
                     <a:p>
-                      <a:pPr algn="ctr">
+                      <a:pPr algn="l" rtl="0">
                         <a:lnSpc>
                           <a:spcPct val="100000"/>
                         </a:lnSpc>
@@ -5446,7 +4773,7 @@
                         </a:spcBef>
                       </a:pPr>
                       <a:r>
-                        <a:rPr sz="900" spc="0">
+                        <a:rPr lang="it-IT" sz="900">
                           <a:solidFill>
                             <a:srgbClr val="020302"/>
                           </a:solidFill>
@@ -5455,10 +4782,6 @@
                         </a:rPr>
                         <a:t></a:t>
                       </a:r>
-                      <a:endParaRPr sz="900" spc="0">
-                        <a:latin typeface="Wingdings"/>
-                        <a:cs typeface="Wingdings"/>
-                      </a:endParaRPr>
                     </a:p>
                   </a:txBody>
                   <a:tcPr marL="0" marR="0" marT="59690" marB="0">
@@ -5519,16 +4842,12 @@
                         </a:spcBef>
                       </a:pPr>
                       <a:r>
-                        <a:rPr lang="en-US" sz="1100" b="0" i="0" spc="0" dirty="0">
+                        <a:rPr lang="it-IT" sz="1100" b="0" i="0">
                           <a:latin typeface="Adobe Clean Light" panose="020B0303020404020204" pitchFamily="34" charset="0"/>
                           <a:cs typeface="AdobeClean-Light"/>
                         </a:rPr>
-                        <a:t>Proactive Case Monitoring</a:t>
+                        <a:t>Monitoraggio proattivo dei casi</a:t>
                       </a:r>
-                      <a:endParaRPr sz="1100" b="0" i="0" spc="0" dirty="0">
-                        <a:latin typeface="Adobe Clean Light" panose="020B0303020404020204" pitchFamily="34" charset="0"/>
-                        <a:cs typeface="AdobeClean-Light"/>
-                      </a:endParaRPr>
                     </a:p>
                   </a:txBody>
                   <a:tcPr marL="0" marR="0" marT="57150" marB="0">
@@ -5551,7 +4870,7 @@
                     <a:bodyPr/>
                     <a:lstStyle/>
                     <a:p>
-                      <a:pPr algn="ctr">
+                      <a:pPr algn="l" rtl="0">
                         <a:lnSpc>
                           <a:spcPct val="100000"/>
                         </a:lnSpc>
@@ -5592,7 +4911,7 @@
                         </a:spcBef>
                       </a:pPr>
                       <a:r>
-                        <a:rPr sz="900" spc="0" dirty="0">
+                        <a:rPr lang="it-IT" sz="900">
                           <a:solidFill>
                             <a:srgbClr val="020302"/>
                           </a:solidFill>
@@ -5601,10 +4920,6 @@
                         </a:rPr>
                         <a:t></a:t>
                       </a:r>
-                      <a:endParaRPr sz="900" spc="0" dirty="0">
-                        <a:latin typeface="Wingdings"/>
-                        <a:cs typeface="Wingdings"/>
-                      </a:endParaRPr>
                     </a:p>
                   </a:txBody>
                   <a:tcPr marL="0" marR="0" marT="59690" marB="0">
@@ -5627,7 +4942,7 @@
                     <a:bodyPr/>
                     <a:lstStyle/>
                     <a:p>
-                      <a:pPr marL="48895">
+                      <a:pPr marL="48895" algn="l" rtl="0">
                         <a:lnSpc>
                           <a:spcPct val="100000"/>
                         </a:lnSpc>
@@ -5676,19 +4991,15 @@
                         </a:spcBef>
                       </a:pPr>
                       <a:r>
-                        <a:rPr lang="en-US" sz="1100" b="0" i="0" spc="0" dirty="0">
+                        <a:rPr lang="it-IT" sz="1100" b="0" i="0">
                           <a:solidFill>
                             <a:srgbClr val="020302"/>
                           </a:solidFill>
                           <a:latin typeface="Adobe Clean Light" panose="020B0303020404020204" pitchFamily="34" charset="0"/>
                           <a:cs typeface="AdobeClean-Light"/>
                         </a:rPr>
-                        <a:t>In-Region Support Option</a:t>
+                        <a:t>Opzione di assistenza nell’area geografica</a:t>
                       </a:r>
-                      <a:endParaRPr sz="1100" b="0" i="0" spc="0" dirty="0">
-                        <a:latin typeface="Adobe Clean Light" panose="020B0303020404020204" pitchFamily="34" charset="0"/>
-                        <a:cs typeface="AdobeClean-Light"/>
-                      </a:endParaRPr>
                     </a:p>
                   </a:txBody>
                   <a:tcPr marL="0" marR="0" marT="58419" marB="0">
@@ -5711,7 +5022,7 @@
                     <a:bodyPr/>
                     <a:lstStyle/>
                     <a:p>
-                      <a:pPr>
+                      <a:pPr algn="l" rtl="0">
                         <a:lnSpc>
                           <a:spcPct val="100000"/>
                         </a:lnSpc>
@@ -5749,7 +5060,7 @@
                         </a:spcBef>
                       </a:pPr>
                       <a:r>
-                        <a:rPr sz="900" spc="0" dirty="0">
+                        <a:rPr lang="it-IT" sz="900">
                           <a:solidFill>
                             <a:srgbClr val="020302"/>
                           </a:solidFill>
@@ -5758,10 +5069,6 @@
                         </a:rPr>
                         <a:t></a:t>
                       </a:r>
-                      <a:endParaRPr sz="900" spc="0" dirty="0">
-                        <a:latin typeface="Wingdings"/>
-                        <a:cs typeface="Wingdings"/>
-                      </a:endParaRPr>
                     </a:p>
                   </a:txBody>
                   <a:tcPr marL="0" marR="0" marT="59690" marB="0">
@@ -5784,7 +5091,7 @@
                     <a:bodyPr/>
                     <a:lstStyle/>
                     <a:p>
-                      <a:pPr marL="48895">
+                      <a:pPr marL="48895" algn="l" rtl="0">
                         <a:lnSpc>
                           <a:spcPct val="100000"/>
                         </a:lnSpc>
@@ -5814,19 +5121,15 @@
                         </a:spcBef>
                       </a:pPr>
                       <a:r>
-                        <a:rPr lang="en-US" sz="1100" b="0" i="0" spc="0">
+                        <a:rPr lang="it-IT" sz="1100" b="0" i="0">
                           <a:solidFill>
                             <a:srgbClr val="020302"/>
                           </a:solidFill>
                           <a:latin typeface="Adobe Clean Light" panose="020B0303020404020204" pitchFamily="34" charset="0"/>
                           <a:cs typeface="AdobeClean-Light"/>
                         </a:rPr>
-                        <a:t>Service Reviews</a:t>
+                        <a:t>Valutazioni dei servizi</a:t>
                       </a:r>
-                      <a:endParaRPr sz="1100" b="0" i="0" spc="0">
-                        <a:latin typeface="Adobe Clean Light" panose="020B0303020404020204" pitchFamily="34" charset="0"/>
-                        <a:cs typeface="AdobeClean-Light"/>
-                      </a:endParaRPr>
                     </a:p>
                   </a:txBody>
                   <a:tcPr marL="0" marR="0" marT="59055" marB="0">
@@ -5855,7 +5158,7 @@
                     <a:bodyPr/>
                     <a:lstStyle/>
                     <a:p>
-                      <a:pPr>
+                      <a:pPr algn="l" rtl="0">
                         <a:lnSpc>
                           <a:spcPct val="100000"/>
                         </a:lnSpc>
@@ -5893,29 +5196,15 @@
                         </a:spcBef>
                       </a:pPr>
                       <a:r>
-                        <a:rPr sz="900" spc="0" dirty="0">
+                        <a:rPr lang="it-IT" sz="900">
                           <a:solidFill>
                             <a:srgbClr val="020302"/>
                           </a:solidFill>
                           <a:latin typeface="AdobeClean-Light"/>
                           <a:cs typeface="AdobeClean-Light"/>
                         </a:rPr>
-                        <a:t>4</a:t>
+                        <a:t>4/anno</a:t>
                       </a:r>
-                      <a:r>
-                        <a:rPr lang="en-US" sz="900" spc="0" dirty="0">
-                          <a:solidFill>
-                            <a:srgbClr val="020302"/>
-                          </a:solidFill>
-                          <a:latin typeface="AdobeClean-Light"/>
-                          <a:cs typeface="AdobeClean-Light"/>
-                        </a:rPr>
-                        <a:t>/year</a:t>
-                      </a:r>
-                      <a:endParaRPr sz="900" spc="0" dirty="0">
-                        <a:latin typeface="AdobeClean-Light"/>
-                        <a:cs typeface="AdobeClean-Light"/>
-                      </a:endParaRPr>
                     </a:p>
                   </a:txBody>
                   <a:tcPr marL="0" marR="0" marT="57150" marB="0">
@@ -5938,7 +5227,7 @@
                     <a:bodyPr/>
                     <a:lstStyle/>
                     <a:p>
-                      <a:pPr marL="49530">
+                      <a:pPr marL="49530" algn="l" rtl="0">
                         <a:lnSpc>
                           <a:spcPct val="100000"/>
                         </a:lnSpc>
@@ -5968,16 +5257,12 @@
                         </a:spcBef>
                       </a:pPr>
                       <a:r>
-                        <a:rPr lang="en-US" sz="1100" b="0" i="0" spc="0">
+                        <a:rPr lang="it-IT" sz="1100" b="0" i="0">
                           <a:latin typeface="Adobe Clean Light" panose="020B0303020404020204" pitchFamily="34" charset="0"/>
                           <a:cs typeface="AdobeClean-Light"/>
                         </a:rPr>
-                        <a:t>Case Reviews</a:t>
+                        <a:t>Valutazioni dei casi</a:t>
                       </a:r>
-                      <a:endParaRPr sz="1100" b="0" i="0" spc="0">
-                        <a:latin typeface="Adobe Clean Light" panose="020B0303020404020204" pitchFamily="34" charset="0"/>
-                        <a:cs typeface="AdobeClean-Light"/>
-                      </a:endParaRPr>
                     </a:p>
                   </a:txBody>
                   <a:tcPr marL="0" marR="0" marT="63500" marB="0">
@@ -6006,7 +5291,7 @@
                     <a:bodyPr/>
                     <a:lstStyle/>
                     <a:p>
-                      <a:pPr>
+                      <a:pPr algn="l" rtl="0">
                         <a:lnSpc>
                           <a:spcPct val="100000"/>
                         </a:lnSpc>
@@ -6044,16 +5329,12 @@
                         </a:spcBef>
                       </a:pPr>
                       <a:r>
-                        <a:rPr lang="en-US" sz="900" spc="0">
+                        <a:rPr lang="it-IT" sz="900">
                           <a:latin typeface="AdobeClean-Light"/>
                           <a:cs typeface="AdobeClean-Light"/>
                         </a:rPr>
-                        <a:t>2/month</a:t>
+                        <a:t>2/mese</a:t>
                       </a:r>
-                      <a:endParaRPr sz="900" spc="0">
-                        <a:latin typeface="AdobeClean-Light"/>
-                        <a:cs typeface="AdobeClean-Light"/>
-                      </a:endParaRPr>
                     </a:p>
                   </a:txBody>
                   <a:tcPr marL="0" marR="0" marT="57150" marB="0">
@@ -6132,11 +5413,11 @@
                         <a:defRPr/>
                       </a:pPr>
                       <a:r>
-                        <a:rPr lang="en-US" sz="1100" b="0" i="0" spc="0">
+                        <a:rPr lang="it-IT" sz="1100" b="0" i="0">
                           <a:latin typeface="Adobe Clean Light" panose="020B0303020404020204" pitchFamily="34" charset="0"/>
                           <a:cs typeface="AdobeClean-Light"/>
                         </a:rPr>
-                        <a:t>Solution Review</a:t>
+                        <a:t>Valutazione delle soluzioni</a:t>
                       </a:r>
                     </a:p>
                   </a:txBody>
@@ -6166,7 +5447,7 @@
                     <a:bodyPr/>
                     <a:lstStyle/>
                     <a:p>
-                      <a:pPr>
+                      <a:pPr algn="l" rtl="0">
                         <a:lnSpc>
                           <a:spcPct val="100000"/>
                         </a:lnSpc>
@@ -6204,7 +5485,7 @@
                         </a:spcBef>
                       </a:pPr>
                       <a:r>
-                        <a:rPr sz="900" spc="0">
+                        <a:rPr lang="it-IT" sz="900">
                           <a:solidFill>
                             <a:srgbClr val="020302"/>
                           </a:solidFill>
@@ -6213,10 +5494,6 @@
                         </a:rPr>
                         <a:t></a:t>
                       </a:r>
-                      <a:endParaRPr sz="900" spc="0">
-                        <a:latin typeface="Wingdings"/>
-                        <a:cs typeface="Wingdings"/>
-                      </a:endParaRPr>
                     </a:p>
                   </a:txBody>
                   <a:tcPr marL="0" marR="0" marT="59690" marB="0">
@@ -6286,11 +5563,11 @@
                         <a:defRPr/>
                       </a:pPr>
                       <a:r>
-                        <a:rPr lang="en-US" sz="1100" b="0" i="0" spc="0" dirty="0">
+                        <a:rPr lang="it-IT" sz="1100" b="0" i="0">
                           <a:latin typeface="Adobe Clean Light" panose="020B0303020404020204" pitchFamily="34" charset="0"/>
                           <a:cs typeface="AdobeClean-Light"/>
                         </a:rPr>
-                        <a:t>Roadmap Review </a:t>
+                        <a:t>Valutazione delle roadmap </a:t>
                       </a:r>
                     </a:p>
                   </a:txBody>
@@ -6314,7 +5591,7 @@
                     <a:bodyPr/>
                     <a:lstStyle/>
                     <a:p>
-                      <a:pPr>
+                      <a:pPr algn="l" rtl="0">
                         <a:lnSpc>
                           <a:spcPct val="100000"/>
                         </a:lnSpc>
@@ -6352,7 +5629,7 @@
                         </a:spcBef>
                       </a:pPr>
                       <a:r>
-                        <a:rPr sz="900" spc="0">
+                        <a:rPr lang="it-IT" sz="900">
                           <a:solidFill>
                             <a:srgbClr val="020302"/>
                           </a:solidFill>
@@ -6361,10 +5638,6 @@
                         </a:rPr>
                         <a:t></a:t>
                       </a:r>
-                      <a:endParaRPr sz="900" spc="0">
-                        <a:latin typeface="Wingdings"/>
-                        <a:cs typeface="Wingdings"/>
-                      </a:endParaRPr>
                     </a:p>
                   </a:txBody>
                   <a:tcPr marL="0" marR="0" marT="59690" marB="0">
@@ -6434,19 +5707,15 @@
                         <a:defRPr/>
                       </a:pPr>
                       <a:r>
-                        <a:rPr lang="en-US" sz="1100" b="0" i="0" spc="0">
+                        <a:rPr lang="it-IT" sz="1100" b="0" i="0">
                           <a:solidFill>
                             <a:srgbClr val="020302"/>
                           </a:solidFill>
                           <a:latin typeface="Adobe Clean Light" panose="020B0303020404020204" pitchFamily="34" charset="0"/>
                           <a:cs typeface="AdobeClean-Light"/>
                         </a:rPr>
-                        <a:t>Additional Named Support Contacts </a:t>
+                        <a:t>Contatti di supporto designati aggiuntivi </a:t>
                       </a:r>
-                      <a:endParaRPr lang="en-US" sz="1100" b="0" i="0" spc="0">
-                        <a:latin typeface="Adobe Clean Light" panose="020B0303020404020204" pitchFamily="34" charset="0"/>
-                        <a:cs typeface="AdobeClean-Light"/>
-                      </a:endParaRPr>
                     </a:p>
                   </a:txBody>
                   <a:tcPr marL="0" marR="0" marT="63500" marB="0">
@@ -6469,7 +5738,7 @@
                     <a:bodyPr/>
                     <a:lstStyle/>
                     <a:p>
-                      <a:pPr>
+                      <a:pPr algn="l" rtl="0">
                         <a:lnSpc>
                           <a:spcPct val="100000"/>
                         </a:lnSpc>
@@ -6516,7 +5785,7 @@
                         <a:defRPr/>
                       </a:pPr>
                       <a:r>
-                        <a:rPr lang="en-US" sz="900" spc="0">
+                        <a:rPr lang="it-IT" sz="900">
                           <a:solidFill>
                             <a:srgbClr val="020302"/>
                           </a:solidFill>
@@ -6525,10 +5794,6 @@
                         </a:rPr>
                         <a:t></a:t>
                       </a:r>
-                      <a:endParaRPr lang="en-US" sz="900" spc="0">
-                        <a:latin typeface="Wingdings"/>
-                        <a:cs typeface="Wingdings"/>
-                      </a:endParaRPr>
                     </a:p>
                   </a:txBody>
                   <a:tcPr marL="0" marR="0" marT="64135" marB="0">
@@ -6598,16 +5863,12 @@
                         </a:spcBef>
                       </a:pPr>
                       <a:r>
-                        <a:rPr lang="en-US" sz="1100" b="0" i="0" spc="0" dirty="0">
+                        <a:rPr lang="it-IT" sz="1100" b="0" i="0">
                           <a:latin typeface="Adobe Clean Light" panose="020B0303020404020204" pitchFamily="34" charset="0"/>
                           <a:cs typeface="AdobeClean-Light"/>
                         </a:rPr>
-                        <a:t>Upgrade/Migration Planning</a:t>
+                        <a:t>Pianificazione dell’aggiornamento/migrazione</a:t>
                       </a:r>
-                      <a:endParaRPr sz="1100" b="0" i="0" spc="0" dirty="0">
-                        <a:latin typeface="Adobe Clean Light" panose="020B0303020404020204" pitchFamily="34" charset="0"/>
-                        <a:cs typeface="AdobeClean-Light"/>
-                      </a:endParaRPr>
                     </a:p>
                   </a:txBody>
                   <a:tcPr marL="0" marR="0" marT="63500" marB="0">
@@ -6639,7 +5900,7 @@
                     <a:bodyPr/>
                     <a:lstStyle/>
                     <a:p>
-                      <a:pPr>
+                      <a:pPr algn="l" rtl="0">
                         <a:lnSpc>
                           <a:spcPct val="100000"/>
                         </a:lnSpc>
@@ -6695,7 +5956,7 @@
                         <a:defRPr/>
                       </a:pPr>
                       <a:r>
-                        <a:rPr lang="en-US" sz="900" spc="0" dirty="0">
+                        <a:rPr lang="it-IT" sz="900">
                           <a:solidFill>
                             <a:srgbClr val="020302"/>
                           </a:solidFill>
@@ -6704,10 +5965,6 @@
                         </a:rPr>
                         <a:t></a:t>
                       </a:r>
-                      <a:endParaRPr lang="en-US" sz="900" spc="0" dirty="0">
-                        <a:latin typeface="Wingdings"/>
-                        <a:cs typeface="Wingdings"/>
-                      </a:endParaRPr>
                     </a:p>
                   </a:txBody>
                   <a:tcPr marL="0" marR="0" marT="64135" marB="0">
@@ -6758,16 +6015,12 @@
                         </a:spcBef>
                       </a:pPr>
                       <a:r>
-                        <a:rPr lang="en-US" sz="1100" b="0" i="0" spc="0" dirty="0">
+                        <a:rPr lang="it-IT" sz="1100" b="0" i="0">
                           <a:latin typeface="Adobe Clean Light" panose="020B0303020404020204" pitchFamily="34" charset="0"/>
                           <a:cs typeface="AdobeClean-Light"/>
                         </a:rPr>
-                        <a:t>Release Preparation and Planning</a:t>
+                        <a:t>Preparazione e pianificazione del rilascio</a:t>
                       </a:r>
-                      <a:endParaRPr sz="1100" b="0" i="0" spc="0" dirty="0">
-                        <a:latin typeface="Adobe Clean Light" panose="020B0303020404020204" pitchFamily="34" charset="0"/>
-                        <a:cs typeface="AdobeClean-Light"/>
-                      </a:endParaRPr>
                     </a:p>
                   </a:txBody>
                   <a:tcPr marL="0" marR="0" marT="63500" marB="0">
@@ -6814,7 +6067,7 @@
                     <a:bodyPr/>
                     <a:lstStyle/>
                     <a:p>
-                      <a:pPr>
+                      <a:pPr algn="l" rtl="0">
                         <a:lnSpc>
                           <a:spcPct val="100000"/>
                         </a:lnSpc>
@@ -6879,7 +6132,7 @@
                         <a:defRPr/>
                       </a:pPr>
                       <a:r>
-                        <a:rPr lang="en-US" sz="900" spc="0" dirty="0">
+                        <a:rPr lang="it-IT" sz="900">
                           <a:solidFill>
                             <a:srgbClr val="020302"/>
                           </a:solidFill>
@@ -6888,10 +6141,6 @@
                         </a:rPr>
                         <a:t></a:t>
                       </a:r>
-                      <a:endParaRPr lang="en-US" sz="900" spc="0" dirty="0">
-                        <a:latin typeface="Wingdings"/>
-                        <a:cs typeface="Wingdings"/>
-                      </a:endParaRPr>
                     </a:p>
                   </a:txBody>
                   <a:tcPr marL="0" marR="0" marT="64135" marB="0">
@@ -6932,7 +6181,7 @@
                     <a:bodyPr/>
                     <a:lstStyle/>
                     <a:p>
-                      <a:pPr marL="49530">
+                      <a:pPr marL="49530" algn="l" rtl="0">
                         <a:lnSpc>
                           <a:spcPct val="100000"/>
                         </a:lnSpc>
@@ -6996,16 +6245,12 @@
                         </a:spcBef>
                       </a:pPr>
                       <a:r>
-                        <a:rPr lang="en-US" sz="1100" b="0" i="0" spc="0" dirty="0">
+                        <a:rPr lang="it-IT" sz="1100" b="0" i="0" dirty="0">
                           <a:latin typeface="Adobe Clean Light" panose="020B0303020404020204" pitchFamily="34" charset="0"/>
                           <a:cs typeface="AdobeClean-Light"/>
                         </a:rPr>
-                        <a:t>Executive Sponsor</a:t>
+                        <a:t>Sponsor esecutivo</a:t>
                       </a:r>
-                      <a:endParaRPr sz="1100" b="0" i="0" spc="0" dirty="0">
-                        <a:latin typeface="Adobe Clean Light" panose="020B0303020404020204" pitchFamily="34" charset="0"/>
-                        <a:cs typeface="AdobeClean-Light"/>
-                      </a:endParaRPr>
                     </a:p>
                   </a:txBody>
                   <a:tcPr marL="0" marR="0" marT="67310" marB="0">
@@ -7049,7 +6294,7 @@
                     <a:bodyPr/>
                     <a:lstStyle/>
                     <a:p>
-                      <a:pPr>
+                      <a:pPr algn="l" rtl="0">
                         <a:lnSpc>
                           <a:spcPct val="100000"/>
                         </a:lnSpc>
@@ -7114,7 +6359,7 @@
                         </a:spcBef>
                       </a:pPr>
                       <a:r>
-                        <a:rPr sz="900" spc="0" dirty="0">
+                        <a:rPr lang="it-IT" sz="900" dirty="0">
                           <a:solidFill>
                             <a:srgbClr val="020302"/>
                           </a:solidFill>
@@ -7123,10 +6368,6 @@
                         </a:rPr>
                         <a:t></a:t>
                       </a:r>
-                      <a:endParaRPr sz="900" spc="0" dirty="0">
-                        <a:latin typeface="Wingdings"/>
-                        <a:cs typeface="Wingdings"/>
-                      </a:endParaRPr>
                     </a:p>
                   </a:txBody>
                   <a:tcPr marL="0" marR="0" marT="62230" marB="0">
@@ -7189,14 +6430,14 @@
           <p:nvPr>
             <p:extLst>
               <p:ext uri="{D42A27DB-BD31-4B8C-83A1-F6EECF244321}">
-                <p14:modId xmlns:p14="http://schemas.microsoft.com/office/powerpoint/2010/main" val="2386093707"/>
+                <p14:modId xmlns:p14="http://schemas.microsoft.com/office/powerpoint/2010/main" val="2742883288"/>
               </p:ext>
             </p:extLst>
           </p:nvPr>
         </p:nvGraphicFramePr>
         <p:xfrm>
-          <a:off x="209607" y="7483227"/>
-          <a:ext cx="7281936" cy="2361428"/>
+          <a:off x="209607" y="7374203"/>
+          <a:ext cx="7281936" cy="2450329"/>
         </p:xfrm>
         <a:graphic>
           <a:graphicData uri="http://schemas.openxmlformats.org/drawingml/2006/table">
@@ -7226,14 +6467,14 @@
                     </a:ext>
                   </a:extLst>
                 </a:gridCol>
-                <a:gridCol w="896981">
+                <a:gridCol w="999433">
                   <a:extLst>
                     <a:ext uri="{9D8B030D-6E8A-4147-A177-3AD203B41FA5}">
                       <a16:colId xmlns:a16="http://schemas.microsoft.com/office/drawing/2014/main" val="20003"/>
                     </a:ext>
                   </a:extLst>
                 </a:gridCol>
-                <a:gridCol w="896981">
+                <a:gridCol w="794529">
                   <a:extLst>
                     <a:ext uri="{9D8B030D-6E8A-4147-A177-3AD203B41FA5}">
                       <a16:colId xmlns:a16="http://schemas.microsoft.com/office/drawing/2014/main" val="20004"/>
@@ -7256,19 +6497,15 @@
                         </a:spcBef>
                       </a:pPr>
                       <a:r>
-                        <a:rPr sz="900" spc="0">
+                        <a:rPr lang="it-IT" sz="900" dirty="0">
                           <a:solidFill>
                             <a:srgbClr val="020302"/>
                           </a:solidFill>
                           <a:latin typeface="Adobe Clean"/>
                           <a:cs typeface="Adobe Clean"/>
                         </a:rPr>
-                        <a:t>Priority</a:t>
+                        <a:t>Priorità</a:t>
                       </a:r>
-                      <a:endParaRPr sz="900" spc="0">
-                        <a:latin typeface="Adobe Clean"/>
-                        <a:cs typeface="Adobe Clean"/>
-                      </a:endParaRPr>
                     </a:p>
                   </a:txBody>
                   <a:tcPr marL="0" marR="0" marT="7620" marB="0" anchor="ctr">
@@ -7315,49 +6552,15 @@
                         </a:spcBef>
                       </a:pPr>
                       <a:r>
-                        <a:rPr lang="en-US" sz="900" spc="0">
+                        <a:rPr lang="it-IT" sz="900">
                           <a:solidFill>
                             <a:srgbClr val="020302"/>
                           </a:solidFill>
                           <a:latin typeface="Adobe Clean"/>
                           <a:cs typeface="Adobe Clean"/>
                         </a:rPr>
-                        <a:t>Standard</a:t>
+                        <a:t>Supporto Standard</a:t>
                       </a:r>
-                      <a:r>
-                        <a:rPr sz="900" spc="0">
-                          <a:solidFill>
-                            <a:srgbClr val="020302"/>
-                          </a:solidFill>
-                          <a:latin typeface="Adobe Clean"/>
-                          <a:cs typeface="Adobe Clean"/>
-                        </a:rPr>
-                        <a:t> </a:t>
-                      </a:r>
-                      <a:r>
-                        <a:rPr lang="en-US" sz="900" spc="0">
-                          <a:solidFill>
-                            <a:srgbClr val="020302"/>
-                          </a:solidFill>
-                          <a:latin typeface="Adobe Clean"/>
-                          <a:cs typeface="Adobe Clean"/>
-                        </a:rPr>
-                        <a:t> </a:t>
-                      </a:r>
-                      <a:r>
-                        <a:rPr sz="900" spc="0">
-                          <a:solidFill>
-                            <a:srgbClr val="020302"/>
-                          </a:solidFill>
-                          <a:latin typeface="Adobe Clean"/>
-                          <a:cs typeface="Adobe Clean"/>
-                        </a:rPr>
-                        <a:t>Support</a:t>
-                      </a:r>
-                      <a:endParaRPr sz="900" spc="0">
-                        <a:latin typeface="Adobe Clean"/>
-                        <a:cs typeface="Adobe Clean"/>
-                      </a:endParaRPr>
                     </a:p>
                   </a:txBody>
                   <a:tcPr marL="0" marR="0" marT="0" marB="0" anchor="ctr">
@@ -7407,39 +6610,15 @@
                         </a:spcBef>
                       </a:pPr>
                       <a:r>
-                        <a:rPr sz="900" spc="0">
+                        <a:rPr lang="it-IT" sz="900">
                           <a:solidFill>
                             <a:srgbClr val="FFFFFF"/>
                           </a:solidFill>
                           <a:latin typeface="Adobe Clean"/>
                           <a:cs typeface="Adobe Clean"/>
                         </a:rPr>
-                        <a:t>Business</a:t>
+                        <a:t>Supporto Business</a:t>
                       </a:r>
-                      <a:r>
-                        <a:rPr lang="en-US" sz="900" spc="0">
-                          <a:solidFill>
-                            <a:srgbClr val="FFFFFF"/>
-                          </a:solidFill>
-                          <a:latin typeface="Adobe Clean"/>
-                          <a:cs typeface="Adobe Clean"/>
-                        </a:rPr>
-                        <a:t> </a:t>
-                      </a:r>
-                      <a:r>
-                        <a:rPr sz="900" spc="0">
-                          <a:solidFill>
-                            <a:srgbClr val="FFFFFF"/>
-                          </a:solidFill>
-                          <a:latin typeface="Adobe Clean"/>
-                          <a:cs typeface="Adobe Clean"/>
-                        </a:rPr>
-                        <a:t>Support</a:t>
-                      </a:r>
-                      <a:endParaRPr sz="900" spc="0">
-                        <a:latin typeface="Adobe Clean"/>
-                        <a:cs typeface="Adobe Clean"/>
-                      </a:endParaRPr>
                     </a:p>
                   </a:txBody>
                   <a:tcPr marL="0" marR="0" marT="0" marB="0" anchor="ctr">
@@ -7486,39 +6665,15 @@
                         </a:spcBef>
                       </a:pPr>
                       <a:r>
-                        <a:rPr sz="900" spc="0">
+                        <a:rPr lang="it-IT" sz="900">
                           <a:solidFill>
                             <a:srgbClr val="FFFFFF"/>
                           </a:solidFill>
                           <a:latin typeface="Adobe Clean"/>
                           <a:cs typeface="Adobe Clean"/>
                         </a:rPr>
-                        <a:t>Enterprise </a:t>
+                        <a:t>Supporto Enterprise</a:t>
                       </a:r>
-                      <a:r>
-                        <a:rPr lang="en-US" sz="900" spc="0">
-                          <a:solidFill>
-                            <a:srgbClr val="FFFFFF"/>
-                          </a:solidFill>
-                          <a:latin typeface="Adobe Clean"/>
-                          <a:cs typeface="Adobe Clean"/>
-                        </a:rPr>
-                        <a:t> </a:t>
-                      </a:r>
-                      <a:r>
-                        <a:rPr sz="900" spc="0">
-                          <a:solidFill>
-                            <a:srgbClr val="FFFFFF"/>
-                          </a:solidFill>
-                          <a:latin typeface="Adobe Clean"/>
-                          <a:cs typeface="Adobe Clean"/>
-                        </a:rPr>
-                        <a:t>Support</a:t>
-                      </a:r>
-                      <a:endParaRPr sz="900" spc="0">
-                        <a:latin typeface="Adobe Clean"/>
-                        <a:cs typeface="Adobe Clean"/>
-                      </a:endParaRPr>
                     </a:p>
                   </a:txBody>
                   <a:tcPr marL="0" marR="0" marT="0" marB="0" anchor="ctr">
@@ -7565,39 +6720,15 @@
                         </a:spcBef>
                       </a:pPr>
                       <a:r>
-                        <a:rPr sz="900" spc="0">
+                        <a:rPr lang="it-IT" sz="900">
                           <a:solidFill>
                             <a:srgbClr val="FFFFFF"/>
                           </a:solidFill>
                           <a:latin typeface="Adobe Clean"/>
                           <a:cs typeface="Adobe Clean"/>
                         </a:rPr>
-                        <a:t>Elite</a:t>
+                        <a:t>Supporto Elite</a:t>
                       </a:r>
-                      <a:r>
-                        <a:rPr lang="en-US" sz="900" spc="0">
-                          <a:solidFill>
-                            <a:srgbClr val="FFFFFF"/>
-                          </a:solidFill>
-                          <a:latin typeface="Adobe Clean"/>
-                          <a:cs typeface="Adobe Clean"/>
-                        </a:rPr>
-                        <a:t> </a:t>
-                      </a:r>
-                      <a:r>
-                        <a:rPr sz="900" spc="0">
-                          <a:solidFill>
-                            <a:srgbClr val="FFFFFF"/>
-                          </a:solidFill>
-                          <a:latin typeface="Adobe Clean"/>
-                          <a:cs typeface="Adobe Clean"/>
-                        </a:rPr>
-                        <a:t>Support</a:t>
-                      </a:r>
-                      <a:endParaRPr sz="900" spc="0">
-                        <a:latin typeface="Adobe Clean"/>
-                        <a:cs typeface="Adobe Clean"/>
-                      </a:endParaRPr>
                     </a:p>
                   </a:txBody>
                   <a:tcPr marL="0" marR="0" marT="0" marB="0" anchor="ctr">
@@ -7651,19 +6782,15 @@
                         </a:spcBef>
                       </a:pPr>
                       <a:r>
-                        <a:rPr sz="900" b="1" spc="0">
+                        <a:rPr lang="it-IT" sz="850" b="1" dirty="0">
                           <a:solidFill>
                             <a:srgbClr val="020302"/>
                           </a:solidFill>
                           <a:latin typeface="Adobe Clean"/>
                           <a:cs typeface="Adobe Clean"/>
                         </a:rPr>
-                        <a:t>PRIORITY 1</a:t>
+                        <a:t>PRIORITÀ 1</a:t>
                       </a:r>
-                      <a:endParaRPr sz="900" spc="0">
-                        <a:latin typeface="Adobe Clean"/>
-                        <a:cs typeface="Adobe Clean"/>
-                      </a:endParaRPr>
                     </a:p>
                     <a:p>
                       <a:pPr marL="50800" marR="387985">
@@ -7675,19 +6802,14 @@
                         </a:spcBef>
                       </a:pPr>
                       <a:r>
-                        <a:rPr lang="en-US" sz="900" b="0" i="0" spc="0">
+                        <a:rPr lang="it-IT" sz="850" b="0" i="0" dirty="0">
                           <a:solidFill>
                             <a:srgbClr val="000000"/>
                           </a:solidFill>
-                          <a:effectLst/>
                           <a:latin typeface="Adobe Clean Light" panose="020B0303020404020204" pitchFamily="34" charset="0"/>
                         </a:rPr>
-                        <a:t>Customer's production business functions are down or have significant data loss or service degradation and immediate attention is required to restore functionality and usability. </a:t>
+                        <a:t>Le funzioni operative nell’ambiente di produzione del cliente non sono disponibili oppure si verificano problemi significativi di perdita di dati o deterioramento del servizio ed è richiesto un intervento immediato per ripristinare funzionalità e usabilità. </a:t>
                       </a:r>
-                      <a:endParaRPr sz="900" spc="0">
-                        <a:latin typeface="AdobeClean-Light"/>
-                        <a:cs typeface="AdobeClean-Light"/>
-                      </a:endParaRPr>
                     </a:p>
                   </a:txBody>
                   <a:tcPr marL="0" marR="0" marT="0" marB="0" anchor="ctr">
@@ -7734,14 +6856,14 @@
                         </a:spcBef>
                       </a:pPr>
                       <a:r>
-                        <a:rPr lang="en-US" sz="900" spc="0">
+                        <a:rPr lang="it-IT" sz="900">
                           <a:solidFill>
                             <a:srgbClr val="020302"/>
                           </a:solidFill>
                           <a:latin typeface="AdobeClean-Light"/>
                           <a:cs typeface="AdobeClean-Light"/>
                         </a:rPr>
-                        <a:t>24x7 /</a:t>
+                        <a:t>24x7/</a:t>
                       </a:r>
                     </a:p>
                     <a:p>
@@ -7754,19 +6876,15 @@
                         </a:spcBef>
                       </a:pPr>
                       <a:r>
-                        <a:rPr lang="en-US" sz="900" spc="0">
+                        <a:rPr lang="it-IT" sz="900">
                           <a:solidFill>
                             <a:srgbClr val="020302"/>
                           </a:solidFill>
                           <a:latin typeface="AdobeClean-Light"/>
                           <a:cs typeface="AdobeClean-Light"/>
                         </a:rPr>
-                        <a:t> 30 minutes</a:t>
+                        <a:t> 30 minuti</a:t>
                       </a:r>
-                      <a:endParaRPr lang="en-US" sz="900" spc="0">
-                        <a:latin typeface="AdobeClean-Light"/>
-                        <a:cs typeface="AdobeClean-Light"/>
-                      </a:endParaRPr>
                     </a:p>
                   </a:txBody>
                   <a:tcPr marL="0" marR="0" marT="0" marB="0" anchor="ctr">
@@ -7811,10 +6929,10 @@
                         <a:tabLst/>
                       </a:pPr>
                       <a:r>
-                        <a:rPr lang="en-US" sz="900" i="0" spc="0" dirty="0">
+                        <a:rPr lang="it-IT" sz="900" i="0" dirty="0">
                           <a:latin typeface="AdobeClean-Light"/>
                         </a:rPr>
-                        <a:t>Customers who purchase a Support Plan for applicable Adobe Products and Services receive priority case routing that fast-tracks cases to Adobe’s Support Engineers. </a:t>
+                        <a:t>I clienti che acquistano un piano di supporto per i prodotti e i servizi Adobe applicabili ricevono l’instradamento prioritario dei casi, che consente di trasmetterli rapidamente ai tecnici del supporto Adobe. </a:t>
                       </a:r>
                     </a:p>
                   </a:txBody>
@@ -7862,7 +6980,7 @@
                         </a:spcBef>
                       </a:pPr>
                       <a:r>
-                        <a:rPr sz="900" spc="0">
+                        <a:rPr lang="it-IT" sz="900">
                           <a:solidFill>
                             <a:srgbClr val="020302"/>
                           </a:solidFill>
@@ -7872,67 +6990,8 @@
                           <a:latin typeface="AdobeClean-Light"/>
                           <a:cs typeface="AdobeClean-Light"/>
                         </a:rPr>
-                        <a:t>24x7 /  </a:t>
+                        <a:t>24x7/           30 minuti</a:t>
                       </a:r>
-                      <a:r>
-                        <a:rPr lang="en-US" sz="900" spc="0">
-                          <a:solidFill>
-                            <a:srgbClr val="020302"/>
-                          </a:solidFill>
-                          <a:highlight>
-                            <a:srgbClr val="FFFF00"/>
-                          </a:highlight>
-                          <a:latin typeface="AdobeClean-Light"/>
-                          <a:cs typeface="AdobeClean-Light"/>
-                        </a:rPr>
-                        <a:t>         </a:t>
-                      </a:r>
-                      <a:r>
-                        <a:rPr sz="900" spc="0">
-                          <a:solidFill>
-                            <a:srgbClr val="020302"/>
-                          </a:solidFill>
-                          <a:highlight>
-                            <a:srgbClr val="FFFF00"/>
-                          </a:highlight>
-                          <a:latin typeface="AdobeClean-Light"/>
-                          <a:cs typeface="AdobeClean-Light"/>
-                        </a:rPr>
-                        <a:t>30</a:t>
-                      </a:r>
-                      <a:r>
-                        <a:rPr lang="en-US" sz="900" spc="0">
-                          <a:solidFill>
-                            <a:srgbClr val="020302"/>
-                          </a:solidFill>
-                          <a:highlight>
-                            <a:srgbClr val="FFFF00"/>
-                          </a:highlight>
-                          <a:latin typeface="AdobeClean-Light"/>
-                          <a:cs typeface="AdobeClean-Light"/>
-                        </a:rPr>
-                        <a:t> </a:t>
-                      </a:r>
-                      <a:r>
-                        <a:rPr sz="900" spc="0">
-                          <a:solidFill>
-                            <a:srgbClr val="020302"/>
-                          </a:solidFill>
-                          <a:highlight>
-                            <a:srgbClr val="FFFF00"/>
-                          </a:highlight>
-                          <a:latin typeface="AdobeClean-Light"/>
-                          <a:cs typeface="AdobeClean-Light"/>
-                        </a:rPr>
-                        <a:t>minutes</a:t>
-                      </a:r>
-                      <a:endParaRPr sz="900" spc="0">
-                        <a:highlight>
-                          <a:srgbClr val="FFFF00"/>
-                        </a:highlight>
-                        <a:latin typeface="AdobeClean-Light"/>
-                        <a:cs typeface="AdobeClean-Light"/>
-                      </a:endParaRPr>
                     </a:p>
                   </a:txBody>
                   <a:tcPr marL="0" marR="0" marT="0" marB="0" anchor="ctr">
@@ -7976,7 +7035,7 @@
                         </a:spcBef>
                       </a:pPr>
                       <a:r>
-                        <a:rPr sz="900" spc="0">
+                        <a:rPr lang="it-IT" sz="900">
                           <a:solidFill>
                             <a:srgbClr val="020302"/>
                           </a:solidFill>
@@ -7986,67 +7045,8 @@
                           <a:latin typeface="AdobeClean-Light"/>
                           <a:cs typeface="AdobeClean-Light"/>
                         </a:rPr>
-                        <a:t>24x7 / </a:t>
+                        <a:t>24x7/         15 minuti</a:t>
                       </a:r>
-                      <a:r>
-                        <a:rPr lang="en-US" sz="900" spc="0">
-                          <a:solidFill>
-                            <a:srgbClr val="020302"/>
-                          </a:solidFill>
-                          <a:highlight>
-                            <a:srgbClr val="FFFF00"/>
-                          </a:highlight>
-                          <a:latin typeface="AdobeClean-Light"/>
-                          <a:cs typeface="AdobeClean-Light"/>
-                        </a:rPr>
-                        <a:t>       </a:t>
-                      </a:r>
-                      <a:r>
-                        <a:rPr sz="900" spc="0">
-                          <a:solidFill>
-                            <a:srgbClr val="020302"/>
-                          </a:solidFill>
-                          <a:highlight>
-                            <a:srgbClr val="FFFF00"/>
-                          </a:highlight>
-                          <a:latin typeface="AdobeClean-Light"/>
-                          <a:cs typeface="AdobeClean-Light"/>
-                        </a:rPr>
-                        <a:t> 15</a:t>
-                      </a:r>
-                      <a:r>
-                        <a:rPr lang="en-US" sz="900" spc="0">
-                          <a:solidFill>
-                            <a:srgbClr val="020302"/>
-                          </a:solidFill>
-                          <a:highlight>
-                            <a:srgbClr val="FFFF00"/>
-                          </a:highlight>
-                          <a:latin typeface="AdobeClean-Light"/>
-                          <a:cs typeface="AdobeClean-Light"/>
-                        </a:rPr>
-                        <a:t> </a:t>
-                      </a:r>
-                      <a:r>
-                        <a:rPr sz="900" spc="0">
-                          <a:solidFill>
-                            <a:srgbClr val="020302"/>
-                          </a:solidFill>
-                          <a:highlight>
-                            <a:srgbClr val="FFFF00"/>
-                          </a:highlight>
-                          <a:latin typeface="AdobeClean-Light"/>
-                          <a:cs typeface="AdobeClean-Light"/>
-                        </a:rPr>
-                        <a:t>minutes</a:t>
-                      </a:r>
-                      <a:endParaRPr sz="900" spc="0">
-                        <a:highlight>
-                          <a:srgbClr val="FFFF00"/>
-                        </a:highlight>
-                        <a:latin typeface="AdobeClean-Light"/>
-                        <a:cs typeface="AdobeClean-Light"/>
-                      </a:endParaRPr>
                     </a:p>
                   </a:txBody>
                   <a:tcPr marL="0" marR="0" marT="0" marB="0" anchor="ctr">
@@ -8097,19 +7097,15 @@
                         </a:spcBef>
                       </a:pPr>
                       <a:r>
-                        <a:rPr sz="900" b="1" spc="0">
+                        <a:rPr lang="it-IT" sz="850" b="1" dirty="0">
                           <a:solidFill>
                             <a:srgbClr val="020302"/>
                           </a:solidFill>
                           <a:latin typeface="Adobe Clean"/>
                           <a:cs typeface="Adobe Clean"/>
                         </a:rPr>
-                        <a:t>PRIORITY 2</a:t>
+                        <a:t>PRIORITÀ 2</a:t>
                       </a:r>
-                      <a:endParaRPr sz="900" spc="0">
-                        <a:latin typeface="Adobe Clean"/>
-                        <a:cs typeface="Adobe Clean"/>
-                      </a:endParaRPr>
                     </a:p>
                     <a:p>
                       <a:pPr marL="50165" marR="203200" indent="0" defTabSz="914400" eaLnBrk="1" fontAlgn="auto" latinLnBrk="0" hangingPunct="1">
@@ -8130,19 +7126,14 @@
                         <a:defRPr/>
                       </a:pPr>
                       <a:r>
-                        <a:rPr lang="en-US" sz="900" b="0" i="0" spc="0">
+                        <a:rPr lang="it-IT" sz="850" b="0" i="0" dirty="0">
                           <a:solidFill>
                             <a:srgbClr val="000000"/>
                           </a:solidFill>
-                          <a:effectLst/>
                           <a:latin typeface="Adobe Clean Light" panose="020B0303020404020204" pitchFamily="34" charset="0"/>
                         </a:rPr>
-                        <a:t>Customer's business functions have major service degradation or potential data loss, or a major feature is impacted.  </a:t>
+                        <a:t>Le funzioni operative del cliente hanno subìto notevoli deterioramenti del servizio o potenziale perdita di dati, oppure un problema interessa una funzione importante.  </a:t>
                       </a:r>
-                      <a:endParaRPr sz="900" b="0" i="0" spc="0">
-                        <a:latin typeface="Adobe Clean Light" panose="020B0303020404020204" pitchFamily="34" charset="0"/>
-                        <a:cs typeface="AdobeClean-Light"/>
-                      </a:endParaRPr>
                     </a:p>
                   </a:txBody>
                   <a:tcPr marL="0" marR="0" marT="0" marB="0" anchor="ctr">
@@ -8189,14 +7180,14 @@
                         </a:spcBef>
                       </a:pPr>
                       <a:r>
-                        <a:rPr lang="en-US" sz="900" spc="0">
+                        <a:rPr lang="it-IT" sz="900">
                           <a:solidFill>
                             <a:srgbClr val="020302"/>
                           </a:solidFill>
                           <a:latin typeface="AdobeClean-Light"/>
                           <a:cs typeface="AdobeClean-Light"/>
                         </a:rPr>
-                        <a:t>      24x7 /</a:t>
+                        <a:t>      24x7/</a:t>
                       </a:r>
                     </a:p>
                     <a:p>
@@ -8209,19 +7200,15 @@
                         </a:spcBef>
                       </a:pPr>
                       <a:r>
-                        <a:rPr lang="en-US" sz="900" spc="0">
+                        <a:rPr lang="it-IT" sz="900">
                           <a:solidFill>
                             <a:srgbClr val="020302"/>
                           </a:solidFill>
                           <a:latin typeface="AdobeClean-Light"/>
                           <a:cs typeface="AdobeClean-Light"/>
                         </a:rPr>
-                        <a:t>     1 hour</a:t>
+                        <a:t>     1 ora</a:t>
                       </a:r>
-                      <a:endParaRPr lang="en-US" sz="900" spc="0">
-                        <a:latin typeface="AdobeClean-Light"/>
-                        <a:cs typeface="AdobeClean-Light"/>
-                      </a:endParaRPr>
                     </a:p>
                   </a:txBody>
                   <a:tcPr marL="0" marR="0" marT="0" marB="0" anchor="ctr">
@@ -8256,7 +7243,7 @@
                     <a:bodyPr/>
                     <a:lstStyle/>
                     <a:p>
-                      <a:pPr marL="0" marR="184785" indent="-194310" algn="ctr">
+                      <a:pPr marL="0" marR="184785" indent="-194310" algn="l" rtl="0">
                         <a:lnSpc>
                           <a:spcPct val="100000"/>
                         </a:lnSpc>
@@ -8308,7 +7295,7 @@
                     <a:bodyPr/>
                     <a:lstStyle/>
                     <a:p>
-                      <a:pPr marL="0" marR="325755" indent="-5715" algn="ctr">
+                      <a:pPr marL="0" marR="325755" indent="-5715" algn="l" rtl="0">
                         <a:lnSpc>
                           <a:spcPct val="100000"/>
                         </a:lnSpc>
@@ -8357,7 +7344,7 @@
                     <a:bodyPr/>
                     <a:lstStyle/>
                     <a:p>
-                      <a:pPr marL="0" marR="259079" indent="111760" algn="ctr">
+                      <a:pPr marL="0" marR="259079" indent="111760" algn="l" rtl="0">
                         <a:lnSpc>
                           <a:spcPct val="100000"/>
                         </a:lnSpc>
@@ -8422,29 +7409,15 @@
                         </a:spcBef>
                       </a:pPr>
                       <a:r>
-                        <a:rPr sz="900" b="1" spc="0">
+                        <a:rPr lang="it-IT" sz="850" b="1" dirty="0">
                           <a:solidFill>
                             <a:srgbClr val="020302"/>
                           </a:solidFill>
                           <a:latin typeface="Adobe Clean"/>
                           <a:cs typeface="Adobe Clean"/>
                         </a:rPr>
-                        <a:t>PRIORITY</a:t>
+                        <a:t>PRIORITÀ 3</a:t>
                       </a:r>
-                      <a:r>
-                        <a:rPr lang="en-US" sz="900" b="1" spc="0">
-                          <a:solidFill>
-                            <a:srgbClr val="020302"/>
-                          </a:solidFill>
-                          <a:latin typeface="Adobe Clean"/>
-                          <a:cs typeface="Adobe Clean"/>
-                        </a:rPr>
-                        <a:t> 3</a:t>
-                      </a:r>
-                      <a:endParaRPr lang="en-US" sz="900" spc="0">
-                        <a:latin typeface="Adobe Clean"/>
-                        <a:cs typeface="Adobe Clean"/>
-                      </a:endParaRPr>
                     </a:p>
                     <a:p>
                       <a:pPr marL="49530" marR="212090" indent="-2540" defTabSz="914400" eaLnBrk="1" fontAlgn="auto" latinLnBrk="0" hangingPunct="1">
@@ -8465,26 +7438,21 @@
                         <a:defRPr/>
                       </a:pPr>
                       <a:r>
-                        <a:rPr kumimoji="0" lang="en-US" sz="900" b="0" i="0" u="none" strike="noStrike" kern="1200" cap="none" spc="0" normalizeH="0" baseline="0" noProof="0">
+                        <a:rPr kumimoji="0" lang="it-IT" sz="850" b="0" i="0" u="none" strike="noStrike" cap="none" normalizeH="0" baseline="0" noProof="0" dirty="0">
                           <a:ln>
                             <a:noFill/>
                           </a:ln>
                           <a:solidFill>
                             <a:srgbClr val="000000"/>
                           </a:solidFill>
-                          <a:effectLst/>
                           <a:uLnTx/>
                           <a:uFillTx/>
                           <a:latin typeface="Adobe Clean Light" panose="020B0303020404020204" pitchFamily="34" charset="0"/>
                           <a:ea typeface="+mn-ea"/>
                           <a:cs typeface="+mn-cs"/>
                         </a:rPr>
-                        <a:t>Customer's business functions have minor service degradation but there exists a solution/workaround allowing business functions to continue normally.</a:t>
+                        <a:t>Le funzioni operative del cliente sono interessate da deterioramento lieve del servizio, tuttavia è possibile procedere mediante una soluzione temporanea.</a:t>
                       </a:r>
-                      <a:endParaRPr lang="en-US" sz="900" b="0" i="0" spc="0">
-                        <a:latin typeface="Adobe Clean Light" panose="020B0303020404020204" pitchFamily="34" charset="0"/>
-                        <a:cs typeface="AdobeClean-Light"/>
-                      </a:endParaRPr>
                     </a:p>
                   </a:txBody>
                   <a:tcPr marL="0" marR="0" marT="0" marB="0" anchor="ctr">
@@ -8534,14 +7502,14 @@
                         </a:tabLst>
                       </a:pPr>
                       <a:r>
-                        <a:rPr lang="en-US" sz="900" spc="0" dirty="0">
+                        <a:rPr lang="it-IT" sz="900" dirty="0">
                           <a:solidFill>
                             <a:srgbClr val="020302"/>
                           </a:solidFill>
                           <a:latin typeface="AdobeClean-Light"/>
                           <a:cs typeface="AdobeClean-Light"/>
                         </a:rPr>
-                        <a:t>   Business day /   </a:t>
+                        <a:t>   Giorni lavorativi/   </a:t>
                       </a:r>
                     </a:p>
                     <a:p>
@@ -8554,19 +7522,15 @@
                         </a:spcBef>
                       </a:pPr>
                       <a:r>
-                        <a:rPr lang="en-US" sz="900" spc="0" dirty="0">
+                        <a:rPr lang="it-IT" sz="900" dirty="0">
                           <a:solidFill>
                             <a:srgbClr val="020302"/>
                           </a:solidFill>
                           <a:latin typeface="AdobeClean-Light"/>
                           <a:cs typeface="AdobeClean-Light"/>
                         </a:rPr>
-                        <a:t>4 hours</a:t>
+                        <a:t>4 ore</a:t>
                       </a:r>
-                      <a:endParaRPr lang="en-US" sz="900" spc="0" dirty="0">
-                        <a:latin typeface="AdobeClean-Light"/>
-                        <a:cs typeface="AdobeClean-Light"/>
-                      </a:endParaRPr>
                     </a:p>
                   </a:txBody>
                   <a:tcPr marL="0" marR="0" marT="0" marB="0" anchor="ctr">
@@ -8601,7 +7565,7 @@
                     <a:bodyPr/>
                     <a:lstStyle/>
                     <a:p>
-                      <a:pPr marL="0" marR="185420" indent="-193675" algn="ctr">
+                      <a:pPr marL="0" marR="185420" indent="-193675" algn="l" rtl="0">
                         <a:lnSpc>
                           <a:spcPct val="100000"/>
                         </a:lnSpc>
@@ -8653,7 +7617,7 @@
                     <a:bodyPr/>
                     <a:lstStyle/>
                     <a:p>
-                      <a:pPr marL="0" marR="184785" indent="-194310" algn="ctr">
+                      <a:pPr marL="0" marR="184785" indent="-194310" algn="l" rtl="0">
                         <a:lnSpc>
                           <a:spcPct val="100000"/>
                         </a:lnSpc>
@@ -8702,7 +7666,7 @@
                     <a:bodyPr/>
                     <a:lstStyle/>
                     <a:p>
-                      <a:pPr marL="0" marR="326390" indent="-5715" algn="ctr">
+                      <a:pPr marL="0" marR="326390" indent="-5715" algn="l" rtl="0">
                         <a:lnSpc>
                           <a:spcPct val="100000"/>
                         </a:lnSpc>
@@ -8767,19 +7731,15 @@
                         </a:spcBef>
                       </a:pPr>
                       <a:r>
-                        <a:rPr sz="900" b="1" spc="0">
+                        <a:rPr lang="it-IT" sz="850" b="1" dirty="0">
                           <a:solidFill>
                             <a:srgbClr val="020302"/>
                           </a:solidFill>
                           <a:latin typeface="Adobe Clean"/>
                           <a:cs typeface="Adobe Clean"/>
                         </a:rPr>
-                        <a:t>PRIORITY 4</a:t>
+                        <a:t>PRIORITÀ 4</a:t>
                       </a:r>
-                      <a:endParaRPr sz="900" spc="0">
-                        <a:latin typeface="Adobe Clean"/>
-                        <a:cs typeface="Adobe Clean"/>
-                      </a:endParaRPr>
                     </a:p>
                     <a:p>
                       <a:pPr marL="48895" marR="0" indent="0" defTabSz="914400" eaLnBrk="1" fontAlgn="auto" latinLnBrk="0" hangingPunct="1">
@@ -8800,19 +7760,14 @@
                         <a:defRPr/>
                       </a:pPr>
                       <a:r>
-                        <a:rPr lang="en-US" sz="900" b="0" i="0" spc="0">
+                        <a:rPr lang="it-IT" sz="850" b="0" i="0" dirty="0">
                           <a:solidFill>
                             <a:srgbClr val="000000"/>
                           </a:solidFill>
-                          <a:effectLst/>
                           <a:latin typeface="Adobe Clean Light" panose="020B0303020404020204" pitchFamily="34" charset="0"/>
                         </a:rPr>
-                        <a:t>General question regarding current product functionality or an enhancement request. </a:t>
+                        <a:t>Domande generali sulle attuali funzionalità del prodotto o richiesta di miglioramento. </a:t>
                       </a:r>
-                      <a:endParaRPr sz="900" b="0" i="0" spc="0">
-                        <a:latin typeface="Adobe Clean Light" panose="020B0303020404020204" pitchFamily="34" charset="0"/>
-                        <a:cs typeface="AdobeClean-Light"/>
-                      </a:endParaRPr>
                     </a:p>
                   </a:txBody>
                   <a:tcPr marL="0" marR="0" marT="0" marB="0" anchor="ctr">
@@ -8850,7 +7805,7 @@
                     <a:bodyPr/>
                     <a:lstStyle/>
                     <a:p>
-                      <a:pPr marL="195263" marR="184785" indent="-195263" algn="ctr">
+                      <a:pPr marL="0" marR="184785" indent="0" algn="ctr">
                         <a:lnSpc>
                           <a:spcPct val="100000"/>
                         </a:lnSpc>
@@ -8862,18 +7817,18 @@
                         </a:tabLst>
                       </a:pPr>
                       <a:r>
-                        <a:rPr lang="en-US" sz="900" spc="0" dirty="0">
+                        <a:rPr lang="it-IT" sz="900" dirty="0">
                           <a:solidFill>
                             <a:srgbClr val="020302"/>
                           </a:solidFill>
                           <a:latin typeface="AdobeClean-Light"/>
                           <a:cs typeface="AdobeClean-Light"/>
                         </a:rPr>
-                        <a:t>  Business day /   </a:t>
+                        <a:t>  Giorni lavorativi/   </a:t>
                       </a:r>
                     </a:p>
                     <a:p>
-                      <a:pPr marL="0" marR="184785" indent="-194310" algn="ctr">
+                      <a:pPr marL="0" marR="184785" indent="0" algn="ctr">
                         <a:lnSpc>
                           <a:spcPct val="100000"/>
                         </a:lnSpc>
@@ -8882,19 +7837,15 @@
                         </a:spcBef>
                       </a:pPr>
                       <a:r>
-                        <a:rPr lang="en-US" sz="900" spc="0" dirty="0">
+                        <a:rPr lang="it-IT" sz="900" dirty="0">
                           <a:solidFill>
                             <a:srgbClr val="020302"/>
                           </a:solidFill>
                           <a:latin typeface="AdobeClean-Light"/>
                           <a:cs typeface="AdobeClean-Light"/>
                         </a:rPr>
-                        <a:t>1 day </a:t>
+                        <a:t>1 giorno </a:t>
                       </a:r>
-                      <a:endParaRPr lang="en-US" sz="900" spc="0" dirty="0">
-                        <a:latin typeface="AdobeClean-Light"/>
-                        <a:cs typeface="AdobeClean-Light"/>
-                      </a:endParaRPr>
                     </a:p>
                   </a:txBody>
                   <a:tcPr marL="0" marR="0" marT="0" marB="0" anchor="ctr">
@@ -8929,7 +7880,7 @@
                     <a:bodyPr/>
                     <a:lstStyle/>
                     <a:p>
-                      <a:pPr marL="0" marR="223520" indent="-202565" algn="ctr">
+                      <a:pPr marL="0" marR="223520" indent="-202565" algn="l" rtl="0">
                         <a:lnSpc>
                           <a:spcPct val="100000"/>
                         </a:lnSpc>
@@ -8981,7 +7932,7 @@
                     <a:bodyPr/>
                     <a:lstStyle/>
                     <a:p>
-                      <a:pPr marL="0" marR="223520" indent="-202565" algn="ctr">
+                      <a:pPr marL="0" marR="223520" indent="-202565" algn="l" rtl="0">
                         <a:lnSpc>
                           <a:spcPct val="100000"/>
                         </a:lnSpc>
@@ -9030,7 +7981,7 @@
                     <a:bodyPr/>
                     <a:lstStyle/>
                     <a:p>
-                      <a:pPr marL="0" marR="223520" indent="-202565" algn="ctr">
+                      <a:pPr marL="0" marR="223520" indent="-202565" algn="l" rtl="0">
                         <a:lnSpc>
                           <a:spcPct val="100000"/>
                         </a:lnSpc>
@@ -9101,7 +8052,7 @@
         <p:spPr>
           <a:xfrm>
             <a:off x="97788" y="9857050"/>
-            <a:ext cx="2245360" cy="133370"/>
+            <a:ext cx="3749040" cy="133370"/>
           </a:xfrm>
           <a:prstGeom prst="rect">
             <a:avLst/>
@@ -9213,36 +8164,8 @@
               </a:spcBef>
             </a:pPr>
             <a:r>
-              <a:rPr lang="en-US" spc="-10" dirty="0"/>
-              <a:t>©202</a:t>
-            </a:r>
-            <a:r>
-              <a:rPr lang="en-US" spc="-5" dirty="0"/>
-              <a:t>2 Adobe. All</a:t>
-            </a:r>
-            <a:r>
-              <a:rPr lang="en-US" spc="-10" dirty="0"/>
-              <a:t> Rights</a:t>
-            </a:r>
-            <a:r>
-              <a:rPr lang="en-US" spc="-5" dirty="0"/>
-              <a:t> </a:t>
-            </a:r>
-            <a:r>
-              <a:rPr lang="en-US" spc="-10" dirty="0"/>
-              <a:t>Reserved.</a:t>
-            </a:r>
-            <a:r>
-              <a:rPr lang="en-US" spc="-5" dirty="0"/>
-              <a:t> Adobe</a:t>
-            </a:r>
-            <a:r>
-              <a:rPr lang="en-US" spc="60" dirty="0"/>
-              <a:t> </a:t>
-            </a:r>
-            <a:r>
-              <a:rPr lang="en-US" spc="-10" dirty="0"/>
-              <a:t>Confidential.</a:t>
+              <a:rPr lang="it-IT" dirty="0"/>
+              <a:t>©2022 Adobe. All Rights Reserved. Adobe Confidential.</a:t>
             </a:r>
           </a:p>
         </p:txBody>
@@ -9302,8 +8225,8 @@
         </p:nvSpPr>
         <p:spPr>
           <a:xfrm>
-            <a:off x="324341" y="688596"/>
-            <a:ext cx="1647825" cy="45719"/>
+            <a:off x="324340" y="688596"/>
+            <a:ext cx="2560320" cy="45719"/>
           </a:xfrm>
           <a:custGeom>
             <a:avLst/>
@@ -9344,8 +8267,8 @@
         </p:nvSpPr>
         <p:spPr>
           <a:xfrm>
-            <a:off x="324341" y="405315"/>
-            <a:ext cx="1647825" cy="238760"/>
+            <a:off x="324340" y="405315"/>
+            <a:ext cx="2651760" cy="238760"/>
           </a:xfrm>
           <a:prstGeom prst="rect">
             <a:avLst/>
@@ -9366,59 +8289,15 @@
               </a:spcBef>
             </a:pPr>
             <a:r>
-              <a:rPr sz="1400" b="1" spc="-10">
+              <a:rPr lang="it-IT" sz="1400" b="1" dirty="0">
                 <a:solidFill>
                   <a:srgbClr val="020302"/>
                 </a:solidFill>
                 <a:latin typeface="Adobe Clean"/>
                 <a:cs typeface="Adobe Clean"/>
               </a:rPr>
-              <a:t>Elite</a:t>
+              <a:t>Caratteristiche del supporto Elite</a:t>
             </a:r>
-            <a:r>
-              <a:rPr sz="1400" b="1" spc="-50">
-                <a:solidFill>
-                  <a:srgbClr val="020302"/>
-                </a:solidFill>
-                <a:latin typeface="Adobe Clean"/>
-                <a:cs typeface="Adobe Clean"/>
-              </a:rPr>
-              <a:t> </a:t>
-            </a:r>
-            <a:r>
-              <a:rPr sz="1400" b="1" spc="-10">
-                <a:solidFill>
-                  <a:srgbClr val="020302"/>
-                </a:solidFill>
-                <a:latin typeface="Adobe Clean"/>
-                <a:cs typeface="Adobe Clean"/>
-              </a:rPr>
-              <a:t>Support</a:t>
-            </a:r>
-            <a:r>
-              <a:rPr sz="1400" b="1" spc="-45">
-                <a:solidFill>
-                  <a:srgbClr val="020302"/>
-                </a:solidFill>
-                <a:latin typeface="Adobe Clean"/>
-                <a:cs typeface="Adobe Clean"/>
-              </a:rPr>
-              <a:t> </a:t>
-            </a:r>
-            <a:r>
-              <a:rPr sz="1400" b="1" spc="-15">
-                <a:solidFill>
-                  <a:srgbClr val="020302"/>
-                </a:solidFill>
-                <a:latin typeface="Adobe Clean"/>
-                <a:cs typeface="Adobe Clean"/>
-              </a:rPr>
-              <a:t>Features</a:t>
-            </a:r>
-            <a:endParaRPr sz="1400">
-              <a:latin typeface="Adobe Clean"/>
-              <a:cs typeface="Adobe Clean"/>
-            </a:endParaRPr>
           </a:p>
         </p:txBody>
       </p:sp>
@@ -9431,7 +8310,7 @@
         <p:spPr>
           <a:xfrm>
             <a:off x="2783950" y="1197324"/>
-            <a:ext cx="2194560" cy="936154"/>
+            <a:ext cx="2194560" cy="866904"/>
           </a:xfrm>
           <a:prstGeom prst="rect">
             <a:avLst/>
@@ -9452,53 +8331,11 @@
               </a:spcBef>
             </a:pPr>
             <a:r>
-              <a:rPr sz="1000" dirty="0">
+              <a:rPr lang="it-IT" sz="925">
                 <a:latin typeface="AdobeClean-Light"/>
                 <a:cs typeface="AdobeClean-Light"/>
               </a:rPr>
-              <a:t>A</a:t>
-            </a:r>
-            <a:r>
-              <a:rPr lang="en-US" sz="1000" dirty="0">
-                <a:latin typeface="AdobeClean-Light"/>
-                <a:cs typeface="AdobeClean-Light"/>
-              </a:rPr>
-              <a:t> designated Su</a:t>
-            </a:r>
-            <a:r>
-              <a:rPr sz="1000" dirty="0">
-                <a:latin typeface="AdobeClean-Light"/>
-                <a:cs typeface="AdobeClean-Light"/>
-              </a:rPr>
-              <a:t>pport </a:t>
-            </a:r>
-            <a:r>
-              <a:rPr lang="en-US" sz="1000" dirty="0">
-                <a:latin typeface="AdobeClean-Light"/>
-                <a:cs typeface="AdobeClean-Light"/>
-              </a:rPr>
-              <a:t>E</a:t>
-            </a:r>
-            <a:r>
-              <a:rPr sz="1000" dirty="0">
-                <a:latin typeface="AdobeClean-Light"/>
-                <a:cs typeface="AdobeClean-Light"/>
-              </a:rPr>
-              <a:t>ngineer who  becomes familiar with your solution  environment and business goals. The NSE  is an experienced support engineer that  helps coordinate your </a:t>
-            </a:r>
-            <a:r>
-              <a:rPr lang="en-US" sz="1000" dirty="0">
-                <a:latin typeface="AdobeClean-Light"/>
-                <a:cs typeface="AdobeClean-Light"/>
-              </a:rPr>
-              <a:t>Elite</a:t>
-            </a:r>
-            <a:r>
-              <a:rPr sz="1000" dirty="0">
-                <a:latin typeface="AdobeClean-Light"/>
-                <a:cs typeface="AdobeClean-Light"/>
-              </a:rPr>
-              <a:t> Support  experience.</a:t>
+              <a:t>Un tecnico del supporto dedicato che acquisisce familiarità con l’ambiente della soluzione e gli obiettivi di business del cliente. Il Named Support Engineer è un tecnico esperto che aiuta a coordinare l’esperienza di supporto Elite del cliente.</a:t>
             </a:r>
           </a:p>
         </p:txBody>
@@ -9512,7 +8349,7 @@
         <p:spPr>
           <a:xfrm>
             <a:off x="398637" y="1209971"/>
-            <a:ext cx="2148839" cy="782265"/>
+            <a:ext cx="2148839" cy="582211"/>
           </a:xfrm>
           <a:prstGeom prst="rect">
             <a:avLst/>
@@ -9533,14 +8370,14 @@
               </a:spcBef>
             </a:pPr>
             <a:r>
-              <a:rPr lang="en-US" sz="1000" dirty="0">
+              <a:rPr lang="it-IT" sz="925" dirty="0">
                 <a:solidFill>
                   <a:srgbClr val="020302"/>
                 </a:solidFill>
                 <a:latin typeface="AdobeClean-Light"/>
                 <a:cs typeface="AdobeClean-Light"/>
               </a:rPr>
-              <a:t>A designated Technical Account Manager to oversee and advocate for your Elite support experience and provide proactive services to maximize your business value.</a:t>
+              <a:t>Un Technical Account Manager dedicato per monitorare e sostenere l’esperienza Elite e fornire servizi proattivi volti a massimizzare il valore aziendale.</a:t>
             </a:r>
           </a:p>
         </p:txBody>
@@ -9553,8 +8390,8 @@
         </p:nvSpPr>
         <p:spPr>
           <a:xfrm>
-            <a:off x="773188" y="944502"/>
-            <a:ext cx="2194560" cy="184666"/>
+            <a:off x="773188" y="925452"/>
+            <a:ext cx="2194560" cy="157735"/>
           </a:xfrm>
           <a:prstGeom prst="rect">
             <a:avLst/>
@@ -9575,7 +8412,7 @@
               </a:spcBef>
             </a:pPr>
             <a:r>
-              <a:rPr sz="1200" b="1" dirty="0">
+              <a:rPr lang="it-IT" sz="1025" b="1" dirty="0">
                 <a:solidFill>
                   <a:srgbClr val="020302"/>
                 </a:solidFill>
@@ -9584,10 +8421,6 @@
               </a:rPr>
               <a:t>Technical Account Manager</a:t>
             </a:r>
-            <a:endParaRPr sz="1200" dirty="0">
-              <a:latin typeface="Adobe Clean" panose="020B0503020404020204" pitchFamily="34" charset="0"/>
-              <a:cs typeface="Arial"/>
-            </a:endParaRPr>
           </a:p>
         </p:txBody>
       </p:sp>
@@ -9600,7 +8433,7 @@
         <p:spPr>
           <a:xfrm>
             <a:off x="375777" y="5597386"/>
-            <a:ext cx="2194560" cy="615553"/>
+            <a:ext cx="2194560" cy="854080"/>
           </a:xfrm>
           <a:prstGeom prst="rect">
             <a:avLst/>
@@ -9618,39 +8451,15 @@
               </a:spcBef>
             </a:pPr>
             <a:r>
-              <a:rPr sz="1000" dirty="0">
+              <a:rPr lang="it-IT" sz="925">
                 <a:solidFill>
                   <a:srgbClr val="020302"/>
                 </a:solidFill>
                 <a:latin typeface="AdobeClean-Light"/>
                 <a:cs typeface="AdobeClean-Light"/>
               </a:rPr>
-              <a:t>Receive personalized guidance</a:t>
+              <a:t>Possibilità di ricevere una guida personalizzata e una verifica proattiva per gli obiettivi di pianificazione dell’aggiornamento e della migrazione. Possibilità di beneficiare della verifica da parte di esperti Adobe del piano di rilascio e di aggiornamento.</a:t>
             </a:r>
-            <a:r>
-              <a:rPr lang="en-US" sz="1000" dirty="0">
-                <a:solidFill>
-                  <a:srgbClr val="020302"/>
-                </a:solidFill>
-                <a:latin typeface="AdobeClean-Light"/>
-                <a:cs typeface="AdobeClean-Light"/>
-              </a:rPr>
-              <a:t> and a proactive review for upgrade and migration planning purposes. Benefit from Adobe</a:t>
-            </a:r>
-            <a:r>
-              <a:rPr sz="1000" dirty="0">
-                <a:solidFill>
-                  <a:srgbClr val="020302"/>
-                </a:solidFill>
-                <a:latin typeface="AdobeClean-Light"/>
-                <a:cs typeface="AdobeClean-Light"/>
-              </a:rPr>
-              <a:t>  experts review release and upgrade plan.</a:t>
-            </a:r>
-            <a:endParaRPr sz="1000" dirty="0">
-              <a:latin typeface="AdobeClean-Light"/>
-              <a:cs typeface="AdobeClean-Light"/>
-            </a:endParaRPr>
           </a:p>
         </p:txBody>
       </p:sp>
@@ -9668,8 +8477,8 @@
         </p:nvGrpSpPr>
         <p:grpSpPr>
           <a:xfrm rot="5400000">
-            <a:off x="897301" y="-1566621"/>
-            <a:ext cx="6668757" cy="9364512"/>
+            <a:off x="847491" y="-1516810"/>
+            <a:ext cx="6768378" cy="9364512"/>
             <a:chOff x="-247019" y="421767"/>
             <a:chExt cx="3875281" cy="7641336"/>
           </a:xfrm>
@@ -9796,7 +8605,7 @@
         <p:spPr>
           <a:xfrm>
             <a:off x="5129336" y="5594945"/>
-            <a:ext cx="2442314" cy="615553"/>
+            <a:ext cx="2442314" cy="569387"/>
           </a:xfrm>
           <a:prstGeom prst="rect">
             <a:avLst/>
@@ -9814,28 +8623,22 @@
               </a:spcBef>
             </a:pPr>
             <a:r>
-              <a:rPr lang="en-US" sz="1000" dirty="0">
+              <a:rPr lang="it-IT" sz="925">
                 <a:solidFill>
                   <a:srgbClr val="020302"/>
                 </a:solidFill>
                 <a:latin typeface="AdobeClean-Light"/>
                 <a:cs typeface="AdobeClean-Light"/>
               </a:rPr>
-              <a:t>Additional named support contacts have the benefit of leveraging </a:t>
+              <a:t>Ulteriori contatti di supporto nominativi hanno il vantaggio di sfruttare </a:t>
             </a:r>
             <a:r>
-              <a:rPr lang="en-US" sz="1000" dirty="0">
+              <a:rPr lang="it-IT" sz="925">
                 <a:latin typeface="Adobe Clean Light" panose="020B0303020404020204" pitchFamily="34" charset="0"/>
+                <a:cs typeface="AdobeClean-Light"/>
               </a:rPr>
-              <a:t>available channels to interact with our technical support team on behalf of your company. </a:t>
+              <a:t>canali disponibili per interagire con il nostro team di supporto tecnico a nome dell’azienda. </a:t>
             </a:r>
-            <a:endParaRPr lang="en-US" sz="1000" dirty="0">
-              <a:solidFill>
-                <a:prstClr val="black"/>
-              </a:solidFill>
-              <a:latin typeface="AdobeClean-Light"/>
-              <a:cs typeface="AdobeClean-Light"/>
-            </a:endParaRPr>
           </a:p>
         </p:txBody>
       </p:sp>
@@ -9853,8 +8656,8 @@
         </p:nvSpPr>
         <p:spPr>
           <a:xfrm>
-            <a:off x="3164797" y="948996"/>
-            <a:ext cx="2194560" cy="184666"/>
+            <a:off x="3164797" y="929946"/>
+            <a:ext cx="2194560" cy="157735"/>
           </a:xfrm>
           <a:prstGeom prst="rect">
             <a:avLst/>
@@ -9872,7 +8675,7 @@
               </a:spcBef>
             </a:pPr>
             <a:r>
-              <a:rPr lang="en-US" sz="1200" b="1" dirty="0">
+              <a:rPr lang="it-IT" sz="1025" b="1">
                 <a:solidFill>
                   <a:srgbClr val="020302"/>
                 </a:solidFill>
@@ -9881,13 +8684,6 @@
               </a:rPr>
               <a:t>Named Support Engineer</a:t>
             </a:r>
-            <a:endParaRPr lang="en-US" sz="1200" dirty="0">
-              <a:solidFill>
-                <a:prstClr val="black"/>
-              </a:solidFill>
-              <a:latin typeface="Adobe Clean" panose="020B0503020404020204" pitchFamily="34" charset="0"/>
-              <a:cs typeface="Arial"/>
-            </a:endParaRPr>
           </a:p>
         </p:txBody>
       </p:sp>
@@ -9906,7 +8702,7 @@
         <p:spPr>
           <a:xfrm>
             <a:off x="5616494" y="5218925"/>
-            <a:ext cx="1769315" cy="369332"/>
+            <a:ext cx="1769315" cy="315471"/>
           </a:xfrm>
           <a:prstGeom prst="rect">
             <a:avLst/>
@@ -9924,22 +8720,15 @@
               </a:spcBef>
             </a:pPr>
             <a:r>
-              <a:rPr lang="en-US" sz="1200" b="1" dirty="0">
+              <a:rPr lang="it-IT" sz="1025" b="1">
                 <a:solidFill>
                   <a:srgbClr val="020302"/>
                 </a:solidFill>
                 <a:latin typeface="Adobe Clean" panose="020B0503020404020204" pitchFamily="34" charset="0"/>
                 <a:cs typeface="Adobe Clean"/>
               </a:rPr>
-              <a:t>Additional Named Support Contacts</a:t>
+              <a:t>Contatti di supporto designati aggiuntivi</a:t>
             </a:r>
-            <a:endParaRPr lang="en-US" sz="1200" dirty="0">
-              <a:solidFill>
-                <a:prstClr val="black"/>
-              </a:solidFill>
-              <a:latin typeface="Adobe Clean" panose="020B0503020404020204" pitchFamily="34" charset="0"/>
-              <a:cs typeface="Adobe Clean"/>
-            </a:endParaRPr>
           </a:p>
         </p:txBody>
       </p:sp>
@@ -9958,7 +8747,7 @@
         <p:spPr>
           <a:xfrm>
             <a:off x="818833" y="5227865"/>
-            <a:ext cx="1947019" cy="369332"/>
+            <a:ext cx="1947019" cy="315471"/>
           </a:xfrm>
           <a:prstGeom prst="rect">
             <a:avLst/>
@@ -9976,22 +8765,15 @@
               </a:spcBef>
             </a:pPr>
             <a:r>
-              <a:rPr lang="en-US" sz="1200" b="1" dirty="0">
+              <a:rPr lang="it-IT" sz="1025" b="1" dirty="0">
                 <a:solidFill>
                   <a:srgbClr val="020302"/>
                 </a:solidFill>
                 <a:latin typeface="Adobe Clean" panose="020B0503020404020204" pitchFamily="34" charset="0"/>
                 <a:cs typeface="Adobe Clean"/>
               </a:rPr>
-              <a:t>Upgrade/Migration     Planning</a:t>
+              <a:t>Pianificazione dell’aggiornamento/migrazione</a:t>
             </a:r>
-            <a:endParaRPr lang="en-US" sz="1200" dirty="0">
-              <a:solidFill>
-                <a:prstClr val="black"/>
-              </a:solidFill>
-              <a:latin typeface="Adobe Clean" panose="020B0503020404020204" pitchFamily="34" charset="0"/>
-              <a:cs typeface="Adobe Clean"/>
-            </a:endParaRPr>
           </a:p>
         </p:txBody>
       </p:sp>
@@ -10064,7 +8846,7 @@
         </p:nvSpPr>
         <p:spPr>
           <a:xfrm rot="5400000" flipH="1">
-            <a:off x="3858371" y="-594913"/>
+            <a:off x="3858371" y="-518713"/>
             <a:ext cx="45719" cy="5577840"/>
           </a:xfrm>
           <a:custGeom>
@@ -10119,8 +8901,8 @@
         </p:nvSpPr>
         <p:spPr>
           <a:xfrm>
-            <a:off x="307972" y="6853797"/>
-            <a:ext cx="1985851" cy="77016"/>
+            <a:off x="307971" y="6955397"/>
+            <a:ext cx="2926080" cy="77016"/>
           </a:xfrm>
           <a:custGeom>
             <a:avLst/>
@@ -10167,8 +8949,8 @@
         </p:nvSpPr>
         <p:spPr>
           <a:xfrm>
-            <a:off x="212830" y="6531850"/>
-            <a:ext cx="2180405" cy="307777"/>
+            <a:off x="212829" y="6633450"/>
+            <a:ext cx="3108960" cy="307777"/>
           </a:xfrm>
           <a:prstGeom prst="rect">
             <a:avLst/>
@@ -10189,19 +8971,15 @@
               </a:spcBef>
             </a:pPr>
             <a:r>
-              <a:rPr lang="en-US" sz="1400" b="1" spc="-10" dirty="0">
+              <a:rPr lang="it-IT" sz="1400" b="1" dirty="0">
                 <a:solidFill>
                   <a:srgbClr val="020302"/>
                 </a:solidFill>
                 <a:latin typeface="Adobe Clean"/>
                 <a:cs typeface="Adobe Clean"/>
               </a:rPr>
-              <a:t>Standard Support Features</a:t>
+              <a:t>Caratteristiche del supporto Standard</a:t>
             </a:r>
-            <a:endParaRPr lang="en-US" sz="1400" dirty="0">
-              <a:latin typeface="Adobe Clean"/>
-              <a:cs typeface="Adobe Clean"/>
-            </a:endParaRPr>
           </a:p>
         </p:txBody>
       </p:sp>
@@ -10219,7 +8997,7 @@
         </p:nvSpPr>
         <p:spPr>
           <a:xfrm rot="5400000" flipH="1">
-            <a:off x="3858370" y="5757373"/>
+            <a:off x="3858370" y="5808173"/>
             <a:ext cx="45719" cy="5577840"/>
           </a:xfrm>
           <a:custGeom>
@@ -10277,7 +9055,7 @@
         <p:spPr>
           <a:xfrm>
             <a:off x="872580" y="7278776"/>
-            <a:ext cx="1384310" cy="184666"/>
+            <a:ext cx="1384310" cy="157735"/>
           </a:xfrm>
           <a:prstGeom prst="rect">
             <a:avLst/>
@@ -10298,12 +9076,12 @@
               </a:spcAft>
             </a:pPr>
             <a:r>
-              <a:rPr lang="en-US" sz="1200" b="1" dirty="0">
+              <a:rPr lang="it-IT" sz="1025" b="1">
                 <a:latin typeface="Adobe Clean" panose="020B0503020404020204" pitchFamily="34" charset="0"/>
                 <a:ea typeface="Open Sans" pitchFamily="34" charset="0"/>
                 <a:cs typeface="Open Sans" pitchFamily="34" charset="0"/>
               </a:rPr>
-              <a:t>Community Forums</a:t>
+              <a:t>Forum della community</a:t>
             </a:r>
           </a:p>
         </p:txBody>
@@ -10323,7 +9101,7 @@
         <p:spPr>
           <a:xfrm>
             <a:off x="445049" y="7520945"/>
-            <a:ext cx="2148840" cy="959237"/>
+            <a:ext cx="2148840" cy="1032334"/>
           </a:xfrm>
           <a:prstGeom prst="rect">
             <a:avLst/>
@@ -10336,13 +9114,13 @@
           <a:lstStyle/>
           <a:p>
             <a:r>
-              <a:rPr lang="en-US" sz="1000" dirty="0">
+              <a:rPr lang="it-IT" sz="925" dirty="0">
                 <a:solidFill>
                   <a:srgbClr val="000000"/>
                 </a:solidFill>
                 <a:latin typeface="Adobe Clean Light" panose="020B0303020404020204" pitchFamily="34" charset="0"/>
               </a:rPr>
-              <a:t>Continuous online access to a growing database of technical solutions, product documentation, FAQs and more. Connect with other customers on Adobe Community to share best practices and lessons learned..</a:t>
+              <a:t>Accesso online continuo a un database in continua crescita di soluzioni tecniche, documentazione del prodotto, risposte alle domande più frequenti e altro ancora. Possibilità di relazionarsi con altri clienti della Community Adobe per condividere best practice ed esperienze.</a:t>
             </a:r>
           </a:p>
         </p:txBody>
@@ -10364,7 +9142,7 @@
         <p:spPr>
           <a:xfrm>
             <a:off x="3379295" y="7277122"/>
-            <a:ext cx="1013098" cy="184666"/>
+            <a:ext cx="1768113" cy="157735"/>
           </a:xfrm>
           <a:prstGeom prst="rect">
             <a:avLst/>
@@ -10385,12 +9163,12 @@
               </a:spcAft>
             </a:pPr>
             <a:r>
-              <a:rPr lang="en-US" sz="1200" b="1" dirty="0">
+              <a:rPr lang="it-IT" sz="1025" b="1">
                 <a:latin typeface="Adobe Clean" panose="020B0503020404020204" pitchFamily="34" charset="0"/>
                 <a:ea typeface="Open Sans" pitchFamily="34" charset="0"/>
                 <a:cs typeface="Open Sans" pitchFamily="34" charset="0"/>
               </a:rPr>
-              <a:t>Self-Help Portal</a:t>
+              <a:t>Portale di assistenza autonoma</a:t>
             </a:r>
           </a:p>
         </p:txBody>
@@ -10410,7 +9188,7 @@
         <p:spPr>
           <a:xfrm>
             <a:off x="2933792" y="7510816"/>
-            <a:ext cx="2148840" cy="805349"/>
+            <a:ext cx="2211764" cy="605294"/>
           </a:xfrm>
           <a:prstGeom prst="rect">
             <a:avLst/>
@@ -10423,13 +9201,13 @@
           <a:lstStyle/>
           <a:p>
             <a:r>
-              <a:rPr lang="en-US" sz="1000" dirty="0">
+              <a:rPr lang="it-IT" sz="925" dirty="0">
                 <a:solidFill>
                   <a:srgbClr val="000000"/>
                 </a:solidFill>
                 <a:latin typeface="Adobe Clean Light" panose="020B0303020404020204" pitchFamily="34" charset="0"/>
               </a:rPr>
-              <a:t>On-demand access to the online Self-help Support Portal review case status, and browse other resources, like our  news and alerts, knowledge base, featured tips, and more.</a:t>
+              <a:t>Accesso on-demand al portale di assistenza autonoma per esaminare lo stato dei casi e sfogliare altre risorse, come la knowledge base, notizie e avvisi, suggerimenti e altro ancora.</a:t>
             </a:r>
           </a:p>
         </p:txBody>
@@ -10449,7 +9227,7 @@
         <p:spPr>
           <a:xfrm>
             <a:off x="5422535" y="7486269"/>
-            <a:ext cx="2148840" cy="641201"/>
+            <a:ext cx="2148840" cy="737381"/>
           </a:xfrm>
           <a:prstGeom prst="rect">
             <a:avLst/>
@@ -10473,104 +9251,14 @@
               </a:tabLst>
             </a:pPr>
             <a:r>
-              <a:rPr lang="en-US" sz="1000" spc="-20" dirty="0">
+              <a:rPr lang="it-IT" sz="925">
                 <a:solidFill>
                   <a:srgbClr val="020302"/>
                 </a:solidFill>
                 <a:latin typeface="AdobeClean-Light"/>
                 <a:cs typeface="AdobeClean-Light"/>
               </a:rPr>
-              <a:t>Authorized Users (Admins) can start a chat session with Adobe Support </a:t>
-            </a:r>
-            <a:r>
-              <a:rPr lang="en-US" sz="1000" spc="-5" dirty="0">
-                <a:solidFill>
-                  <a:srgbClr val="020302"/>
-                </a:solidFill>
-                <a:latin typeface="AdobeClean-Light"/>
-                <a:cs typeface="AdobeClean-Light"/>
-              </a:rPr>
-              <a:t>to </a:t>
-            </a:r>
-            <a:r>
-              <a:rPr lang="en-US" sz="1000" spc="-10" dirty="0">
-                <a:solidFill>
-                  <a:srgbClr val="020302"/>
-                </a:solidFill>
-                <a:latin typeface="AdobeClean-Light"/>
-                <a:cs typeface="AdobeClean-Light"/>
-              </a:rPr>
-              <a:t>get </a:t>
-            </a:r>
-            <a:r>
-              <a:rPr lang="en-US" sz="1000" spc="-20" dirty="0">
-                <a:solidFill>
-                  <a:srgbClr val="020302"/>
-                </a:solidFill>
-                <a:latin typeface="AdobeClean-Light"/>
-                <a:cs typeface="AdobeClean-Light"/>
-              </a:rPr>
-              <a:t>answers</a:t>
-            </a:r>
-            <a:r>
-              <a:rPr lang="en-US" sz="1000" spc="-45" dirty="0">
-                <a:solidFill>
-                  <a:srgbClr val="020302"/>
-                </a:solidFill>
-                <a:latin typeface="AdobeClean-Light"/>
-                <a:cs typeface="AdobeClean-Light"/>
-              </a:rPr>
-              <a:t> and </a:t>
-            </a:r>
-            <a:r>
-              <a:rPr lang="en-US" sz="1000" spc="-15" dirty="0">
-                <a:solidFill>
-                  <a:srgbClr val="020302"/>
-                </a:solidFill>
-                <a:latin typeface="AdobeClean-Light"/>
-                <a:cs typeface="AdobeClean-Light"/>
-              </a:rPr>
-              <a:t>help </a:t>
-            </a:r>
-            <a:r>
-              <a:rPr lang="en-US" sz="1000" spc="-10" dirty="0">
-                <a:solidFill>
-                  <a:srgbClr val="020302"/>
-                </a:solidFill>
-                <a:latin typeface="AdobeClean-Light"/>
-                <a:cs typeface="AdobeClean-Light"/>
-              </a:rPr>
-              <a:t>with</a:t>
-            </a:r>
-            <a:r>
-              <a:rPr lang="en-US" sz="1000" spc="85" dirty="0">
-                <a:solidFill>
-                  <a:srgbClr val="020302"/>
-                </a:solidFill>
-                <a:latin typeface="AdobeClean-Light"/>
-                <a:cs typeface="AdobeClean-Light"/>
-              </a:rPr>
-              <a:t> </a:t>
-            </a:r>
-            <a:r>
-              <a:rPr lang="en-US" sz="1000" spc="-10" dirty="0">
-                <a:solidFill>
-                  <a:srgbClr val="020302"/>
-                </a:solidFill>
-                <a:latin typeface="AdobeClean-Light"/>
-                <a:cs typeface="AdobeClean-Light"/>
-              </a:rPr>
-              <a:t>case </a:t>
-            </a:r>
-            <a:r>
-              <a:rPr lang="en-US" sz="1000" spc="-20" dirty="0">
-                <a:solidFill>
-                  <a:srgbClr val="020302"/>
-                </a:solidFill>
-                <a:latin typeface="AdobeClean-Light"/>
-                <a:cs typeface="AdobeClean-Light"/>
-              </a:rPr>
-              <a:t>submission.</a:t>
+              <a:t>Gli utenti autorizzati (Admin) possono avviare una sessione di chat con l’assistenza Adobe per ottenere risposte e aiuto con l’invio del caso.</a:t>
             </a:r>
           </a:p>
           <a:p>
@@ -10586,19 +9274,15 @@
               </a:tabLst>
             </a:pPr>
             <a:r>
-              <a:rPr lang="en-US" sz="1000" i="1" spc="-10" dirty="0">
+              <a:rPr lang="it-IT" sz="925" i="1">
                 <a:solidFill>
                   <a:srgbClr val="7A7A7A"/>
                 </a:solidFill>
                 <a:latin typeface="AdobeClean-LightIt"/>
                 <a:cs typeface="AdobeClean-LightIt"/>
               </a:rPr>
-              <a:t>Subject to local hours</a:t>
+              <a:t>Soggetto agli orari locali</a:t>
             </a:r>
-            <a:endParaRPr lang="en-US" sz="1000" dirty="0">
-              <a:latin typeface="AdobeClean-Light"/>
-              <a:cs typeface="AdobeClean-Light"/>
-            </a:endParaRPr>
           </a:p>
         </p:txBody>
       </p:sp>
@@ -10619,7 +9303,7 @@
         <p:spPr>
           <a:xfrm>
             <a:off x="5937487" y="7264890"/>
-            <a:ext cx="841577" cy="184666"/>
+            <a:ext cx="803105" cy="157735"/>
           </a:xfrm>
           <a:prstGeom prst="rect">
             <a:avLst/>
@@ -10640,12 +9324,12 @@
               </a:spcAft>
             </a:pPr>
             <a:r>
-              <a:rPr lang="en-US" sz="1200" b="1" dirty="0">
+              <a:rPr lang="it-IT" sz="1025" b="1">
                 <a:latin typeface="Adobe Clean" panose="020B0503020404020204" pitchFamily="34" charset="0"/>
                 <a:ea typeface="Open Sans" pitchFamily="34" charset="0"/>
                 <a:cs typeface="Open Sans" pitchFamily="34" charset="0"/>
               </a:rPr>
-              <a:t>Chat Support</a:t>
+              <a:t>Supporto chat</a:t>
             </a:r>
           </a:p>
         </p:txBody>
@@ -10666,8 +9350,8 @@
         </p:nvSpPr>
         <p:spPr>
           <a:xfrm>
-            <a:off x="2214435" y="8850387"/>
-            <a:ext cx="963405" cy="184666"/>
+            <a:off x="1503235" y="8850387"/>
+            <a:ext cx="1130118" cy="157735"/>
           </a:xfrm>
           <a:prstGeom prst="rect">
             <a:avLst/>
@@ -10688,12 +9372,12 @@
               </a:spcAft>
             </a:pPr>
             <a:r>
-              <a:rPr lang="en-US" sz="1200" b="1" dirty="0">
+              <a:rPr lang="it-IT" sz="1025" b="1">
                 <a:latin typeface="Adobe Clean" panose="020B0503020404020204" pitchFamily="34" charset="0"/>
                 <a:ea typeface="Open Sans" pitchFamily="34" charset="0"/>
                 <a:cs typeface="Open Sans" pitchFamily="34" charset="0"/>
               </a:rPr>
-              <a:t>Phone Support</a:t>
+              <a:t>Supporto telefonico</a:t>
             </a:r>
           </a:p>
         </p:txBody>
@@ -10712,8 +9396,8 @@
         </p:nvSpPr>
         <p:spPr>
           <a:xfrm>
-            <a:off x="1896499" y="9097542"/>
-            <a:ext cx="2023834" cy="651460"/>
+            <a:off x="1185299" y="9097542"/>
+            <a:ext cx="2419766" cy="605294"/>
           </a:xfrm>
           <a:prstGeom prst="rect">
             <a:avLst/>
@@ -10726,116 +9410,42 @@
           <a:lstStyle/>
           <a:p>
             <a:r>
-              <a:rPr lang="en-US" sz="1000" dirty="0">
+              <a:rPr lang="it-IT" sz="925" dirty="0">
                 <a:solidFill>
                   <a:srgbClr val="020302"/>
                 </a:solidFill>
                 <a:latin typeface="AdobeClean-Light"/>
               </a:rPr>
-              <a:t>Authorized Users (Admins) </a:t>
+              <a:t>Gli utenti autorizzati (Admin) </a:t>
             </a:r>
             <a:r>
-              <a:rPr lang="en-US" sz="1000" dirty="0">
+              <a:rPr lang="it-IT" sz="925" dirty="0">
                 <a:latin typeface="Adobe Clean Light"/>
               </a:rPr>
-              <a:t>can call Adobe Support via phone </a:t>
+              <a:t>possono contattare il supporto Adobe tramite telefono </a:t>
             </a:r>
             <a:r>
-              <a:rPr lang="en-US" sz="1000" spc="-5" dirty="0">
+              <a:rPr lang="it-IT" sz="925" dirty="0">
                 <a:solidFill>
                   <a:srgbClr val="020302"/>
                 </a:solidFill>
                 <a:latin typeface="AdobeClean-Light"/>
                 <a:cs typeface="AdobeClean-Light"/>
               </a:rPr>
-              <a:t>to </a:t>
-            </a:r>
-            <a:r>
-              <a:rPr lang="en-US" sz="1000" spc="-10" dirty="0">
-                <a:solidFill>
-                  <a:srgbClr val="020302"/>
-                </a:solidFill>
-                <a:latin typeface="AdobeClean-Light"/>
-                <a:cs typeface="AdobeClean-Light"/>
-              </a:rPr>
-              <a:t>get </a:t>
-            </a:r>
-            <a:r>
-              <a:rPr lang="en-US" sz="1000" spc="-20" dirty="0">
-                <a:solidFill>
-                  <a:srgbClr val="020302"/>
-                </a:solidFill>
-                <a:latin typeface="AdobeClean-Light"/>
-                <a:cs typeface="AdobeClean-Light"/>
-              </a:rPr>
-              <a:t>answers</a:t>
-            </a:r>
-            <a:r>
-              <a:rPr lang="en-US" sz="1000" spc="-45" dirty="0">
-                <a:solidFill>
-                  <a:srgbClr val="020302"/>
-                </a:solidFill>
-                <a:latin typeface="AdobeClean-Light"/>
-                <a:cs typeface="AdobeClean-Light"/>
-              </a:rPr>
-              <a:t> and</a:t>
-            </a:r>
-            <a:r>
-              <a:rPr lang="en-US" sz="1000" dirty="0">
-                <a:solidFill>
-                  <a:srgbClr val="020302"/>
-                </a:solidFill>
-                <a:latin typeface="AdobeClean-Light"/>
-                <a:cs typeface="AdobeClean-Light"/>
-              </a:rPr>
-              <a:t> </a:t>
-            </a:r>
-            <a:r>
-              <a:rPr lang="en-US" sz="1000" spc="-15" dirty="0">
-                <a:solidFill>
-                  <a:srgbClr val="020302"/>
-                </a:solidFill>
-                <a:latin typeface="AdobeClean-Light"/>
-                <a:cs typeface="AdobeClean-Light"/>
-              </a:rPr>
-              <a:t>help </a:t>
-            </a:r>
-            <a:r>
-              <a:rPr lang="en-US" sz="1000" spc="-10" dirty="0">
-                <a:solidFill>
-                  <a:srgbClr val="020302"/>
-                </a:solidFill>
-                <a:latin typeface="AdobeClean-Light"/>
-                <a:cs typeface="AdobeClean-Light"/>
-              </a:rPr>
-              <a:t>with case </a:t>
-            </a:r>
-            <a:r>
-              <a:rPr lang="en-US" sz="1000" spc="-20" dirty="0">
-                <a:solidFill>
-                  <a:srgbClr val="020302"/>
-                </a:solidFill>
-                <a:latin typeface="AdobeClean-Light"/>
-                <a:cs typeface="AdobeClean-Light"/>
-              </a:rPr>
-              <a:t>submission.</a:t>
+              <a:t>per ottenere risposte e aiuto con l’invio del caso.</a:t>
             </a:r>
           </a:p>
           <a:p>
             <a:r>
-              <a:rPr lang="en-US" sz="1000" i="1" spc="-10" dirty="0">
+              <a:rPr lang="it-IT" sz="925" i="1" dirty="0">
                 <a:solidFill>
                   <a:srgbClr val="7A7A7A"/>
                 </a:solidFill>
                 <a:latin typeface="Adobe Clean Light" panose="020B0303020404020204" pitchFamily="34" charset="0"/>
                 <a:cs typeface="AdobeClean-LightIt"/>
               </a:rPr>
-              <a:t>Subject to local hours</a:t>
+              <a:t>Soggetto agli orari locali</a:t>
             </a:r>
-            <a:endParaRPr lang="en-US" sz="1000" i="1" dirty="0">
-              <a:latin typeface="Adobe Clean Light" panose="020B0303020404020204" pitchFamily="34" charset="0"/>
-              <a:cs typeface="AdobeClean-Light"/>
-            </a:endParaRPr>
           </a:p>
         </p:txBody>
       </p:sp>
@@ -10856,7 +9466,7 @@
         <p:spPr>
           <a:xfrm>
             <a:off x="4665030" y="8845241"/>
-            <a:ext cx="1402628" cy="184666"/>
+            <a:ext cx="1761701" cy="157735"/>
           </a:xfrm>
           <a:prstGeom prst="rect">
             <a:avLst/>
@@ -10877,12 +9487,12 @@
               </a:spcAft>
             </a:pPr>
             <a:r>
-              <a:rPr lang="en-US" sz="1200" b="1" dirty="0">
+              <a:rPr lang="it-IT" sz="1025" b="1">
                 <a:latin typeface="Adobe Clean" panose="020B0503020404020204" pitchFamily="34" charset="0"/>
                 <a:ea typeface="Open Sans" pitchFamily="34" charset="0"/>
                 <a:cs typeface="Open Sans" pitchFamily="34" charset="0"/>
               </a:rPr>
-              <a:t>Web Case Submission</a:t>
+              <a:t>Presentazione del caso sul web</a:t>
             </a:r>
           </a:p>
         </p:txBody>
@@ -10901,8 +9511,8 @@
         </p:nvSpPr>
         <p:spPr>
           <a:xfrm>
-            <a:off x="4167337" y="9097542"/>
-            <a:ext cx="2148840" cy="707886"/>
+            <a:off x="4167336" y="9097542"/>
+            <a:ext cx="2573256" cy="661720"/>
           </a:xfrm>
           <a:prstGeom prst="rect">
             <a:avLst/>
@@ -10915,26 +9525,20 @@
           <a:lstStyle/>
           <a:p>
             <a:r>
-              <a:rPr lang="en-US" sz="1000" dirty="0">
+              <a:rPr lang="it-IT" sz="925" dirty="0">
                 <a:solidFill>
                   <a:srgbClr val="020302"/>
                 </a:solidFill>
                 <a:latin typeface="AdobeClean-Light"/>
               </a:rPr>
-              <a:t>Authorized Users (Admins) </a:t>
+              <a:t>Gli utenti autorizzati (Admin) </a:t>
             </a:r>
             <a:r>
-              <a:rPr lang="en-US" sz="1000" dirty="0">
+              <a:rPr lang="it-IT" sz="925" dirty="0">
                 <a:latin typeface="Adobe Clean Light"/>
               </a:rPr>
-              <a:t>can submit unlimited web cases at any time for support issues for review by our technical support team.</a:t>
+              <a:t>possono presentare un numero illimitato di casi web in qualsiasi momento per problemi di supporto da sottoporre all’esame del nostro team di supporto tecnico.</a:t>
             </a:r>
-            <a:endParaRPr lang="en-US" sz="1000" dirty="0">
-              <a:solidFill>
-                <a:srgbClr val="000000"/>
-              </a:solidFill>
-              <a:latin typeface="Adobe Clean Light"/>
-            </a:endParaRPr>
           </a:p>
         </p:txBody>
       </p:sp>
@@ -10952,8 +9556,8 @@
         </p:nvSpPr>
         <p:spPr>
           <a:xfrm>
-            <a:off x="5241757" y="1187127"/>
-            <a:ext cx="2280307" cy="805349"/>
+            <a:off x="5241757" y="1225227"/>
+            <a:ext cx="2280307" cy="1032334"/>
           </a:xfrm>
           <a:prstGeom prst="rect">
             <a:avLst/>
@@ -10967,23 +9571,19 @@
           <a:p>
             <a:pPr marL="12700" marR="5080"/>
             <a:r>
-              <a:rPr lang="en-US" sz="1000" dirty="0">
+              <a:rPr lang="it-IT" sz="925" dirty="0">
                 <a:latin typeface="Adobe Clean Light" panose="020B0303020404020204" pitchFamily="34" charset="0"/>
                 <a:cs typeface="AdobeClean-Light"/>
               </a:rPr>
-              <a:t>Receive prioritized routing to ensure faster connection to more senior support resources on submitted cases, as well as </a:t>
+              <a:t>Possibilità di ricevere un instradamento prioritario per garantire una connessione più rapida alle risorse di supporto più datate sui casi presentati, nonché </a:t>
             </a:r>
             <a:r>
-              <a:rPr lang="en-US" sz="1000" dirty="0">
+              <a:rPr lang="it-IT" sz="925" dirty="0">
                 <a:latin typeface="Adobe Clean Light" panose="020B0303020404020204" pitchFamily="34" charset="0"/>
                 <a:cs typeface="Adobe Clean Light"/>
               </a:rPr>
-              <a:t>higher prioritization on support case work through facilitated engagement with Engineering.</a:t>
+              <a:t>una prioritizzazione maggiore sui casi di supporto gestiti attraverso un coinvolgimento agevolato con il personale tecnico.</a:t>
             </a:r>
-            <a:endParaRPr lang="en-US" sz="1000" dirty="0">
-              <a:latin typeface="Adobe Clean Light" panose="020B0303020404020204" pitchFamily="34" charset="0"/>
-              <a:cs typeface="AdobeClean-Light"/>
-            </a:endParaRPr>
           </a:p>
         </p:txBody>
       </p:sp>
@@ -11003,8 +9603,8 @@
         </p:nvSpPr>
         <p:spPr>
           <a:xfrm>
-            <a:off x="5570691" y="832185"/>
-            <a:ext cx="1976242" cy="369332"/>
+            <a:off x="5570691" y="765510"/>
+            <a:ext cx="1976242" cy="473206"/>
           </a:xfrm>
           <a:prstGeom prst="rect">
             <a:avLst/>
@@ -11025,13 +9625,13 @@
               </a:spcAft>
             </a:pPr>
             <a:r>
-              <a:rPr lang="en-US" sz="1200" b="1" spc="-10" dirty="0">
+              <a:rPr lang="it-IT" sz="1025" b="1" dirty="0">
                 <a:solidFill>
                   <a:srgbClr val="020302"/>
                 </a:solidFill>
                 <a:latin typeface="Adobe Clean" panose="020B0503020404020204" pitchFamily="34" charset="0"/>
               </a:rPr>
-              <a:t>Priority Case Routing &amp; Accelerated Issue Prioritization</a:t>
+              <a:t>Instradamento dei casi prioritari e prioritizzazione accelerata dei problemi</a:t>
             </a:r>
           </a:p>
         </p:txBody>
@@ -11050,8 +9650,8 @@
         </p:nvSpPr>
         <p:spPr>
           <a:xfrm>
-            <a:off x="358574" y="2781808"/>
-            <a:ext cx="2140042" cy="959237"/>
+            <a:off x="358574" y="2800858"/>
+            <a:ext cx="2140042" cy="889987"/>
           </a:xfrm>
           <a:prstGeom prst="rect">
             <a:avLst/>
@@ -11072,15 +9672,11 @@
               </a:spcBef>
             </a:pPr>
             <a:r>
-              <a:rPr lang="en-US" sz="1000" dirty="0">
+              <a:rPr lang="it-IT" sz="925" dirty="0">
                 <a:latin typeface="Adobe Clean Light" panose="020B0303020404020204" pitchFamily="34" charset="0"/>
               </a:rPr>
-              <a:t>A designated point of contact within Adobe who will actively monitor open cases and can provide escalation assistance, regular updates and ensure priority is given to your most critical open support requests.</a:t>
+              <a:t>Un contatto Adobe dedicato che monitora attivamente i casi aperti e può fornire assistenza e aggiornamenti regolari in merito ai casi che richiedono escalation, e assicurarsi che venga data priorità alle richieste di supporto aperte più critiche.</a:t>
             </a:r>
-            <a:endParaRPr lang="en-US" sz="1000" dirty="0">
-              <a:latin typeface="Adobe Clean Light" panose="020B0303020404020204" pitchFamily="34" charset="0"/>
-              <a:cs typeface="AdobeClean-Light"/>
-            </a:endParaRPr>
           </a:p>
         </p:txBody>
       </p:sp>
@@ -11100,8 +9696,8 @@
         </p:nvSpPr>
         <p:spPr>
           <a:xfrm>
-            <a:off x="764873" y="2390174"/>
-            <a:ext cx="1797891" cy="369332"/>
+            <a:off x="764873" y="2409224"/>
+            <a:ext cx="1936981" cy="315471"/>
           </a:xfrm>
           <a:prstGeom prst="rect">
             <a:avLst/>
@@ -11122,13 +9718,30 @@
               </a:spcAft>
             </a:pPr>
             <a:r>
-              <a:rPr lang="en-US" sz="1200" b="1" spc="-10" dirty="0">
+              <a:rPr lang="it-IT" sz="1025" b="1" dirty="0">
                 <a:solidFill>
                   <a:srgbClr val="020302"/>
                 </a:solidFill>
                 <a:latin typeface="Adobe Clean" panose="020B0503020404020204" pitchFamily="34" charset="0"/>
               </a:rPr>
-              <a:t>Proactive Case Monitoring and Escalation Management</a:t>
+              <a:t>Monitoraggio proattivo dei </a:t>
+            </a:r>
+            <a:br>
+              <a:rPr lang="it-IT" sz="1025" b="1" dirty="0">
+                <a:solidFill>
+                  <a:srgbClr val="020302"/>
+                </a:solidFill>
+                <a:latin typeface="Adobe Clean" panose="020B0503020404020204" pitchFamily="34" charset="0"/>
+              </a:rPr>
+            </a:br>
+            <a:r>
+              <a:rPr lang="it-IT" sz="1025" b="1" dirty="0">
+                <a:solidFill>
+                  <a:srgbClr val="020302"/>
+                </a:solidFill>
+                <a:latin typeface="Adobe Clean" panose="020B0503020404020204" pitchFamily="34" charset="0"/>
+              </a:rPr>
+              <a:t>casi e gestione delle escalation</a:t>
             </a:r>
           </a:p>
         </p:txBody>
@@ -11147,8 +9760,8 @@
         </p:nvSpPr>
         <p:spPr>
           <a:xfrm>
-            <a:off x="5583949" y="2474957"/>
-            <a:ext cx="1036205" cy="197490"/>
+            <a:off x="5583948" y="2494007"/>
+            <a:ext cx="1737360" cy="170560"/>
           </a:xfrm>
           <a:prstGeom prst="rect">
             <a:avLst/>
@@ -11169,149 +9782,15 @@
               </a:spcBef>
             </a:pPr>
             <a:r>
-              <a:rPr sz="1200" b="1" spc="-20" dirty="0">
+              <a:rPr lang="it-IT" sz="1025" b="1" dirty="0">
                 <a:solidFill>
                   <a:srgbClr val="020302"/>
                 </a:solidFill>
                 <a:latin typeface="Adobe Clean"/>
                 <a:cs typeface="Adobe Clean"/>
               </a:rPr>
-              <a:t>S</a:t>
+              <a:t>Valutazioni dei servizi</a:t>
             </a:r>
-            <a:r>
-              <a:rPr sz="1200" b="1" spc="-25" dirty="0">
-                <a:solidFill>
-                  <a:srgbClr val="020302"/>
-                </a:solidFill>
-                <a:latin typeface="Adobe Clean"/>
-                <a:cs typeface="Adobe Clean"/>
-              </a:rPr>
-              <a:t>e</a:t>
-            </a:r>
-            <a:r>
-              <a:rPr sz="1200" b="1" spc="-20" dirty="0">
-                <a:solidFill>
-                  <a:srgbClr val="020302"/>
-                </a:solidFill>
-                <a:latin typeface="Adobe Clean"/>
-                <a:cs typeface="Adobe Clean"/>
-              </a:rPr>
-              <a:t>r</a:t>
-            </a:r>
-            <a:r>
-              <a:rPr sz="1200" b="1" spc="-25" dirty="0">
-                <a:solidFill>
-                  <a:srgbClr val="020302"/>
-                </a:solidFill>
-                <a:latin typeface="Adobe Clean"/>
-                <a:cs typeface="Adobe Clean"/>
-              </a:rPr>
-              <a:t>v</a:t>
-            </a:r>
-            <a:r>
-              <a:rPr sz="1200" b="1" spc="-20" dirty="0">
-                <a:solidFill>
-                  <a:srgbClr val="020302"/>
-                </a:solidFill>
-                <a:latin typeface="Adobe Clean"/>
-                <a:cs typeface="Adobe Clean"/>
-              </a:rPr>
-              <a:t>i</a:t>
-            </a:r>
-            <a:r>
-              <a:rPr sz="1200" b="1" spc="-30" dirty="0">
-                <a:solidFill>
-                  <a:srgbClr val="020302"/>
-                </a:solidFill>
-                <a:latin typeface="Adobe Clean"/>
-                <a:cs typeface="Adobe Clean"/>
-              </a:rPr>
-              <a:t>c</a:t>
-            </a:r>
-            <a:r>
-              <a:rPr sz="1200" b="1" dirty="0">
-                <a:solidFill>
-                  <a:srgbClr val="020302"/>
-                </a:solidFill>
-                <a:latin typeface="Adobe Clean"/>
-                <a:cs typeface="Adobe Clean"/>
-              </a:rPr>
-              <a:t>e</a:t>
-            </a:r>
-            <a:r>
-              <a:rPr sz="1200" b="1" spc="-80" dirty="0">
-                <a:solidFill>
-                  <a:srgbClr val="020302"/>
-                </a:solidFill>
-                <a:latin typeface="Adobe Clean"/>
-                <a:cs typeface="Adobe Clean"/>
-              </a:rPr>
-              <a:t> </a:t>
-            </a:r>
-            <a:r>
-              <a:rPr sz="1200" b="1" spc="-20" dirty="0">
-                <a:solidFill>
-                  <a:srgbClr val="020302"/>
-                </a:solidFill>
-                <a:latin typeface="Adobe Clean"/>
-                <a:cs typeface="Adobe Clean"/>
-              </a:rPr>
-              <a:t>R</a:t>
-            </a:r>
-            <a:r>
-              <a:rPr sz="1200" b="1" spc="-25" dirty="0">
-                <a:solidFill>
-                  <a:srgbClr val="020302"/>
-                </a:solidFill>
-                <a:latin typeface="Adobe Clean"/>
-                <a:cs typeface="Adobe Clean"/>
-              </a:rPr>
-              <a:t>e</a:t>
-            </a:r>
-            <a:r>
-              <a:rPr sz="1200" b="1" spc="-30" dirty="0">
-                <a:solidFill>
-                  <a:srgbClr val="020302"/>
-                </a:solidFill>
-                <a:latin typeface="Adobe Clean"/>
-                <a:cs typeface="Adobe Clean"/>
-              </a:rPr>
-              <a:t>v</a:t>
-            </a:r>
-            <a:r>
-              <a:rPr sz="1200" b="1" spc="-20" dirty="0">
-                <a:solidFill>
-                  <a:srgbClr val="020302"/>
-                </a:solidFill>
-                <a:latin typeface="Adobe Clean"/>
-                <a:cs typeface="Adobe Clean"/>
-              </a:rPr>
-              <a:t>i</a:t>
-            </a:r>
-            <a:r>
-              <a:rPr sz="1200" b="1" spc="-25" dirty="0">
-                <a:solidFill>
-                  <a:srgbClr val="020302"/>
-                </a:solidFill>
-                <a:latin typeface="Adobe Clean"/>
-                <a:cs typeface="Adobe Clean"/>
-              </a:rPr>
-              <a:t>ew</a:t>
-            </a:r>
-            <a:r>
-              <a:rPr sz="1200" b="1" dirty="0">
-                <a:solidFill>
-                  <a:srgbClr val="020302"/>
-                </a:solidFill>
-                <a:latin typeface="Adobe Clean"/>
-                <a:cs typeface="Adobe Clean"/>
-              </a:rPr>
-              <a:t>s</a:t>
-            </a:r>
-            <a:endParaRPr sz="1200" dirty="0">
-              <a:latin typeface="Adobe Clean"/>
-              <a:cs typeface="Adobe Clean"/>
-            </a:endParaRPr>
           </a:p>
         </p:txBody>
       </p:sp>
@@ -11329,8 +9808,8 @@
         </p:nvSpPr>
         <p:spPr>
           <a:xfrm>
-            <a:off x="5217782" y="2759013"/>
-            <a:ext cx="2194560" cy="628377"/>
+            <a:off x="5217782" y="2778063"/>
+            <a:ext cx="2194560" cy="724557"/>
           </a:xfrm>
           <a:prstGeom prst="rect">
             <a:avLst/>
@@ -11351,15 +9830,11 @@
               </a:spcBef>
             </a:pPr>
             <a:r>
-              <a:rPr lang="en-US" sz="1000" dirty="0">
+              <a:rPr lang="it-IT" sz="925">
                 <a:latin typeface="Adobe Clean Light" panose="020B0303020404020204" pitchFamily="34" charset="0"/>
               </a:rPr>
-              <a:t>Comprehensive quarterly review of Elite program services, benefits and support performance. May be combined with other strategic business reviews held with Adobe.</a:t>
+              <a:t>Valutazione trimestrale completa dei servizi del programma Elite, dei benefici e delle prestazioni di supporto. Può essere combinata con altre valutazioni aziendali strategiche organizzate con Adobe.</a:t>
             </a:r>
-            <a:endParaRPr sz="1000" dirty="0">
-              <a:latin typeface="Adobe Clean Light" panose="020B0303020404020204" pitchFamily="34" charset="0"/>
-              <a:cs typeface="AdobeClean-Light"/>
-            </a:endParaRPr>
           </a:p>
         </p:txBody>
       </p:sp>
@@ -11377,8 +9852,8 @@
         </p:nvSpPr>
         <p:spPr>
           <a:xfrm>
-            <a:off x="3138045" y="2474957"/>
-            <a:ext cx="1036205" cy="197490"/>
+            <a:off x="3138045" y="2494007"/>
+            <a:ext cx="1739342" cy="170560"/>
           </a:xfrm>
           <a:prstGeom prst="rect">
             <a:avLst/>
@@ -11399,99 +9874,15 @@
               </a:spcBef>
             </a:pPr>
             <a:r>
-              <a:rPr lang="en-US" sz="1200" b="1" spc="-20" dirty="0">
+              <a:rPr lang="it-IT" sz="1025" b="1" dirty="0">
                 <a:solidFill>
                   <a:srgbClr val="020302"/>
                 </a:solidFill>
                 <a:latin typeface="Adobe Clean"/>
                 <a:cs typeface="Adobe Clean"/>
               </a:rPr>
-              <a:t>Cas</a:t>
+              <a:t>Valutazioni dei casi</a:t>
             </a:r>
-            <a:r>
-              <a:rPr sz="1200" b="1" dirty="0">
-                <a:solidFill>
-                  <a:srgbClr val="020302"/>
-                </a:solidFill>
-                <a:latin typeface="Adobe Clean"/>
-                <a:cs typeface="Adobe Clean"/>
-              </a:rPr>
-              <a:t>e</a:t>
-            </a:r>
-            <a:r>
-              <a:rPr sz="1200" b="1" spc="-80" dirty="0">
-                <a:solidFill>
-                  <a:srgbClr val="020302"/>
-                </a:solidFill>
-                <a:latin typeface="Adobe Clean"/>
-                <a:cs typeface="Adobe Clean"/>
-              </a:rPr>
-              <a:t> </a:t>
-            </a:r>
-            <a:r>
-              <a:rPr sz="1200" b="1" spc="-20" dirty="0">
-                <a:solidFill>
-                  <a:srgbClr val="020302"/>
-                </a:solidFill>
-                <a:latin typeface="Adobe Clean"/>
-                <a:cs typeface="Adobe Clean"/>
-              </a:rPr>
-              <a:t>R</a:t>
-            </a:r>
-            <a:r>
-              <a:rPr sz="1200" b="1" spc="-25" dirty="0">
-                <a:solidFill>
-                  <a:srgbClr val="020302"/>
-                </a:solidFill>
-                <a:latin typeface="Adobe Clean"/>
-                <a:cs typeface="Adobe Clean"/>
-              </a:rPr>
-              <a:t>e</a:t>
-            </a:r>
-            <a:r>
-              <a:rPr sz="1200" b="1" spc="-30" dirty="0">
-                <a:solidFill>
-                  <a:srgbClr val="020302"/>
-                </a:solidFill>
-                <a:latin typeface="Adobe Clean"/>
-                <a:cs typeface="Adobe Clean"/>
-              </a:rPr>
-              <a:t>v</a:t>
-            </a:r>
-            <a:r>
-              <a:rPr sz="1200" b="1" spc="-20" dirty="0">
-                <a:solidFill>
-                  <a:srgbClr val="020302"/>
-                </a:solidFill>
-                <a:latin typeface="Adobe Clean"/>
-                <a:cs typeface="Adobe Clean"/>
-              </a:rPr>
-              <a:t>i</a:t>
-            </a:r>
-            <a:r>
-              <a:rPr sz="1200" b="1" spc="-25" dirty="0">
-                <a:solidFill>
-                  <a:srgbClr val="020302"/>
-                </a:solidFill>
-                <a:latin typeface="Adobe Clean"/>
-                <a:cs typeface="Adobe Clean"/>
-              </a:rPr>
-              <a:t>ew</a:t>
-            </a:r>
-            <a:r>
-              <a:rPr sz="1200" b="1" dirty="0">
-                <a:solidFill>
-                  <a:srgbClr val="020302"/>
-                </a:solidFill>
-                <a:latin typeface="Adobe Clean"/>
-                <a:cs typeface="Adobe Clean"/>
-              </a:rPr>
-              <a:t>s</a:t>
-            </a:r>
-            <a:endParaRPr sz="1200" dirty="0">
-              <a:latin typeface="Adobe Clean"/>
-              <a:cs typeface="Adobe Clean"/>
-            </a:endParaRPr>
           </a:p>
         </p:txBody>
       </p:sp>
@@ -11509,8 +9900,8 @@
         </p:nvSpPr>
         <p:spPr>
           <a:xfrm>
-            <a:off x="2762004" y="2778693"/>
-            <a:ext cx="2252540" cy="782265"/>
+            <a:off x="2762004" y="2797743"/>
+            <a:ext cx="2252540" cy="866904"/>
           </a:xfrm>
           <a:prstGeom prst="rect">
             <a:avLst/>
@@ -11531,13 +9922,13 @@
               </a:spcBef>
             </a:pPr>
             <a:r>
-              <a:rPr lang="en-US" sz="1000" dirty="0">
+              <a:rPr lang="it-IT" sz="925">
                 <a:latin typeface="Adobe Clean Light" panose="020B0303020404020204" pitchFamily="34" charset="0"/>
               </a:rPr>
-              <a:t>Regularly scheduled reviews of open support requests, ensuring customer alignment on case description, business impact, status, priority and agreement on next steps required to ensure a timely resolution</a:t>
+              <a:t>Valutazioni periodiche programmate delle richieste di supporto aperte, per garantirne l’allineamento in termini di descrizione dei casi, impatto sul business, stato, priorità e accordi sulle azioni successive necessarie a garantire una risoluzione tempestiva</a:t>
             </a:r>
             <a:r>
-              <a:rPr lang="en-US" sz="1000" dirty="0">
+              <a:rPr lang="it-IT" sz="925">
                 <a:solidFill>
                   <a:srgbClr val="4B4B4B"/>
                 </a:solidFill>
@@ -11545,10 +9936,6 @@
               </a:rPr>
               <a:t>.</a:t>
             </a:r>
-            <a:endParaRPr sz="1000" dirty="0">
-              <a:latin typeface="Adobe Clean Light" panose="020B0303020404020204" pitchFamily="34" charset="0"/>
-              <a:cs typeface="AdobeClean-Light"/>
-            </a:endParaRPr>
           </a:p>
         </p:txBody>
       </p:sp>
@@ -11567,7 +9954,7 @@
         <p:spPr>
           <a:xfrm>
             <a:off x="2762004" y="4269935"/>
-            <a:ext cx="2507536" cy="961802"/>
+            <a:ext cx="2507536" cy="1034899"/>
           </a:xfrm>
           <a:prstGeom prst="rect">
             <a:avLst/>
@@ -11585,19 +9972,15 @@
               </a:spcBef>
             </a:pPr>
             <a:r>
-              <a:rPr lang="en-US" sz="1000" dirty="0">
+              <a:rPr lang="it-IT" sz="925">
                 <a:solidFill>
                   <a:srgbClr val="020302"/>
                 </a:solidFill>
                 <a:latin typeface="AdobeClean-Light"/>
                 <a:cs typeface="AdobeClean-Light"/>
               </a:rPr>
-              <a:t>Proactive review of your solution  deployment, configuration, and overall  architecture, including integrations. Align your solution and project roadmap to  mitigate risk and prepare for the future.</a:t>
+              <a:t>Valutazione proattiva dell’implementazione, della configurazione e dell’architettura complessiva della soluzione, incluse le integrazioni. Allineamento della roadmap della soluzione con quella del progetto per mitigare i rischi e prepararsi per il futuro.</a:t>
             </a:r>
-            <a:endParaRPr lang="en-US" sz="1000" dirty="0">
-              <a:latin typeface="AdobeClean-Light"/>
-              <a:cs typeface="AdobeClean-Light"/>
-            </a:endParaRPr>
           </a:p>
           <a:p>
             <a:pPr marL="18415" marR="262255" lvl="0">
@@ -11605,7 +9988,7 @@
                 <a:spcPts val="315"/>
               </a:spcBef>
             </a:pPr>
-            <a:endParaRPr lang="en-US" sz="1000" dirty="0">
+            <a:endParaRPr lang="en-US" sz="925" dirty="0">
               <a:solidFill>
                 <a:prstClr val="black"/>
               </a:solidFill>
@@ -11629,8 +10012,8 @@
         </p:nvSpPr>
         <p:spPr>
           <a:xfrm>
-            <a:off x="5586196" y="3849542"/>
-            <a:ext cx="1576220" cy="369332"/>
+            <a:off x="5586195" y="3849542"/>
+            <a:ext cx="2050961" cy="315471"/>
           </a:xfrm>
           <a:prstGeom prst="rect">
             <a:avLst/>
@@ -11648,22 +10031,15 @@
               </a:spcBef>
             </a:pPr>
             <a:r>
-              <a:rPr lang="en-US" sz="1200" b="1" dirty="0">
+              <a:rPr lang="it-IT" sz="1025" b="1" dirty="0">
                 <a:solidFill>
                   <a:srgbClr val="020302"/>
                 </a:solidFill>
                 <a:latin typeface="Adobe Clean" panose="020B0503020404020204" pitchFamily="34" charset="0"/>
                 <a:cs typeface="Adobe Clean"/>
               </a:rPr>
-              <a:t>Release Preparation and Planning </a:t>
+              <a:t>Preparazione e pianificazione del rilascio </a:t>
             </a:r>
-            <a:endParaRPr lang="en-US" sz="1200" dirty="0">
-              <a:solidFill>
-                <a:prstClr val="black"/>
-              </a:solidFill>
-              <a:latin typeface="Adobe Clean" panose="020B0503020404020204" pitchFamily="34" charset="0"/>
-              <a:cs typeface="Adobe Clean"/>
-            </a:endParaRPr>
           </a:p>
         </p:txBody>
       </p:sp>
@@ -11682,7 +10058,7 @@
         <p:spPr>
           <a:xfrm>
             <a:off x="3131123" y="3878097"/>
-            <a:ext cx="2194560" cy="369332"/>
+            <a:ext cx="2194560" cy="315471"/>
           </a:xfrm>
           <a:prstGeom prst="rect">
             <a:avLst/>
@@ -11696,35 +10072,34 @@
           <a:p>
             <a:pPr lvl="0"/>
             <a:r>
-              <a:rPr lang="en-US" sz="1200" b="1" dirty="0">
+              <a:rPr lang="it-IT" sz="1025" b="1" dirty="0">
                 <a:solidFill>
                   <a:srgbClr val="020302"/>
                 </a:solidFill>
                 <a:latin typeface="Adobe Clean" panose="020B0503020404020204" pitchFamily="34" charset="0"/>
                 <a:cs typeface="Adobe Clean"/>
               </a:rPr>
-              <a:t>Solution and Roadmap </a:t>
+              <a:t>Soluzione e tabella </a:t>
             </a:r>
-          </a:p>
-          <a:p>
-            <a:pPr lvl="0"/>
-            <a:r>
-              <a:rPr lang="en-US" sz="1200" b="1" dirty="0">
+            <a:br>
+              <a:rPr lang="it-IT" sz="1025" b="1" dirty="0">
                 <a:solidFill>
                   <a:srgbClr val="020302"/>
                 </a:solidFill>
                 <a:latin typeface="Adobe Clean" panose="020B0503020404020204" pitchFamily="34" charset="0"/>
                 <a:cs typeface="Adobe Clean"/>
               </a:rPr>
-              <a:t>Review</a:t>
+            </a:br>
+            <a:r>
+              <a:rPr lang="it-IT" sz="1025" b="1" dirty="0">
+                <a:solidFill>
+                  <a:srgbClr val="020302"/>
+                </a:solidFill>
+                <a:latin typeface="Adobe Clean" panose="020B0503020404020204" pitchFamily="34" charset="0"/>
+                <a:cs typeface="Adobe Clean"/>
+              </a:rPr>
+              <a:t>di marcia Valutazione</a:t>
             </a:r>
-            <a:endParaRPr lang="en-US" sz="1200" dirty="0">
-              <a:solidFill>
-                <a:prstClr val="black"/>
-              </a:solidFill>
-              <a:latin typeface="Adobe Clean" panose="020B0503020404020204" pitchFamily="34" charset="0"/>
-              <a:cs typeface="Adobe Clean"/>
-            </a:endParaRPr>
           </a:p>
         </p:txBody>
       </p:sp>
@@ -11743,7 +10118,7 @@
         <p:spPr>
           <a:xfrm>
             <a:off x="5182084" y="4238132"/>
-            <a:ext cx="2282011" cy="461665"/>
+            <a:ext cx="2194561" cy="569387"/>
           </a:xfrm>
           <a:prstGeom prst="rect">
             <a:avLst/>
@@ -11761,19 +10136,15 @@
               </a:spcBef>
             </a:pPr>
             <a:r>
-              <a:rPr lang="en-US" sz="1000" dirty="0">
+              <a:rPr lang="it-IT" sz="925" dirty="0">
                 <a:solidFill>
                   <a:srgbClr val="020302"/>
                 </a:solidFill>
                 <a:latin typeface="AdobeClean-Light"/>
                 <a:cs typeface="AdobeClean-Light"/>
               </a:rPr>
-              <a:t>Benefit from tailored release information based on product configuration and use case(s). </a:t>
+              <a:t>Possibilità di beneficiare di informazioni di rilascio su misura basate sulla configurazione del prodotto e sui casi d’uso. </a:t>
             </a:r>
-            <a:endParaRPr lang="en-US" sz="1000" dirty="0">
-              <a:latin typeface="AdobeClean-Light"/>
-              <a:cs typeface="AdobeClean-Light"/>
-            </a:endParaRPr>
           </a:p>
         </p:txBody>
       </p:sp>
@@ -11847,7 +10218,7 @@
         <p:spPr>
           <a:xfrm>
             <a:off x="375777" y="4352804"/>
-            <a:ext cx="2194560" cy="615553"/>
+            <a:ext cx="2194560" cy="711733"/>
           </a:xfrm>
           <a:prstGeom prst="rect">
             <a:avLst/>
@@ -11865,10 +10236,10 @@
               </a:spcBef>
             </a:pPr>
             <a:r>
-              <a:rPr lang="en-US" sz="1000" dirty="0">
+              <a:rPr lang="it-IT" sz="925">
                 <a:latin typeface="Adobe Clean Light" panose="020B0303020404020204" pitchFamily="34" charset="0"/>
               </a:rPr>
-              <a:t>Receive support from members of our Adobe Support Team located within your global region. This may include in-country and/or in-language support. </a:t>
+              <a:t>Possibilità di ricevere supporto dai membri del team di supporto Adobe situati nella propria area geografica globale. Questo può includere un supporto nel paese e/o in lingua. </a:t>
             </a:r>
           </a:p>
         </p:txBody>
@@ -11887,8 +10258,8 @@
         </p:nvSpPr>
         <p:spPr>
           <a:xfrm>
-            <a:off x="773188" y="4074058"/>
-            <a:ext cx="2194560" cy="184666"/>
+            <a:off x="773188" y="4010558"/>
+            <a:ext cx="2194560" cy="315471"/>
           </a:xfrm>
           <a:prstGeom prst="rect">
             <a:avLst/>
@@ -11906,22 +10277,34 @@
               </a:spcBef>
             </a:pPr>
             <a:r>
-              <a:rPr lang="en-US" sz="1200" b="1" dirty="0">
+              <a:rPr lang="it-IT" sz="1025" b="1" dirty="0">
                 <a:solidFill>
                   <a:srgbClr val="020302"/>
                 </a:solidFill>
                 <a:latin typeface="Adobe Clean" panose="020B0503020404020204" pitchFamily="34" charset="0"/>
                 <a:cs typeface="Adobe Clean"/>
               </a:rPr>
-              <a:t>In-Region Support Option</a:t>
+              <a:t>Opzione di assistenza </a:t>
             </a:r>
-            <a:endParaRPr lang="en-US" sz="1200" dirty="0">
-              <a:solidFill>
-                <a:prstClr val="black"/>
-              </a:solidFill>
-              <a:latin typeface="Adobe Clean" panose="020B0503020404020204" pitchFamily="34" charset="0"/>
-              <a:cs typeface="Adobe Clean"/>
-            </a:endParaRPr>
+            <a:br>
+              <a:rPr lang="it-IT" sz="1025" b="1" dirty="0">
+                <a:solidFill>
+                  <a:srgbClr val="020302"/>
+                </a:solidFill>
+                <a:latin typeface="Adobe Clean" panose="020B0503020404020204" pitchFamily="34" charset="0"/>
+                <a:cs typeface="Adobe Clean"/>
+              </a:rPr>
+            </a:br>
+            <a:r>
+              <a:rPr lang="it-IT" sz="1025" b="1" dirty="0">
+                <a:solidFill>
+                  <a:srgbClr val="020302"/>
+                </a:solidFill>
+                <a:latin typeface="Adobe Clean" panose="020B0503020404020204" pitchFamily="34" charset="0"/>
+                <a:cs typeface="Adobe Clean"/>
+              </a:rPr>
+              <a:t>nell’area geografica</a:t>
+            </a:r>
           </a:p>
         </p:txBody>
       </p:sp>
@@ -11940,7 +10323,7 @@
         <p:spPr>
           <a:xfrm>
             <a:off x="2682827" y="5587536"/>
-            <a:ext cx="2194560" cy="461665"/>
+            <a:ext cx="2194560" cy="427040"/>
           </a:xfrm>
           <a:prstGeom prst="rect">
             <a:avLst/>
@@ -11958,16 +10341,12 @@
               </a:spcBef>
             </a:pPr>
             <a:r>
-              <a:rPr lang="en-US" sz="1000" dirty="0">
+              <a:rPr lang="it-IT" sz="925">
                 <a:latin typeface="AdobeClean-Light"/>
                 <a:cs typeface="AdobeClean-Light"/>
               </a:rPr>
-              <a:t>Benefit from the partnership of an Executive Sponsor from Adobe’s Support Leadership Team. </a:t>
+              <a:t>Possibilità di beneficiare della partnership di un Executive Sponsor del Support Leadership Team di Adobe. </a:t>
             </a:r>
-            <a:endParaRPr sz="1000" dirty="0">
-              <a:latin typeface="AdobeClean-Light"/>
-              <a:cs typeface="AdobeClean-Light"/>
-            </a:endParaRPr>
           </a:p>
         </p:txBody>
       </p:sp>
@@ -11986,7 +10365,7 @@
         <p:spPr>
           <a:xfrm>
             <a:off x="3112402" y="5331306"/>
-            <a:ext cx="1680344" cy="184666"/>
+            <a:ext cx="1680344" cy="157735"/>
           </a:xfrm>
           <a:prstGeom prst="rect">
             <a:avLst/>
@@ -12004,22 +10383,15 @@
               </a:spcBef>
             </a:pPr>
             <a:r>
-              <a:rPr lang="en-US" sz="1200" b="1" dirty="0">
+              <a:rPr lang="it-IT" sz="1025" b="1" dirty="0">
                 <a:solidFill>
                   <a:srgbClr val="020302"/>
                 </a:solidFill>
                 <a:latin typeface="Adobe Clean" panose="020B0503020404020204" pitchFamily="34" charset="0"/>
                 <a:cs typeface="Adobe Clean"/>
               </a:rPr>
-              <a:t>Executive Sponsor </a:t>
+              <a:t>Sponsor esecutivo </a:t>
             </a:r>
-            <a:endParaRPr lang="en-US" sz="1200" dirty="0">
-              <a:solidFill>
-                <a:prstClr val="black"/>
-              </a:solidFill>
-              <a:latin typeface="Adobe Clean" panose="020B0503020404020204" pitchFamily="34" charset="0"/>
-              <a:cs typeface="Adobe Clean"/>
-            </a:endParaRPr>
           </a:p>
         </p:txBody>
       </p:sp>
@@ -12093,7 +10465,7 @@
         </p:blipFill>
         <p:spPr>
           <a:xfrm>
-            <a:off x="1827496" y="8728287"/>
+            <a:off x="1116296" y="8728287"/>
             <a:ext cx="365760" cy="365760"/>
           </a:xfrm>
           <a:prstGeom prst="rect">
@@ -12243,7 +10615,7 @@
         </p:blipFill>
         <p:spPr>
           <a:xfrm>
-            <a:off x="353200" y="849361"/>
+            <a:off x="353200" y="830311"/>
             <a:ext cx="365760" cy="365760"/>
           </a:xfrm>
           <a:prstGeom prst="rect">
@@ -12276,7 +10648,7 @@
         </p:blipFill>
         <p:spPr>
           <a:xfrm>
-            <a:off x="2728797" y="835256"/>
+            <a:off x="2728797" y="816206"/>
             <a:ext cx="365760" cy="365760"/>
           </a:xfrm>
           <a:prstGeom prst="rect">
@@ -12322,7 +10694,7 @@
         </p:blipFill>
         <p:spPr>
           <a:xfrm>
-            <a:off x="5177219" y="838324"/>
+            <a:off x="5177219" y="771649"/>
             <a:ext cx="365760" cy="365760"/>
           </a:xfrm>
           <a:prstGeom prst="rect">
@@ -12371,7 +10743,7 @@
         </p:blipFill>
         <p:spPr>
           <a:xfrm>
-            <a:off x="350473" y="2374396"/>
+            <a:off x="350473" y="2393446"/>
             <a:ext cx="365760" cy="365760"/>
           </a:xfrm>
           <a:prstGeom prst="rect">
@@ -12413,7 +10785,7 @@
         </p:blipFill>
         <p:spPr>
           <a:xfrm>
-            <a:off x="2730573" y="2398871"/>
+            <a:off x="2730573" y="2417921"/>
             <a:ext cx="365760" cy="365760"/>
           </a:xfrm>
           <a:prstGeom prst="rect">
@@ -12452,7 +10824,7 @@
         </p:blipFill>
         <p:spPr>
           <a:xfrm>
-            <a:off x="5176477" y="2383541"/>
+            <a:off x="5176477" y="2402591"/>
             <a:ext cx="365760" cy="365760"/>
           </a:xfrm>
           <a:prstGeom prst="rect">
@@ -12705,7 +11077,7 @@
         <p:spPr>
           <a:xfrm>
             <a:off x="97788" y="9857050"/>
-            <a:ext cx="2245360" cy="133370"/>
+            <a:ext cx="3474720" cy="133370"/>
           </a:xfrm>
           <a:prstGeom prst="rect">
             <a:avLst/>
@@ -12817,36 +11189,8 @@
               </a:spcBef>
             </a:pPr>
             <a:r>
-              <a:rPr lang="en-US" spc="-10" dirty="0"/>
-              <a:t>©202</a:t>
-            </a:r>
-            <a:r>
-              <a:rPr lang="en-US" spc="-5" dirty="0"/>
-              <a:t>2 Adobe. All</a:t>
-            </a:r>
-            <a:r>
-              <a:rPr lang="en-US" spc="-10" dirty="0"/>
-              <a:t> Rights</a:t>
-            </a:r>
-            <a:r>
-              <a:rPr lang="en-US" spc="-5" dirty="0"/>
-              <a:t> </a:t>
-            </a:r>
-            <a:r>
-              <a:rPr lang="en-US" spc="-10" dirty="0"/>
-              <a:t>Reserved.</a:t>
-            </a:r>
-            <a:r>
-              <a:rPr lang="en-US" spc="-5" dirty="0"/>
-              <a:t> Adobe</a:t>
-            </a:r>
-            <a:r>
-              <a:rPr lang="en-US" spc="60" dirty="0"/>
-              <a:t> </a:t>
-            </a:r>
-            <a:r>
-              <a:rPr lang="en-US" spc="-10" dirty="0"/>
-              <a:t>Confidential.</a:t>
+              <a:rPr lang="it-IT" dirty="0"/>
+              <a:t>©2022 Adobe. All Rights Reserved. Adobe Confidential.</a:t>
             </a:r>
           </a:p>
         </p:txBody>
@@ -12908,49 +11252,15 @@
               </a:lnSpc>
             </a:pPr>
             <a:r>
-              <a:rPr sz="500" spc="-5">
+              <a:rPr lang="it-IT" sz="500">
                 <a:solidFill>
                   <a:srgbClr val="6C6C6C"/>
                 </a:solidFill>
                 <a:latin typeface="Adobe Clean"/>
                 <a:cs typeface="Adobe Clean"/>
               </a:rPr>
-              <a:t>©2020 Adobe. All Rights Reserved. </a:t>
+              <a:t>©2020 Adobe. All Rights Reserved. Adobe Confidential.</a:t>
             </a:r>
-            <a:r>
-              <a:rPr sz="500">
-                <a:solidFill>
-                  <a:srgbClr val="6C6C6C"/>
-                </a:solidFill>
-                <a:latin typeface="Adobe Clean"/>
-                <a:cs typeface="Adobe Clean"/>
-              </a:rPr>
-              <a:t>Adobe</a:t>
-            </a:r>
-            <a:r>
-              <a:rPr sz="500" spc="5">
-                <a:solidFill>
-                  <a:srgbClr val="6C6C6C"/>
-                </a:solidFill>
-                <a:latin typeface="Adobe Clean"/>
-                <a:cs typeface="Adobe Clean"/>
-              </a:rPr>
-              <a:t> </a:t>
-            </a:r>
-            <a:r>
-              <a:rPr sz="500" spc="-5">
-                <a:solidFill>
-                  <a:srgbClr val="6C6C6C"/>
-                </a:solidFill>
-                <a:latin typeface="Adobe Clean"/>
-                <a:cs typeface="Adobe Clean"/>
-              </a:rPr>
-              <a:t>Confidential.</a:t>
-            </a:r>
-            <a:endParaRPr sz="500">
-              <a:latin typeface="Adobe Clean"/>
-              <a:cs typeface="Adobe Clean"/>
-            </a:endParaRPr>
           </a:p>
           <a:p>
             <a:pPr>
@@ -12976,39 +11286,15 @@
               </a:spcBef>
             </a:pPr>
             <a:r>
-              <a:rPr sz="800" spc="-5">
+              <a:rPr lang="it-IT" sz="800">
                 <a:solidFill>
                   <a:srgbClr val="6D6D6D"/>
                 </a:solidFill>
                 <a:latin typeface="Adobe Clean"/>
                 <a:cs typeface="Adobe Clean"/>
               </a:rPr>
-              <a:t>©2020 Adobe. All Rights Reserved. Adobe</a:t>
+              <a:t>©2020 Adobe. All Rights Reserved. Adobe Confidential.</a:t>
             </a:r>
-            <a:r>
-              <a:rPr sz="800" spc="75">
-                <a:solidFill>
-                  <a:srgbClr val="6D6D6D"/>
-                </a:solidFill>
-                <a:latin typeface="Adobe Clean"/>
-                <a:cs typeface="Adobe Clean"/>
-              </a:rPr>
-              <a:t> </a:t>
-            </a:r>
-            <a:r>
-              <a:rPr sz="800" spc="-5">
-                <a:solidFill>
-                  <a:srgbClr val="6D6D6D"/>
-                </a:solidFill>
-                <a:latin typeface="Adobe Clean"/>
-                <a:cs typeface="Adobe Clean"/>
-              </a:rPr>
-              <a:t>Confidential.</a:t>
-            </a:r>
-            <a:endParaRPr sz="800">
-              <a:latin typeface="Adobe Clean"/>
-              <a:cs typeface="Adobe Clean"/>
-            </a:endParaRPr>
           </a:p>
         </p:txBody>
       </p:sp>
@@ -13092,19 +11378,15 @@
               </a:spcBef>
             </a:pPr>
             <a:r>
-              <a:rPr lang="en-US" sz="1400" b="1" spc="-15">
+              <a:rPr lang="it-IT" sz="1400" b="1">
                 <a:solidFill>
                   <a:srgbClr val="020302"/>
                 </a:solidFill>
                 <a:latin typeface="Adobe Clean"/>
                 <a:cs typeface="Adobe Clean"/>
               </a:rPr>
-              <a:t>Resources</a:t>
+              <a:t>Risorse</a:t>
             </a:r>
-            <a:endParaRPr sz="1400">
-              <a:latin typeface="Adobe Clean"/>
-              <a:cs typeface="Adobe Clean"/>
-            </a:endParaRPr>
           </a:p>
         </p:txBody>
       </p:sp>
@@ -13138,7 +11420,7 @@
               </a:spcBef>
             </a:pPr>
             <a:r>
-              <a:rPr sz="800" spc="-15">
+              <a:rPr lang="it-IT" sz="800">
                 <a:solidFill>
                   <a:srgbClr val="777879"/>
                 </a:solidFill>
@@ -13147,10 +11429,6 @@
               </a:rPr>
               <a:t>Adobe</a:t>
             </a:r>
-            <a:endParaRPr sz="800">
-              <a:latin typeface="Adobe Clean"/>
-              <a:cs typeface="Adobe Clean"/>
-            </a:endParaRPr>
           </a:p>
           <a:p>
             <a:pPr marL="12700">
@@ -13159,39 +11437,15 @@
               </a:lnSpc>
             </a:pPr>
             <a:r>
-              <a:rPr sz="800" spc="-15">
+              <a:rPr lang="it-IT" sz="800">
                 <a:solidFill>
                   <a:srgbClr val="777879"/>
                 </a:solidFill>
                 <a:latin typeface="Adobe Clean"/>
                 <a:cs typeface="Adobe Clean"/>
               </a:rPr>
-              <a:t>345 Park</a:t>
+              <a:t>345 Park Avenue</a:t>
             </a:r>
-            <a:r>
-              <a:rPr sz="800" spc="-100">
-                <a:solidFill>
-                  <a:srgbClr val="777879"/>
-                </a:solidFill>
-                <a:latin typeface="Adobe Clean"/>
-                <a:cs typeface="Adobe Clean"/>
-              </a:rPr>
-              <a:t> </a:t>
-            </a:r>
-            <a:r>
-              <a:rPr sz="800" spc="-15">
-                <a:solidFill>
-                  <a:srgbClr val="777879"/>
-                </a:solidFill>
-                <a:latin typeface="Adobe Clean"/>
-                <a:cs typeface="Adobe Clean"/>
-              </a:rPr>
-              <a:t>Avenue</a:t>
-            </a:r>
-            <a:endParaRPr sz="800">
-              <a:latin typeface="Adobe Clean"/>
-              <a:cs typeface="Adobe Clean"/>
-            </a:endParaRPr>
           </a:p>
           <a:p>
             <a:pPr marL="12700">
@@ -13200,49 +11454,15 @@
               </a:lnSpc>
             </a:pPr>
             <a:r>
-              <a:rPr sz="800" spc="-10">
+              <a:rPr lang="it-IT" sz="800">
                 <a:solidFill>
                   <a:srgbClr val="777879"/>
                 </a:solidFill>
                 <a:latin typeface="Adobe Clean"/>
                 <a:cs typeface="Adobe Clean"/>
               </a:rPr>
-              <a:t>San </a:t>
+              <a:t>San Jose, CA 95110-2704</a:t>
             </a:r>
-            <a:r>
-              <a:rPr sz="800" spc="-15">
-                <a:solidFill>
-                  <a:srgbClr val="777879"/>
-                </a:solidFill>
-                <a:latin typeface="Adobe Clean"/>
-                <a:cs typeface="Adobe Clean"/>
-              </a:rPr>
-              <a:t>Jose,</a:t>
-            </a:r>
-            <a:r>
-              <a:rPr sz="800" spc="-140">
-                <a:solidFill>
-                  <a:srgbClr val="777879"/>
-                </a:solidFill>
-                <a:latin typeface="Adobe Clean"/>
-                <a:cs typeface="Adobe Clean"/>
-              </a:rPr>
-              <a:t> </a:t>
-            </a:r>
-            <a:r>
-              <a:rPr sz="800" spc="-20">
-                <a:solidFill>
-                  <a:srgbClr val="777879"/>
-                </a:solidFill>
-                <a:latin typeface="Adobe Clean"/>
-                <a:cs typeface="Adobe Clean"/>
-              </a:rPr>
-              <a:t>CA95110-2704</a:t>
-            </a:r>
-            <a:endParaRPr sz="800">
-              <a:latin typeface="Adobe Clean"/>
-              <a:cs typeface="Adobe Clean"/>
-            </a:endParaRPr>
           </a:p>
           <a:p>
             <a:pPr marL="12700">
@@ -13254,7 +11474,7 @@
               </a:spcBef>
             </a:pPr>
             <a:r>
-              <a:rPr sz="800" spc="-10">
+              <a:rPr lang="it-IT" sz="800">
                 <a:solidFill>
                   <a:srgbClr val="777879"/>
                 </a:solidFill>
@@ -13263,10 +11483,6 @@
               </a:rPr>
               <a:t>USA</a:t>
             </a:r>
-            <a:endParaRPr sz="800">
-              <a:latin typeface="Adobe Clean"/>
-              <a:cs typeface="Adobe Clean"/>
-            </a:endParaRPr>
           </a:p>
           <a:p>
             <a:pPr marL="12700">
@@ -13278,7 +11494,7 @@
               </a:spcBef>
             </a:pPr>
             <a:r>
-              <a:rPr sz="800" u="sng" spc="-25">
+              <a:rPr lang="it-IT" sz="800" u="sng">
                 <a:solidFill>
                   <a:srgbClr val="5F5F5F"/>
                 </a:solidFill>
@@ -13293,10 +11509,6 @@
               </a:rPr>
               <a:t>www.adobe.com</a:t>
             </a:r>
-            <a:endParaRPr sz="800">
-              <a:latin typeface="Adobe Clean"/>
-              <a:cs typeface="Adobe Clean"/>
-            </a:endParaRPr>
           </a:p>
         </p:txBody>
       </p:sp>
@@ -13471,439 +11683,15 @@
               </a:spcBef>
             </a:pPr>
             <a:r>
-              <a:rPr sz="1100" i="1" spc="-10" dirty="0">
+              <a:rPr lang="it-IT" sz="1100" i="1">
                 <a:solidFill>
                   <a:srgbClr val="777879"/>
                 </a:solidFill>
                 <a:latin typeface="AdobeClean-LightIt"/>
                 <a:cs typeface="AdobeClean-LightIt"/>
               </a:rPr>
-              <a:t>To</a:t>
+              <a:t>Per saperne di più sulle opzioni di Supporto Adobe e capire quale sia il livello più adatto alle tue esigenze, contatta il tuo Named Account Manager (NAM) o Customer Success Manager (CSM).</a:t>
             </a:r>
-            <a:r>
-              <a:rPr sz="1100" i="1" spc="-50" dirty="0">
-                <a:solidFill>
-                  <a:srgbClr val="777879"/>
-                </a:solidFill>
-                <a:latin typeface="AdobeClean-LightIt"/>
-                <a:cs typeface="AdobeClean-LightIt"/>
-              </a:rPr>
-              <a:t> </a:t>
-            </a:r>
-            <a:r>
-              <a:rPr sz="1100" i="1" spc="-15" dirty="0">
-                <a:solidFill>
-                  <a:srgbClr val="777879"/>
-                </a:solidFill>
-                <a:latin typeface="AdobeClean-LightIt"/>
-                <a:cs typeface="AdobeClean-LightIt"/>
-              </a:rPr>
-              <a:t>learn</a:t>
-            </a:r>
-            <a:r>
-              <a:rPr sz="1100" i="1" spc="-40" dirty="0">
-                <a:solidFill>
-                  <a:srgbClr val="777879"/>
-                </a:solidFill>
-                <a:latin typeface="AdobeClean-LightIt"/>
-                <a:cs typeface="AdobeClean-LightIt"/>
-              </a:rPr>
-              <a:t> </a:t>
-            </a:r>
-            <a:r>
-              <a:rPr sz="1100" i="1" spc="-15" dirty="0">
-                <a:solidFill>
-                  <a:srgbClr val="777879"/>
-                </a:solidFill>
-                <a:latin typeface="AdobeClean-LightIt"/>
-                <a:cs typeface="AdobeClean-LightIt"/>
-              </a:rPr>
-              <a:t>more</a:t>
-            </a:r>
-            <a:r>
-              <a:rPr sz="1100" i="1" spc="-45" dirty="0">
-                <a:solidFill>
-                  <a:srgbClr val="777879"/>
-                </a:solidFill>
-                <a:latin typeface="AdobeClean-LightIt"/>
-                <a:cs typeface="AdobeClean-LightIt"/>
-              </a:rPr>
-              <a:t> </a:t>
-            </a:r>
-            <a:r>
-              <a:rPr sz="1100" i="1" spc="-15" dirty="0">
-                <a:solidFill>
-                  <a:srgbClr val="777879"/>
-                </a:solidFill>
-                <a:latin typeface="AdobeClean-LightIt"/>
-                <a:cs typeface="AdobeClean-LightIt"/>
-              </a:rPr>
-              <a:t>about</a:t>
-            </a:r>
-            <a:r>
-              <a:rPr sz="1100" i="1" spc="-45" dirty="0">
-                <a:solidFill>
-                  <a:srgbClr val="777879"/>
-                </a:solidFill>
-                <a:latin typeface="AdobeClean-LightIt"/>
-                <a:cs typeface="AdobeClean-LightIt"/>
-              </a:rPr>
-              <a:t> </a:t>
-            </a:r>
-            <a:r>
-              <a:rPr sz="1100" i="1" spc="-15" dirty="0">
-                <a:solidFill>
-                  <a:srgbClr val="777879"/>
-                </a:solidFill>
-                <a:latin typeface="AdobeClean-LightIt"/>
-                <a:cs typeface="AdobeClean-LightIt"/>
-              </a:rPr>
-              <a:t>Adobe</a:t>
-            </a:r>
-            <a:r>
-              <a:rPr sz="1100" i="1" spc="-60" dirty="0">
-                <a:solidFill>
-                  <a:srgbClr val="777879"/>
-                </a:solidFill>
-                <a:latin typeface="AdobeClean-LightIt"/>
-                <a:cs typeface="AdobeClean-LightIt"/>
-              </a:rPr>
-              <a:t> </a:t>
-            </a:r>
-            <a:r>
-              <a:rPr sz="1100" i="1" spc="-15" dirty="0">
-                <a:solidFill>
-                  <a:srgbClr val="777879"/>
-                </a:solidFill>
-                <a:latin typeface="AdobeClean-LightIt"/>
-                <a:cs typeface="AdobeClean-LightIt"/>
-              </a:rPr>
-              <a:t>Support</a:t>
-            </a:r>
-            <a:r>
-              <a:rPr lang="en-US" sz="1100" i="1" spc="-15" dirty="0">
-                <a:solidFill>
-                  <a:srgbClr val="777879"/>
-                </a:solidFill>
-                <a:latin typeface="AdobeClean-LightIt"/>
-                <a:cs typeface="AdobeClean-LightIt"/>
-              </a:rPr>
-              <a:t> Offerings</a:t>
-            </a:r>
-            <a:r>
-              <a:rPr sz="1100" i="1" spc="-75" dirty="0">
-                <a:solidFill>
-                  <a:srgbClr val="777879"/>
-                </a:solidFill>
-                <a:latin typeface="AdobeClean-LightIt"/>
-                <a:cs typeface="AdobeClean-LightIt"/>
-              </a:rPr>
-              <a:t> </a:t>
-            </a:r>
-            <a:r>
-              <a:rPr sz="1100" i="1" spc="-15" dirty="0">
-                <a:solidFill>
-                  <a:srgbClr val="777879"/>
-                </a:solidFill>
-                <a:latin typeface="AdobeClean-LightIt"/>
-                <a:cs typeface="AdobeClean-LightIt"/>
-              </a:rPr>
-              <a:t>and</a:t>
-            </a:r>
-            <a:r>
-              <a:rPr sz="1100" i="1" spc="-50" dirty="0">
-                <a:solidFill>
-                  <a:srgbClr val="777879"/>
-                </a:solidFill>
-                <a:latin typeface="AdobeClean-LightIt"/>
-                <a:cs typeface="AdobeClean-LightIt"/>
-              </a:rPr>
-              <a:t> </a:t>
-            </a:r>
-            <a:r>
-              <a:rPr sz="1100" i="1" spc="-15" dirty="0">
-                <a:solidFill>
-                  <a:srgbClr val="777879"/>
-                </a:solidFill>
-                <a:latin typeface="AdobeClean-LightIt"/>
-                <a:cs typeface="AdobeClean-LightIt"/>
-              </a:rPr>
-              <a:t>the</a:t>
-            </a:r>
-            <a:r>
-              <a:rPr sz="1100" i="1" spc="-55" dirty="0">
-                <a:solidFill>
-                  <a:srgbClr val="777879"/>
-                </a:solidFill>
-                <a:latin typeface="AdobeClean-LightIt"/>
-                <a:cs typeface="AdobeClean-LightIt"/>
-              </a:rPr>
-              <a:t> </a:t>
-            </a:r>
-            <a:r>
-              <a:rPr sz="1100" i="1" spc="-15" dirty="0">
-                <a:solidFill>
-                  <a:srgbClr val="777879"/>
-                </a:solidFill>
-                <a:latin typeface="AdobeClean-LightIt"/>
-                <a:cs typeface="AdobeClean-LightIt"/>
-              </a:rPr>
-              <a:t>right</a:t>
-            </a:r>
-            <a:r>
-              <a:rPr sz="1100" i="1" spc="-95" dirty="0">
-                <a:solidFill>
-                  <a:srgbClr val="777879"/>
-                </a:solidFill>
-                <a:latin typeface="AdobeClean-LightIt"/>
-                <a:cs typeface="AdobeClean-LightIt"/>
-              </a:rPr>
-              <a:t> </a:t>
-            </a:r>
-            <a:r>
-              <a:rPr sz="1100" i="1" spc="-15" dirty="0">
-                <a:solidFill>
-                  <a:srgbClr val="777879"/>
-                </a:solidFill>
-                <a:latin typeface="AdobeClean-LightIt"/>
-                <a:cs typeface="AdobeClean-LightIt"/>
-              </a:rPr>
-              <a:t>level</a:t>
-            </a:r>
-            <a:r>
-              <a:rPr sz="1100" i="1" spc="-55" dirty="0">
-                <a:solidFill>
-                  <a:srgbClr val="777879"/>
-                </a:solidFill>
-                <a:latin typeface="AdobeClean-LightIt"/>
-                <a:cs typeface="AdobeClean-LightIt"/>
-              </a:rPr>
-              <a:t> </a:t>
-            </a:r>
-            <a:r>
-              <a:rPr sz="1100" i="1" spc="-15" dirty="0">
-                <a:solidFill>
-                  <a:srgbClr val="777879"/>
-                </a:solidFill>
-                <a:latin typeface="AdobeClean-LightIt"/>
-                <a:cs typeface="AdobeClean-LightIt"/>
-              </a:rPr>
-              <a:t>for</a:t>
-            </a:r>
-            <a:r>
-              <a:rPr sz="1100" i="1" spc="-85" dirty="0">
-                <a:solidFill>
-                  <a:srgbClr val="777879"/>
-                </a:solidFill>
-                <a:latin typeface="AdobeClean-LightIt"/>
-                <a:cs typeface="AdobeClean-LightIt"/>
-              </a:rPr>
-              <a:t> </a:t>
-            </a:r>
-            <a:r>
-              <a:rPr sz="1100" i="1" spc="-15" dirty="0">
-                <a:solidFill>
-                  <a:srgbClr val="777879"/>
-                </a:solidFill>
-                <a:latin typeface="AdobeClean-LightIt"/>
-                <a:cs typeface="AdobeClean-LightIt"/>
-              </a:rPr>
-              <a:t>you,</a:t>
-            </a:r>
-            <a:r>
-              <a:rPr sz="1100" i="1" spc="-65" dirty="0">
-                <a:solidFill>
-                  <a:srgbClr val="777879"/>
-                </a:solidFill>
-                <a:latin typeface="AdobeClean-LightIt"/>
-                <a:cs typeface="AdobeClean-LightIt"/>
-              </a:rPr>
-              <a:t> </a:t>
-            </a:r>
-            <a:r>
-              <a:rPr sz="1100" i="1" spc="-15" dirty="0">
-                <a:solidFill>
-                  <a:srgbClr val="777879"/>
-                </a:solidFill>
-                <a:latin typeface="AdobeClean-LightIt"/>
-                <a:cs typeface="AdobeClean-LightIt"/>
-              </a:rPr>
-              <a:t>contact</a:t>
-            </a:r>
-            <a:r>
-              <a:rPr sz="1100" i="1" spc="-85" dirty="0">
-                <a:solidFill>
-                  <a:srgbClr val="777879"/>
-                </a:solidFill>
-                <a:latin typeface="AdobeClean-LightIt"/>
-                <a:cs typeface="AdobeClean-LightIt"/>
-              </a:rPr>
-              <a:t> </a:t>
-            </a:r>
-            <a:r>
-              <a:rPr sz="1100" i="1" spc="-15" dirty="0">
-                <a:solidFill>
-                  <a:srgbClr val="777879"/>
-                </a:solidFill>
-                <a:latin typeface="AdobeClean-LightIt"/>
-                <a:cs typeface="AdobeClean-LightIt"/>
-              </a:rPr>
-              <a:t>your</a:t>
-            </a:r>
-            <a:r>
-              <a:rPr sz="1100" i="1" spc="-70" dirty="0">
-                <a:solidFill>
-                  <a:srgbClr val="777879"/>
-                </a:solidFill>
-                <a:latin typeface="AdobeClean-LightIt"/>
-                <a:cs typeface="AdobeClean-LightIt"/>
-              </a:rPr>
-              <a:t> </a:t>
-            </a:r>
-            <a:r>
-              <a:rPr sz="1100" i="1" spc="-15" dirty="0">
-                <a:solidFill>
-                  <a:srgbClr val="777879"/>
-                </a:solidFill>
-                <a:latin typeface="AdobeClean-LightIt"/>
-                <a:cs typeface="AdobeClean-LightIt"/>
-              </a:rPr>
-              <a:t>Named</a:t>
-            </a:r>
-            <a:r>
-              <a:rPr sz="1100" i="1" spc="-55" dirty="0">
-                <a:solidFill>
-                  <a:srgbClr val="777879"/>
-                </a:solidFill>
-                <a:latin typeface="AdobeClean-LightIt"/>
-                <a:cs typeface="AdobeClean-LightIt"/>
-              </a:rPr>
-              <a:t> </a:t>
-            </a:r>
-            <a:r>
-              <a:rPr sz="1100" i="1" spc="-25" dirty="0">
-                <a:solidFill>
-                  <a:srgbClr val="777879"/>
-                </a:solidFill>
-                <a:latin typeface="AdobeClean-LightIt"/>
-                <a:cs typeface="AdobeClean-LightIt"/>
-              </a:rPr>
-              <a:t>Account</a:t>
-            </a:r>
-            <a:r>
-              <a:rPr sz="1100" i="1" spc="-120" dirty="0">
-                <a:solidFill>
-                  <a:srgbClr val="777879"/>
-                </a:solidFill>
-                <a:latin typeface="AdobeClean-LightIt"/>
-                <a:cs typeface="AdobeClean-LightIt"/>
-              </a:rPr>
-              <a:t> </a:t>
-            </a:r>
-            <a:r>
-              <a:rPr sz="1100" i="1" spc="-20" dirty="0">
-                <a:solidFill>
-                  <a:srgbClr val="777879"/>
-                </a:solidFill>
-                <a:latin typeface="AdobeClean-LightIt"/>
-                <a:cs typeface="AdobeClean-LightIt"/>
-              </a:rPr>
-              <a:t>Manager </a:t>
-            </a:r>
-            <a:r>
-              <a:rPr sz="1100" i="1" spc="-15" dirty="0">
-                <a:solidFill>
-                  <a:srgbClr val="777879"/>
-                </a:solidFill>
-                <a:latin typeface="AdobeClean-LightIt"/>
-                <a:cs typeface="AdobeClean-LightIt"/>
-              </a:rPr>
-              <a:t>(NAM) </a:t>
-            </a:r>
-            <a:r>
-              <a:rPr sz="1100" i="1" spc="-10" dirty="0">
-                <a:solidFill>
-                  <a:srgbClr val="777879"/>
-                </a:solidFill>
-                <a:latin typeface="AdobeClean-LightIt"/>
-                <a:cs typeface="AdobeClean-LightIt"/>
-              </a:rPr>
-              <a:t>or </a:t>
-            </a:r>
-            <a:r>
-              <a:rPr sz="1100" i="1" spc="-15" dirty="0">
-                <a:solidFill>
-                  <a:srgbClr val="777879"/>
-                </a:solidFill>
-                <a:latin typeface="AdobeClean-LightIt"/>
-                <a:cs typeface="AdobeClean-LightIt"/>
-              </a:rPr>
-              <a:t>Customer </a:t>
-            </a:r>
-            <a:r>
-              <a:rPr sz="1100" i="1" spc="-20" dirty="0">
-                <a:solidFill>
-                  <a:srgbClr val="777879"/>
-                </a:solidFill>
-                <a:latin typeface="AdobeClean-LightIt"/>
-                <a:cs typeface="AdobeClean-LightIt"/>
-              </a:rPr>
-              <a:t>Success</a:t>
-            </a:r>
-            <a:r>
-              <a:rPr sz="1100" i="1" spc="-180" dirty="0">
-                <a:solidFill>
-                  <a:srgbClr val="777879"/>
-                </a:solidFill>
-                <a:latin typeface="AdobeClean-LightIt"/>
-                <a:cs typeface="AdobeClean-LightIt"/>
-              </a:rPr>
-              <a:t> </a:t>
-            </a:r>
-            <a:r>
-              <a:rPr sz="1100" i="1" spc="-15" dirty="0">
-                <a:solidFill>
-                  <a:srgbClr val="777879"/>
-                </a:solidFill>
-                <a:latin typeface="AdobeClean-LightIt"/>
-                <a:cs typeface="AdobeClean-LightIt"/>
-              </a:rPr>
-              <a:t>Manager</a:t>
-            </a:r>
-            <a:r>
-              <a:rPr lang="en-US" sz="1100" i="1" spc="-15" dirty="0">
-                <a:solidFill>
-                  <a:srgbClr val="777879"/>
-                </a:solidFill>
-                <a:latin typeface="AdobeClean-LightIt"/>
-                <a:cs typeface="AdobeClean-LightIt"/>
-              </a:rPr>
-              <a:t> </a:t>
-            </a:r>
-            <a:r>
-              <a:rPr sz="1100" i="1" spc="-15" dirty="0">
-                <a:solidFill>
-                  <a:srgbClr val="777879"/>
-                </a:solidFill>
-                <a:latin typeface="AdobeClean-LightIt"/>
-                <a:cs typeface="AdobeClean-LightIt"/>
-              </a:rPr>
-              <a:t>(CSM)</a:t>
-            </a:r>
-            <a:r>
-              <a:rPr lang="en-US" sz="1100" i="1" spc="-15" dirty="0">
-                <a:solidFill>
-                  <a:srgbClr val="777879"/>
-                </a:solidFill>
-                <a:latin typeface="AdobeClean-LightIt"/>
-                <a:cs typeface="AdobeClean-LightIt"/>
-              </a:rPr>
-              <a:t>.</a:t>
-            </a:r>
-            <a:endParaRPr sz="1100" dirty="0">
-              <a:latin typeface="AdobeClean-LightIt"/>
-              <a:cs typeface="AdobeClean-LightIt"/>
-            </a:endParaRPr>
           </a:p>
           <a:p>
             <a:pPr marL="34290">
@@ -13915,59 +11703,15 @@
               </a:spcBef>
             </a:pPr>
             <a:r>
-              <a:rPr sz="800" spc="-5" dirty="0">
+              <a:rPr lang="it-IT" sz="800">
                 <a:solidFill>
                   <a:srgbClr val="6D6D6D"/>
                 </a:solidFill>
                 <a:latin typeface="Adobe Clean"/>
                 <a:cs typeface="Adobe Clean"/>
               </a:rPr>
-              <a:t>©202</a:t>
+              <a:t>©2022 Adobe. All Rights Reserved. Adobe Confidential.</a:t>
             </a:r>
-            <a:r>
-              <a:rPr lang="en-US" sz="800" spc="-5" dirty="0">
-                <a:solidFill>
-                  <a:srgbClr val="6D6D6D"/>
-                </a:solidFill>
-                <a:latin typeface="Adobe Clean"/>
-                <a:cs typeface="Adobe Clean"/>
-              </a:rPr>
-              <a:t>2</a:t>
-            </a:r>
-            <a:r>
-              <a:rPr sz="800" spc="-5" dirty="0">
-                <a:solidFill>
-                  <a:srgbClr val="6D6D6D"/>
-                </a:solidFill>
-                <a:latin typeface="Adobe Clean"/>
-                <a:cs typeface="Adobe Clean"/>
-              </a:rPr>
-              <a:t> Adobe. All Rights Reserved. Adobe</a:t>
-            </a:r>
-            <a:r>
-              <a:rPr sz="800" spc="75" dirty="0">
-                <a:solidFill>
-                  <a:srgbClr val="6D6D6D"/>
-                </a:solidFill>
-                <a:latin typeface="Adobe Clean"/>
-                <a:cs typeface="Adobe Clean"/>
-              </a:rPr>
-              <a:t> </a:t>
-            </a:r>
-            <a:r>
-              <a:rPr sz="800" spc="-5" dirty="0">
-                <a:solidFill>
-                  <a:srgbClr val="6D6D6D"/>
-                </a:solidFill>
-                <a:latin typeface="Adobe Clean"/>
-                <a:cs typeface="Adobe Clean"/>
-              </a:rPr>
-              <a:t>Confidential.</a:t>
-            </a:r>
-            <a:endParaRPr sz="800" dirty="0">
-              <a:latin typeface="Adobe Clean"/>
-              <a:cs typeface="Adobe Clean"/>
-            </a:endParaRPr>
           </a:p>
         </p:txBody>
       </p:sp>
@@ -14004,19 +11748,15 @@
               </a:spcBef>
             </a:pPr>
             <a:r>
-              <a:rPr lang="en-US" sz="1400" b="1" spc="-15" dirty="0">
+              <a:rPr lang="it-IT" sz="1400" b="1">
                 <a:solidFill>
                   <a:srgbClr val="020302"/>
                 </a:solidFill>
                 <a:latin typeface="Adobe Clean"/>
                 <a:cs typeface="Adobe Clean"/>
               </a:rPr>
-              <a:t>Regional scope of Adobe Support, Local Hours Of Operation And Language Support</a:t>
+              <a:t>Supporto Adobe: aree geografiche, orari operativi e lingue</a:t>
             </a:r>
-            <a:endParaRPr lang="en-US" sz="1400" spc="-15" dirty="0">
-              <a:ea typeface="+mn-lt"/>
-              <a:cs typeface="+mn-lt"/>
-            </a:endParaRPr>
           </a:p>
           <a:p>
             <a:pPr lvl="0">
@@ -14025,13 +11765,13 @@
               </a:spcBef>
             </a:pPr>
             <a:r>
-              <a:rPr lang="en-US" sz="1000" spc="-15" dirty="0">
+              <a:rPr lang="it-IT" sz="1000">
                 <a:solidFill>
                   <a:srgbClr val="1F1F1F"/>
                 </a:solidFill>
                 <a:latin typeface="AdobeClean-Light"/>
               </a:rPr>
-              <a:t>Adobe’s local business hours align to the customer’s billing region.</a:t>
+              <a:t>Gli orari operativi di Adobe dipendono dall’area geografica di fatturazione del cliente.</a:t>
             </a:r>
           </a:p>
         </p:txBody>
@@ -14134,8 +11874,8 @@
         </p:nvSpPr>
         <p:spPr>
           <a:xfrm>
-            <a:off x="2840871" y="8528519"/>
-            <a:ext cx="810895" cy="385445"/>
+            <a:off x="2800326" y="8528519"/>
+            <a:ext cx="891985" cy="385445"/>
           </a:xfrm>
           <a:prstGeom prst="rect">
             <a:avLst/>
@@ -14147,7 +11887,7 @@
           </a:bodyPr>
           <a:lstStyle/>
           <a:p>
-            <a:pPr marL="139065" marR="5080" indent="-139065">
+            <a:pPr marL="138113" marR="5080" indent="-23813" algn="ctr">
               <a:lnSpc>
                 <a:spcPts val="1390"/>
               </a:lnSpc>
@@ -14156,129 +11896,15 @@
               </a:spcBef>
             </a:pPr>
             <a:r>
-              <a:rPr sz="1200" b="1" spc="-15">
+              <a:rPr lang="it-IT" sz="1200" b="1" dirty="0">
                 <a:solidFill>
                   <a:srgbClr val="FFFFFF"/>
                 </a:solidFill>
                 <a:latin typeface="Adobe Clean"/>
                 <a:cs typeface="Adobe Clean"/>
               </a:rPr>
-              <a:t>U</a:t>
+              <a:t>Eccellenza tecnica</a:t>
             </a:r>
-            <a:r>
-              <a:rPr sz="1200" b="1" spc="-20">
-                <a:solidFill>
-                  <a:srgbClr val="FFFFFF"/>
-                </a:solidFill>
-                <a:latin typeface="Adobe Clean"/>
-                <a:cs typeface="Adobe Clean"/>
-              </a:rPr>
-              <a:t>n</a:t>
-            </a:r>
-            <a:r>
-              <a:rPr sz="1200" b="1" spc="-25">
-                <a:solidFill>
-                  <a:srgbClr val="FFFFFF"/>
-                </a:solidFill>
-                <a:latin typeface="Adobe Clean"/>
-                <a:cs typeface="Adobe Clean"/>
-              </a:rPr>
-              <a:t>p</a:t>
-            </a:r>
-            <a:r>
-              <a:rPr sz="1200" b="1" spc="-15">
-                <a:solidFill>
-                  <a:srgbClr val="FFFFFF"/>
-                </a:solidFill>
-                <a:latin typeface="Adobe Clean"/>
-                <a:cs typeface="Adobe Clean"/>
-              </a:rPr>
-              <a:t>a</a:t>
-            </a:r>
-            <a:r>
-              <a:rPr sz="1200" b="1" spc="-25">
-                <a:solidFill>
-                  <a:srgbClr val="FFFFFF"/>
-                </a:solidFill>
-                <a:latin typeface="Adobe Clean"/>
-                <a:cs typeface="Adobe Clean"/>
-              </a:rPr>
-              <a:t>r</a:t>
-            </a:r>
-            <a:r>
-              <a:rPr sz="1200" b="1" spc="-15">
-                <a:solidFill>
-                  <a:srgbClr val="FFFFFF"/>
-                </a:solidFill>
-                <a:latin typeface="Adobe Clean"/>
-                <a:cs typeface="Adobe Clean"/>
-              </a:rPr>
-              <a:t>a</a:t>
-            </a:r>
-            <a:r>
-              <a:rPr sz="1200" b="1" spc="-30">
-                <a:solidFill>
-                  <a:srgbClr val="FFFFFF"/>
-                </a:solidFill>
-                <a:latin typeface="Adobe Clean"/>
-                <a:cs typeface="Adobe Clean"/>
-              </a:rPr>
-              <a:t>ll</a:t>
-            </a:r>
-            <a:r>
-              <a:rPr sz="1200" b="1" spc="-25">
-                <a:solidFill>
-                  <a:srgbClr val="FFFFFF"/>
-                </a:solidFill>
-                <a:latin typeface="Adobe Clean"/>
-                <a:cs typeface="Adobe Clean"/>
-              </a:rPr>
-              <a:t>e</a:t>
-            </a:r>
-            <a:r>
-              <a:rPr sz="1200" b="1" spc="-30">
-                <a:solidFill>
-                  <a:srgbClr val="FFFFFF"/>
-                </a:solidFill>
-                <a:latin typeface="Adobe Clean"/>
-                <a:cs typeface="Adobe Clean"/>
-              </a:rPr>
-              <a:t>l</a:t>
-            </a:r>
-            <a:r>
-              <a:rPr sz="1200" b="1" spc="-25">
-                <a:solidFill>
-                  <a:srgbClr val="FFFFFF"/>
-                </a:solidFill>
-                <a:latin typeface="Adobe Clean"/>
-                <a:cs typeface="Adobe Clean"/>
-              </a:rPr>
-              <a:t>e</a:t>
-            </a:r>
-            <a:r>
-              <a:rPr sz="1200" b="1">
-                <a:solidFill>
-                  <a:srgbClr val="FFFFFF"/>
-                </a:solidFill>
-                <a:latin typeface="Adobe Clean"/>
-                <a:cs typeface="Adobe Clean"/>
-              </a:rPr>
-              <a:t>d  </a:t>
-            </a:r>
-            <a:r>
-              <a:rPr sz="1200" b="1" spc="-25">
-                <a:solidFill>
-                  <a:srgbClr val="FFFFFF"/>
-                </a:solidFill>
-                <a:latin typeface="Adobe Clean"/>
-                <a:cs typeface="Adobe Clean"/>
-              </a:rPr>
-              <a:t>Expertise</a:t>
-            </a:r>
-            <a:endParaRPr sz="1200">
-              <a:latin typeface="Adobe Clean"/>
-              <a:cs typeface="Adobe Clean"/>
-            </a:endParaRPr>
           </a:p>
         </p:txBody>
       </p:sp>
@@ -14296,8 +11922,8 @@
         </p:nvSpPr>
         <p:spPr>
           <a:xfrm>
-            <a:off x="4732495" y="8541244"/>
-            <a:ext cx="810895" cy="382797"/>
+            <a:off x="4691950" y="8541244"/>
+            <a:ext cx="891985" cy="382797"/>
           </a:xfrm>
           <a:prstGeom prst="rect">
             <a:avLst/>
@@ -14309,7 +11935,7 @@
           </a:bodyPr>
           <a:lstStyle/>
           <a:p>
-            <a:pPr marL="139065" marR="5080" indent="-139065">
+            <a:pPr marR="5080" algn="ctr">
               <a:lnSpc>
                 <a:spcPts val="1390"/>
               </a:lnSpc>
@@ -14318,19 +11944,15 @@
               </a:spcBef>
             </a:pPr>
             <a:r>
-              <a:rPr lang="en-US" sz="1200" b="1" spc="-15">
+              <a:rPr lang="it-IT" sz="1200" b="1" dirty="0">
                 <a:solidFill>
                   <a:srgbClr val="FFFFFF"/>
                 </a:solidFill>
                 <a:latin typeface="Adobe Clean"/>
                 <a:cs typeface="Adobe Clean"/>
               </a:rPr>
-              <a:t>Accelerated Support</a:t>
+              <a:t>Supporto rapido</a:t>
             </a:r>
-            <a:endParaRPr sz="1200">
-              <a:latin typeface="Adobe Clean"/>
-              <a:cs typeface="Adobe Clean"/>
-            </a:endParaRPr>
           </a:p>
         </p:txBody>
       </p:sp>
@@ -14348,8 +11970,8 @@
         </p:nvSpPr>
         <p:spPr>
           <a:xfrm>
-            <a:off x="6624119" y="8543943"/>
-            <a:ext cx="510540" cy="385445"/>
+            <a:off x="6468275" y="8543943"/>
+            <a:ext cx="822229" cy="741870"/>
           </a:xfrm>
           <a:prstGeom prst="rect">
             <a:avLst/>
@@ -14361,7 +11983,7 @@
           </a:bodyPr>
           <a:lstStyle/>
           <a:p>
-            <a:pPr marL="50800" marR="5080" indent="-51435">
+            <a:pPr marL="50800" marR="5080" indent="-51435" algn="ctr">
               <a:lnSpc>
                 <a:spcPts val="1390"/>
               </a:lnSpc>
@@ -14370,109 +11992,15 @@
               </a:spcBef>
             </a:pPr>
             <a:r>
-              <a:rPr sz="1200" b="1" spc="-50">
+              <a:rPr lang="it-IT" sz="1200" b="1" dirty="0">
                 <a:solidFill>
                   <a:srgbClr val="FFFFFF"/>
                 </a:solidFill>
                 <a:latin typeface="Adobe Clean"/>
                 <a:cs typeface="Adobe Clean"/>
               </a:rPr>
-              <a:t>S</a:t>
+              <a:t>Consulenza strategica</a:t>
             </a:r>
-            <a:r>
-              <a:rPr sz="1200" b="1" spc="-20">
-                <a:solidFill>
-                  <a:srgbClr val="FFFFFF"/>
-                </a:solidFill>
-                <a:latin typeface="Adobe Clean"/>
-                <a:cs typeface="Adobe Clean"/>
-              </a:rPr>
-              <a:t>t</a:t>
-            </a:r>
-            <a:r>
-              <a:rPr sz="1200" b="1" spc="-75">
-                <a:solidFill>
-                  <a:srgbClr val="FFFFFF"/>
-                </a:solidFill>
-                <a:latin typeface="Adobe Clean"/>
-                <a:cs typeface="Adobe Clean"/>
-              </a:rPr>
-              <a:t>r</a:t>
-            </a:r>
-            <a:r>
-              <a:rPr sz="1200" b="1" spc="-90">
-                <a:solidFill>
-                  <a:srgbClr val="FFFFFF"/>
-                </a:solidFill>
-                <a:latin typeface="Adobe Clean"/>
-                <a:cs typeface="Adobe Clean"/>
-              </a:rPr>
-              <a:t>a</a:t>
-            </a:r>
-            <a:r>
-              <a:rPr sz="1200" b="1" spc="-55">
-                <a:solidFill>
-                  <a:srgbClr val="FFFFFF"/>
-                </a:solidFill>
-                <a:latin typeface="Adobe Clean"/>
-                <a:cs typeface="Adobe Clean"/>
-              </a:rPr>
-              <a:t>t</a:t>
-            </a:r>
-            <a:r>
-              <a:rPr sz="1200" b="1" spc="-100">
-                <a:solidFill>
-                  <a:srgbClr val="FFFFFF"/>
-                </a:solidFill>
-                <a:latin typeface="Adobe Clean"/>
-                <a:cs typeface="Adobe Clean"/>
-              </a:rPr>
-              <a:t>e</a:t>
-            </a:r>
-            <a:r>
-              <a:rPr sz="1200" b="1" spc="-80">
-                <a:solidFill>
-                  <a:srgbClr val="FFFFFF"/>
-                </a:solidFill>
-                <a:latin typeface="Adobe Clean"/>
-                <a:cs typeface="Adobe Clean"/>
-              </a:rPr>
-              <a:t>g</a:t>
-            </a:r>
-            <a:r>
-              <a:rPr sz="1200" b="1" spc="-35">
-                <a:solidFill>
-                  <a:srgbClr val="FFFFFF"/>
-                </a:solidFill>
-                <a:latin typeface="Adobe Clean"/>
-                <a:cs typeface="Adobe Clean"/>
-              </a:rPr>
-              <a:t>i</a:t>
-            </a:r>
-            <a:r>
-              <a:rPr sz="1200" b="1">
-                <a:solidFill>
-                  <a:srgbClr val="FFFFFF"/>
-                </a:solidFill>
-                <a:latin typeface="Adobe Clean"/>
-                <a:cs typeface="Adobe Clean"/>
-              </a:rPr>
-              <a:t>c  </a:t>
-            </a:r>
-            <a:r>
-              <a:rPr sz="1200" b="1" spc="-45">
-                <a:solidFill>
-                  <a:srgbClr val="FFFFFF"/>
-                </a:solidFill>
-                <a:latin typeface="Adobe Clean"/>
-                <a:cs typeface="Adobe Clean"/>
-              </a:rPr>
-              <a:t>Advice</a:t>
-            </a:r>
-            <a:endParaRPr sz="1200">
-              <a:latin typeface="Adobe Clean"/>
-              <a:cs typeface="Adobe Clean"/>
-            </a:endParaRPr>
           </a:p>
         </p:txBody>
       </p:sp>
@@ -14661,16 +12189,16 @@
                     <a:p>
                       <a:pPr algn="ctr"/>
                       <a:r>
-                        <a:rPr lang="en-US" sz="1100">
+                        <a:rPr lang="it-IT" sz="1100">
                           <a:solidFill>
                             <a:schemeClr val="tx1"/>
                           </a:solidFill>
                           <a:latin typeface="Adobe Clean" panose="020B0503020404020204" pitchFamily="34" charset="0"/>
                         </a:rPr>
-                        <a:t>Americas </a:t>
+                        <a:t>Americhe </a:t>
                       </a:r>
                       <a:r>
-                        <a:rPr lang="en-US" sz="1100" baseline="30000">
+                        <a:rPr lang="it-IT" sz="1100" baseline="30000">
                           <a:solidFill>
                             <a:schemeClr val="tx1"/>
                           </a:solidFill>
@@ -14735,13 +12263,13 @@
                     <a:p>
                       <a:pPr algn="ctr"/>
                       <a:r>
-                        <a:rPr lang="en-US" sz="1100">
+                        <a:rPr lang="it-IT" sz="1100">
                           <a:solidFill>
                             <a:schemeClr val="tx1"/>
                           </a:solidFill>
                           <a:latin typeface="Adobe Clean" panose="020B0503020404020204" pitchFamily="34" charset="0"/>
                         </a:rPr>
-                        <a:t>Europe, Middle East &amp; Africa</a:t>
+                        <a:t>Europa, Medio Oriente e Africa</a:t>
                       </a:r>
                     </a:p>
                   </a:txBody>
@@ -14800,13 +12328,13 @@
                     <a:p>
                       <a:pPr algn="ctr"/>
                       <a:r>
-                        <a:rPr lang="en-US" sz="1100">
+                        <a:rPr lang="it-IT" sz="1100">
                           <a:solidFill>
                             <a:schemeClr val="tx1"/>
                           </a:solidFill>
                           <a:latin typeface="Adobe Clean" panose="020B0503020404020204" pitchFamily="34" charset="0"/>
                         </a:rPr>
-                        <a:t>Asia Pacific</a:t>
+                        <a:t>Asia-Pacifico</a:t>
                       </a:r>
                     </a:p>
                   </a:txBody>
@@ -14865,13 +12393,13 @@
                     <a:p>
                       <a:pPr algn="ctr"/>
                       <a:r>
-                        <a:rPr lang="en-US" sz="1100">
+                        <a:rPr lang="it-IT" sz="1100">
                           <a:solidFill>
                             <a:schemeClr val="tx1"/>
                           </a:solidFill>
                           <a:latin typeface="Adobe Clean" panose="020B0503020404020204" pitchFamily="34" charset="0"/>
                         </a:rPr>
-                        <a:t>Japan </a:t>
+                        <a:t>Giappone </a:t>
                       </a:r>
                     </a:p>
                   </a:txBody>
@@ -14937,7 +12465,7 @@
                     <a:p>
                       <a:pPr algn="ctr"/>
                       <a:r>
-                        <a:rPr lang="en-US" sz="1100">
+                        <a:rPr lang="it-IT" sz="1100">
                           <a:solidFill>
                             <a:schemeClr val="tx1"/>
                           </a:solidFill>
@@ -15002,13 +12530,13 @@
                     <a:p>
                       <a:pPr algn="ctr"/>
                       <a:r>
-                        <a:rPr lang="en-US" sz="1100">
+                        <a:rPr lang="it-IT" sz="1100">
                           <a:solidFill>
                             <a:schemeClr val="tx1"/>
                           </a:solidFill>
                           <a:latin typeface="Adobe Clean" panose="020B0503020404020204" pitchFamily="34" charset="0"/>
                         </a:rPr>
-                        <a:t>9 am – 5 pm</a:t>
+                        <a:t>09:00 – 17:00</a:t>
                       </a:r>
                     </a:p>
                   </a:txBody>
@@ -15067,13 +12595,13 @@
                     <a:p>
                       <a:pPr algn="ctr"/>
                       <a:r>
-                        <a:rPr lang="en-US" sz="1100">
+                        <a:rPr lang="it-IT" sz="1100">
                           <a:solidFill>
                             <a:schemeClr val="tx1"/>
                           </a:solidFill>
                           <a:latin typeface="Adobe Clean" panose="020B0503020404020204" pitchFamily="34" charset="0"/>
                         </a:rPr>
-                        <a:t>9 am – 5 pm</a:t>
+                        <a:t>09:00 – 17:00</a:t>
                       </a:r>
                     </a:p>
                   </a:txBody>
@@ -15132,13 +12660,13 @@
                     <a:p>
                       <a:pPr algn="ctr"/>
                       <a:r>
-                        <a:rPr lang="en-US" sz="1100">
+                        <a:rPr lang="it-IT" sz="1100">
                           <a:solidFill>
                             <a:schemeClr val="tx1"/>
                           </a:solidFill>
                           <a:latin typeface="Adobe Clean" panose="020B0503020404020204" pitchFamily="34" charset="0"/>
                         </a:rPr>
-                        <a:t>9 am – 5:30 pm</a:t>
+                        <a:t>09:00 – 17:30</a:t>
                       </a:r>
                     </a:p>
                   </a:txBody>
@@ -15202,7 +12730,7 @@
                     <a:bodyPr/>
                     <a:lstStyle/>
                     <a:p>
-                      <a:pPr marL="0" marR="0" lvl="0" indent="0" algn="ctr" defTabSz="914400" eaLnBrk="1" fontAlgn="auto" latinLnBrk="0" hangingPunct="1">
+                      <a:pPr marL="0" marR="0" lvl="0" indent="0" algn="l" defTabSz="914400" rtl="0" eaLnBrk="1" fontAlgn="auto" latinLnBrk="0" hangingPunct="1">
                         <a:lnSpc>
                           <a:spcPct val="100000"/>
                         </a:lnSpc>
@@ -15245,7 +12773,7 @@
                         <a:defRPr/>
                       </a:pPr>
                       <a:r>
-                        <a:rPr lang="en-US" sz="1100" baseline="30000" dirty="0">
+                        <a:rPr lang="it-IT" sz="1100" baseline="30000">
                           <a:solidFill>
                             <a:schemeClr val="tx1"/>
                           </a:solidFill>
@@ -15254,17 +12782,17 @@
                         <a:t>1</a:t>
                       </a:r>
                       <a:r>
-                        <a:rPr lang="en-US" sz="1100" dirty="0">
+                        <a:rPr lang="it-IT" sz="1100">
                           <a:solidFill>
                             <a:schemeClr val="tx1"/>
                           </a:solidFill>
                           <a:latin typeface="Adobe Clean" panose="020B0503020404020204" pitchFamily="34" charset="0"/>
                         </a:rPr>
-                        <a:t>Americas Language support available in English only.</a:t>
+                        <a:t>Americhe Supporto linguistico disponibile solo in inglese.</a:t>
                       </a:r>
                     </a:p>
                     <a:p>
-                      <a:pPr marL="0" marR="0" lvl="0" indent="0" algn="ctr" defTabSz="914400" eaLnBrk="1" fontAlgn="auto" latinLnBrk="0" hangingPunct="1">
+                      <a:pPr marL="0" marR="0" lvl="0" indent="0" algn="l" defTabSz="914400" rtl="0" eaLnBrk="1" fontAlgn="auto" latinLnBrk="0" hangingPunct="1">
                         <a:lnSpc>
                           <a:spcPct val="100000"/>
                         </a:lnSpc>
@@ -15560,7 +13088,7 @@
         </p:nvGraphicFramePr>
         <p:xfrm>
           <a:off x="194237" y="1272353"/>
-          <a:ext cx="7368291" cy="2473960"/>
+          <a:ext cx="7368291" cy="2626360"/>
         </p:xfrm>
         <a:graphic>
           <a:graphicData uri="http://schemas.openxmlformats.org/drawingml/2006/table">
@@ -15594,7 +13122,7 @@
                         <a:buNone/>
                       </a:pPr>
                       <a:r>
-                        <a:rPr lang="en-US" sz="1200" b="0" strike="noStrike" dirty="0">
+                        <a:rPr lang="it-IT" sz="1200" b="0" strike="noStrike">
                           <a:solidFill>
                             <a:srgbClr val="5F5F5F"/>
                           </a:solidFill>
@@ -15603,9 +13131,8 @@
                           <a:cs typeface="+mn-cs"/>
                           <a:hlinkClick r:id="rId13"/>
                         </a:rPr>
-                        <a:t>Enterprise Learn &amp; Support</a:t>
+                        <a:t>Informazioni e supporto Enterprise</a:t>
                       </a:r>
-                      <a:endParaRPr lang="en-US"/>
                     </a:p>
                   </a:txBody>
                   <a:tcPr marL="47625" marR="47625" marT="0" marB="0" anchor="ctr">
@@ -15677,7 +13204,7 @@
                         <a:buNone/>
                       </a:pPr>
                       <a:r>
-                        <a:rPr lang="en-US" sz="1000" b="0" strike="noStrike" kern="1200" dirty="0">
+                        <a:rPr lang="it-IT" sz="1000" b="0" strike="noStrike">
                           <a:solidFill>
                             <a:schemeClr val="tx1"/>
                           </a:solidFill>
@@ -15685,7 +13212,7 @@
                           <a:ea typeface="+mn-ea"/>
                           <a:cs typeface="+mn-cs"/>
                         </a:rPr>
-                        <a:t>Enterprise Learn &amp; Support is a place where Adobe customers can find self-help tutorials, product documentation, instructor-led training, community and support for select Adobe Creative Cloud and Document products.</a:t>
+                        <a:t>Informazioni e supporto Enterprise è un luogo dove i clienti Adobe possono trovare tutorial di assistenza autonoma, documentazione dei prodotti, formazione con istruttore, community e supporto per alcuni prodotti Adobe Creative Cloud e Document.</a:t>
                       </a:r>
                     </a:p>
                   </a:txBody>
@@ -15767,11 +13294,10 @@
                         <a:defRPr/>
                       </a:pPr>
                       <a:r>
-                        <a:rPr lang="en-US" sz="1200" strike="noStrike" dirty="0">
+                        <a:rPr lang="it-IT" sz="1200" strike="noStrike">
                           <a:solidFill>
                             <a:srgbClr val="5F5F5F"/>
                           </a:solidFill>
-                          <a:effectLst/>
                           <a:latin typeface="Adobe Clean"/>
                           <a:ea typeface="+mn-ea"/>
                           <a:cs typeface="+mn-cs"/>
@@ -15783,17 +13309,8 @@
                             </a:extLst>
                           </a:hlinkClick>
                         </a:rPr>
-                        <a:t>Adobe Support Community </a:t>
+                        <a:t>Community di supporto Adobe </a:t>
                       </a:r>
-                      <a:endParaRPr lang="en-US" sz="1200" strike="noStrike" dirty="0">
-                        <a:solidFill>
-                          <a:srgbClr val="5F5F5F"/>
-                        </a:solidFill>
-                        <a:effectLst/>
-                        <a:latin typeface="Adobe Clean"/>
-                        <a:ea typeface="+mn-ea"/>
-                        <a:cs typeface="+mn-cs"/>
-                      </a:endParaRPr>
                     </a:p>
                   </a:txBody>
                   <a:tcPr anchor="ctr">
@@ -15867,7 +13384,7 @@
                         <a:defRPr/>
                       </a:pPr>
                       <a:r>
-                        <a:rPr lang="en-US" sz="1000" strike="noStrike" kern="1200" dirty="0">
+                        <a:rPr lang="it-IT" sz="1000" strike="noStrike">
                           <a:solidFill>
                             <a:schemeClr val="tx1"/>
                           </a:solidFill>
@@ -15875,19 +13392,8 @@
                           <a:ea typeface="+mn-ea"/>
                           <a:cs typeface="+mn-cs"/>
                         </a:rPr>
-                        <a:t>The Adobe Support Community is the place to ask questions, find answers, learn from experts and share your knowledge.</a:t>
+                        <a:t>La Community di supporto Adobe è il luogo in cui porre domande, trovare risposte, imparare dagli esperti e condividere le proprie conoscenze.</a:t>
                       </a:r>
-                      <a:endParaRPr lang="en-US" sz="1000" strike="noStrike" kern="1200" dirty="0">
-                        <a:solidFill>
-                          <a:schemeClr val="tx1"/>
-                        </a:solidFill>
-                        <a:highlight>
-                          <a:srgbClr val="FFFF00"/>
-                        </a:highlight>
-                        <a:latin typeface="Adobe Clean Light" panose="020B0303020404020204" pitchFamily="34" charset="0"/>
-                        <a:ea typeface="+mn-ea"/>
-                        <a:cs typeface="+mn-cs"/>
-                      </a:endParaRPr>
                     </a:p>
                   </a:txBody>
                   <a:tcPr anchor="ctr">
@@ -15968,11 +13474,10 @@
                         <a:defRPr/>
                       </a:pPr>
                       <a:r>
-                        <a:rPr lang="en-US" sz="1200" dirty="0">
+                        <a:rPr lang="it-IT" sz="1200">
                           <a:solidFill>
                             <a:srgbClr val="5F5F5F"/>
                           </a:solidFill>
-                          <a:effectLst/>
                           <a:latin typeface="Adobe Clean"/>
                           <a:ea typeface="+mn-ea"/>
                           <a:cs typeface="+mn-cs"/>
@@ -15984,17 +13489,8 @@
                             </a:extLst>
                           </a:hlinkClick>
                         </a:rPr>
-                        <a:t>Production Issues &amp; System Outages</a:t>
+                        <a:t>Problemi di produzione e interruzioni del sistema</a:t>
                       </a:r>
-                      <a:endParaRPr lang="en-US" sz="1200" dirty="0">
-                        <a:solidFill>
-                          <a:srgbClr val="5F5F5F"/>
-                        </a:solidFill>
-                        <a:effectLst/>
-                        <a:latin typeface="Adobe Clean"/>
-                        <a:ea typeface="+mn-ea"/>
-                        <a:cs typeface="+mn-cs"/>
-                      </a:endParaRPr>
                     </a:p>
                   </a:txBody>
                   <a:tcPr anchor="ctr">
@@ -16068,7 +13564,7 @@
                         <a:defRPr/>
                       </a:pPr>
                       <a:r>
-                        <a:rPr lang="en-US" sz="1000" kern="1200" dirty="0">
+                        <a:rPr lang="it-IT" sz="1000">
                           <a:solidFill>
                             <a:schemeClr val="tx1"/>
                           </a:solidFill>
@@ -16076,7 +13572,7 @@
                           <a:ea typeface="+mn-ea"/>
                           <a:cs typeface="+mn-cs"/>
                         </a:rPr>
-                        <a:t>Status.adobe.com conveys the health information of all Adobe products and services that are deployed in multi-tenant environments. Customers can choose their subscription preferences to get email notifications whenever Adobe creates, updates or resolves a product event. This can include scheduled maintenance or service issues of varying levels of severity. </a:t>
+                        <a:t>Status.adobe.com trasmette informazioni sullo stato di tutti i prodotti e i servizi Adobe implementati in ambienti multi-tenant. Puoi scegliere se ricevere notifiche e-mail ogni volta che Adobe segnala, aggiorna o risolve un problema relativo a un prodotto. Vengono segnalate ad esempio le interruzioni per manutenzione programmata o problemi relativi ai servizi con diversi livelli di gravità. </a:t>
                       </a:r>
                     </a:p>
                   </a:txBody>
@@ -16158,11 +13654,10 @@
                         <a:defRPr/>
                       </a:pPr>
                       <a:r>
-                        <a:rPr lang="en-US" sz="1200" dirty="0">
+                        <a:rPr lang="it-IT" sz="1200">
                           <a:solidFill>
                             <a:srgbClr val="5F5F5F"/>
                           </a:solidFill>
-                          <a:effectLst/>
                           <a:latin typeface="Adobe Clean"/>
                           <a:ea typeface="+mn-ea"/>
                           <a:cs typeface="+mn-cs"/>
@@ -16174,17 +13669,8 @@
                             </a:extLst>
                           </a:hlinkClick>
                         </a:rPr>
-                        <a:t>Terms and Conditions</a:t>
+                        <a:t>Termini e condizioni</a:t>
                       </a:r>
-                      <a:endParaRPr lang="en-US" sz="1200" dirty="0">
-                        <a:solidFill>
-                          <a:srgbClr val="5F5F5F"/>
-                        </a:solidFill>
-                        <a:effectLst/>
-                        <a:latin typeface="Adobe Clean"/>
-                        <a:ea typeface="+mn-ea"/>
-                        <a:cs typeface="+mn-cs"/>
-                      </a:endParaRPr>
                     </a:p>
                   </a:txBody>
                   <a:tcPr anchor="ctr">
@@ -16241,7 +13727,7 @@
                     <a:lstStyle/>
                     <a:p>
                       <a:r>
-                        <a:rPr lang="en-US" sz="1000" kern="1200" dirty="0">
+                        <a:rPr lang="it-IT" sz="1000">
                           <a:solidFill>
                             <a:schemeClr val="tx1"/>
                           </a:solidFill>
@@ -16249,7 +13735,7 @@
                           <a:ea typeface="+mn-ea"/>
                           <a:cs typeface="+mn-cs"/>
                         </a:rPr>
-                        <a:t>Terms and conditions detailing Support Services offerings.</a:t>
+                        <a:t>Termini e condizioni che descrivono i servizi di supporto disponibili.</a:t>
                       </a:r>
                     </a:p>
                   </a:txBody>
@@ -16326,7 +13812,7 @@
         <p:spPr>
           <a:xfrm>
             <a:off x="194237" y="911588"/>
-            <a:ext cx="777240" cy="77016"/>
+            <a:ext cx="594360" cy="77016"/>
           </a:xfrm>
           <a:custGeom>
             <a:avLst/>
